--- a/student_lessons/C_Sentiment_Unsupervised/Day3_liveB_ClusteringReview.pptx
+++ b/student_lessons/C_Sentiment_Unsupervised/Day3_liveB_ClusteringReview.pptx
@@ -5,7 +5,7 @@
     <p:sldMasterId id="2147483660" r:id="rId1"/>
   </p:sldMasterIdLst>
   <p:notesMasterIdLst>
-    <p:notesMasterId r:id="rId46"/>
+    <p:notesMasterId r:id="rId47"/>
   </p:notesMasterIdLst>
   <p:sldIdLst>
     <p:sldId id="593" r:id="rId2"/>
@@ -23,35 +23,36 @@
     <p:sldId id="826" r:id="rId14"/>
     <p:sldId id="827" r:id="rId15"/>
     <p:sldId id="825" r:id="rId16"/>
-    <p:sldId id="864" r:id="rId17"/>
-    <p:sldId id="837" r:id="rId18"/>
-    <p:sldId id="831" r:id="rId19"/>
-    <p:sldId id="838" r:id="rId20"/>
-    <p:sldId id="839" r:id="rId21"/>
-    <p:sldId id="840" r:id="rId22"/>
-    <p:sldId id="842" r:id="rId23"/>
-    <p:sldId id="846" r:id="rId24"/>
-    <p:sldId id="849" r:id="rId25"/>
-    <p:sldId id="850" r:id="rId26"/>
-    <p:sldId id="851" r:id="rId27"/>
-    <p:sldId id="860" r:id="rId28"/>
-    <p:sldId id="845" r:id="rId29"/>
-    <p:sldId id="844" r:id="rId30"/>
-    <p:sldId id="853" r:id="rId31"/>
-    <p:sldId id="833" r:id="rId32"/>
-    <p:sldId id="854" r:id="rId33"/>
-    <p:sldId id="861" r:id="rId34"/>
-    <p:sldId id="857" r:id="rId35"/>
-    <p:sldId id="862" r:id="rId36"/>
-    <p:sldId id="858" r:id="rId37"/>
-    <p:sldId id="863" r:id="rId38"/>
-    <p:sldId id="859" r:id="rId39"/>
-    <p:sldId id="832" r:id="rId40"/>
-    <p:sldId id="855" r:id="rId41"/>
-    <p:sldId id="856" r:id="rId42"/>
-    <p:sldId id="865" r:id="rId43"/>
-    <p:sldId id="866" r:id="rId44"/>
-    <p:sldId id="834" r:id="rId45"/>
+    <p:sldId id="867" r:id="rId17"/>
+    <p:sldId id="864" r:id="rId18"/>
+    <p:sldId id="837" r:id="rId19"/>
+    <p:sldId id="831" r:id="rId20"/>
+    <p:sldId id="838" r:id="rId21"/>
+    <p:sldId id="839" r:id="rId22"/>
+    <p:sldId id="840" r:id="rId23"/>
+    <p:sldId id="842" r:id="rId24"/>
+    <p:sldId id="846" r:id="rId25"/>
+    <p:sldId id="849" r:id="rId26"/>
+    <p:sldId id="850" r:id="rId27"/>
+    <p:sldId id="851" r:id="rId28"/>
+    <p:sldId id="860" r:id="rId29"/>
+    <p:sldId id="845" r:id="rId30"/>
+    <p:sldId id="844" r:id="rId31"/>
+    <p:sldId id="853" r:id="rId32"/>
+    <p:sldId id="833" r:id="rId33"/>
+    <p:sldId id="854" r:id="rId34"/>
+    <p:sldId id="861" r:id="rId35"/>
+    <p:sldId id="857" r:id="rId36"/>
+    <p:sldId id="862" r:id="rId37"/>
+    <p:sldId id="858" r:id="rId38"/>
+    <p:sldId id="863" r:id="rId39"/>
+    <p:sldId id="859" r:id="rId40"/>
+    <p:sldId id="832" r:id="rId41"/>
+    <p:sldId id="855" r:id="rId42"/>
+    <p:sldId id="856" r:id="rId43"/>
+    <p:sldId id="865" r:id="rId44"/>
+    <p:sldId id="866" r:id="rId45"/>
+    <p:sldId id="834" r:id="rId46"/>
   </p:sldIdLst>
   <p:sldSz cx="9144000" cy="6858000" type="screen4x3"/>
   <p:notesSz cx="6858000" cy="9144000"/>
@@ -15188,7 +15189,7 @@
           <a:p>
             <a:fld id="{B0C0A60C-850A-4EA4-9C14-A8FE98B94505}" type="datetimeFigureOut">
               <a:rPr lang="en-US" smtClean="0"/>
-              <a:t>1/6/21</a:t>
+              <a:t>6/15/21</a:t>
             </a:fld>
             <a:endParaRPr lang="en-US"/>
           </a:p>
@@ -15587,7 +15588,7 @@
           <a:p>
             <a:fld id="{5738B90E-0779-4C36-915C-6F05FCD89456}" type="datetime1">
               <a:rPr lang="en-US" smtClean="0"/>
-              <a:t>1/6/21</a:t>
+              <a:t>6/15/21</a:t>
             </a:fld>
             <a:endParaRPr lang="en-US"/>
           </a:p>
@@ -15784,7 +15785,7 @@
           <a:p>
             <a:fld id="{7B9EA29D-D431-42FE-B7B6-AAE4454C77D3}" type="datetime1">
               <a:rPr lang="en-US" smtClean="0"/>
-              <a:t>1/6/21</a:t>
+              <a:t>6/15/21</a:t>
             </a:fld>
             <a:endParaRPr lang="en-US"/>
           </a:p>
@@ -16139,7 +16140,7 @@
           <a:p>
             <a:fld id="{690D8A1E-EA8F-46C1-B891-AE0C00D9C314}" type="datetime1">
               <a:rPr lang="en-US" smtClean="0"/>
-              <a:t>1/6/21</a:t>
+              <a:t>6/15/21</a:t>
             </a:fld>
             <a:endParaRPr lang="en-US"/>
           </a:p>
@@ -16447,7 +16448,7 @@
           <a:p>
             <a:fld id="{D753EFC8-4232-4598-94F6-94C0EBAFC469}" type="datetime1">
               <a:rPr lang="en-US" smtClean="0"/>
-              <a:t>1/6/21</a:t>
+              <a:t>6/15/21</a:t>
             </a:fld>
             <a:endParaRPr lang="en-US"/>
           </a:p>
@@ -16776,7 +16777,7 @@
           <a:p>
             <a:fld id="{F3161074-1C18-4AE7-957D-F18524378C85}" type="datetime1">
               <a:rPr lang="en-US" smtClean="0"/>
-              <a:t>1/6/21</a:t>
+              <a:t>6/15/21</a:t>
             </a:fld>
             <a:endParaRPr lang="en-US"/>
           </a:p>
@@ -17029,7 +17030,7 @@
           <a:p>
             <a:fld id="{69BE256C-8D9A-4404-B47D-41A1AE514425}" type="datetime1">
               <a:rPr lang="en-US" smtClean="0"/>
-              <a:t>1/6/21</a:t>
+              <a:t>6/15/21</a:t>
             </a:fld>
             <a:endParaRPr lang="en-US"/>
           </a:p>
@@ -17477,7 +17478,7 @@
           <a:p>
             <a:fld id="{66CB2154-9035-4012-8189-BAAB61C5A5EE}" type="datetime1">
               <a:rPr lang="en-US" smtClean="0"/>
-              <a:t>1/6/21</a:t>
+              <a:t>6/15/21</a:t>
             </a:fld>
             <a:endParaRPr lang="en-US"/>
           </a:p>
@@ -17665,7 +17666,7 @@
           <a:p>
             <a:fld id="{6700A58B-DD98-43D0-B791-721480A02982}" type="datetime1">
               <a:rPr lang="en-US" smtClean="0"/>
-              <a:t>1/6/21</a:t>
+              <a:t>6/15/21</a:t>
             </a:fld>
             <a:endParaRPr lang="en-US"/>
           </a:p>
@@ -17871,7 +17872,7 @@
           <a:p>
             <a:fld id="{7DB6E382-4F61-4E24-BE1A-377EC83D0E3A}" type="datetime1">
               <a:rPr lang="en-US" smtClean="0"/>
-              <a:t>1/6/21</a:t>
+              <a:t>6/15/21</a:t>
             </a:fld>
             <a:endParaRPr lang="en-US"/>
           </a:p>
@@ -18277,7 +18278,7 @@
           <a:p>
             <a:fld id="{4142EED6-FC16-45B9-B8C4-2BC5DBA88325}" type="datetime1">
               <a:rPr lang="en-US" smtClean="0"/>
-              <a:t>1/6/21</a:t>
+              <a:t>6/15/21</a:t>
             </a:fld>
             <a:endParaRPr lang="en-US"/>
           </a:p>
@@ -18609,7 +18610,7 @@
           <a:p>
             <a:fld id="{DF59512B-4F1D-43D7-8819-2F53FEF69650}" type="datetime1">
               <a:rPr lang="en-US" smtClean="0"/>
-              <a:t>1/6/21</a:t>
+              <a:t>6/15/21</a:t>
             </a:fld>
             <a:endParaRPr lang="en-US"/>
           </a:p>
@@ -18899,7 +18900,7 @@
           <a:p>
             <a:fld id="{08437B94-E2BF-44DC-ADC5-B05FC9934E9D}" type="datetime1">
               <a:rPr lang="en-US" smtClean="0"/>
-              <a:t>1/6/21</a:t>
+              <a:t>6/15/21</a:t>
             </a:fld>
             <a:endParaRPr lang="en-US"/>
           </a:p>
@@ -19423,7 +19424,7 @@
             <a:fld id="{5738B90E-0779-4C36-915C-6F05FCD89456}" type="datetime1">
               <a:rPr lang="en-US" smtClean="0"/>
               <a:pPr/>
-              <a:t>1/6/21</a:t>
+              <a:t>6/15/21</a:t>
             </a:fld>
             <a:endParaRPr lang="en-US"/>
           </a:p>
@@ -19615,7 +19616,7 @@
           <a:p>
             <a:fld id="{6700A58B-DD98-43D0-B791-721480A02982}" type="datetime1">
               <a:rPr lang="en-US" smtClean="0"/>
-              <a:t>1/6/21</a:t>
+              <a:t>6/15/21</a:t>
             </a:fld>
             <a:endParaRPr lang="en-US"/>
           </a:p>
@@ -19933,7 +19934,7 @@
           <a:p>
             <a:fld id="{6700A58B-DD98-43D0-B791-721480A02982}" type="datetime1">
               <a:rPr lang="en-US" smtClean="0"/>
-              <a:t>1/6/21</a:t>
+              <a:t>6/15/21</a:t>
             </a:fld>
             <a:endParaRPr lang="en-US"/>
           </a:p>
@@ -20250,7 +20251,7 @@
           <a:p>
             <a:fld id="{6700A58B-DD98-43D0-B791-721480A02982}" type="datetime1">
               <a:rPr lang="en-US" smtClean="0"/>
-              <a:t>1/6/21</a:t>
+              <a:t>6/15/21</a:t>
             </a:fld>
             <a:endParaRPr lang="en-US"/>
           </a:p>
@@ -20534,7 +20535,7 @@
           <a:p>
             <a:fld id="{6700A58B-DD98-43D0-B791-721480A02982}" type="datetime1">
               <a:rPr lang="en-US" smtClean="0"/>
-              <a:t>1/6/21</a:t>
+              <a:t>6/15/21</a:t>
             </a:fld>
             <a:endParaRPr lang="en-US"/>
           </a:p>
@@ -21020,7 +21021,7 @@
           <a:p>
             <a:fld id="{6700A58B-DD98-43D0-B791-721480A02982}" type="datetime1">
               <a:rPr lang="en-US" smtClean="0"/>
-              <a:t>1/6/21</a:t>
+              <a:t>6/15/21</a:t>
             </a:fld>
             <a:endParaRPr lang="en-US"/>
           </a:p>
@@ -21286,7 +21287,7 @@
           <a:p>
             <a:fld id="{6700A58B-DD98-43D0-B791-721480A02982}" type="datetime1">
               <a:rPr lang="en-US" smtClean="0"/>
-              <a:t>1/6/21</a:t>
+              <a:t>6/15/21</a:t>
             </a:fld>
             <a:endParaRPr lang="en-US"/>
           </a:p>
@@ -21308,7 +21309,12 @@
             <p:ph type="title"/>
           </p:nvPr>
         </p:nvSpPr>
-        <p:spPr/>
+        <p:spPr>
+          <a:xfrm>
+            <a:off x="628650" y="332468"/>
+            <a:ext cx="7886700" cy="591477"/>
+          </a:xfrm>
+        </p:spPr>
         <p:txBody>
           <a:bodyPr/>
           <a:lstStyle/>
@@ -21661,7 +21667,7 @@
           <a:p>
             <a:fld id="{6700A58B-DD98-43D0-B791-721480A02982}" type="datetime1">
               <a:rPr lang="en-US" smtClean="0"/>
-              <a:t>1/6/21</a:t>
+              <a:t>6/15/21</a:t>
             </a:fld>
             <a:endParaRPr lang="en-US"/>
           </a:p>
@@ -21690,8 +21696,13 @@
           <a:p>
             <a:r>
               <a:rPr lang="en-US" dirty="0"/>
-              <a:t>Clustering</a:t>
-            </a:r>
+              <a:t>Open </a:t>
+            </a:r>
+            <a:r>
+              <a:rPr lang="en-US" dirty="0" err="1"/>
+              <a:t>c_topicmodeling.R</a:t>
+            </a:r>
+            <a:endParaRPr lang="en-US" dirty="0"/>
           </a:p>
         </p:txBody>
       </p:sp>
@@ -21757,6 +21768,152 @@
     </p:spTree>
     <p:extLst>
       <p:ext uri="{BB962C8B-B14F-4D97-AF65-F5344CB8AC3E}">
+        <p14:creationId xmlns:p14="http://schemas.microsoft.com/office/powerpoint/2010/main" val="3787297189"/>
+      </p:ext>
+    </p:extLst>
+  </p:cSld>
+  <p:clrMapOvr>
+    <a:masterClrMapping/>
+  </p:clrMapOvr>
+</p:sld>
+</file>
+
+<file path=ppt/slides/slide17.xml><?xml version="1.0" encoding="utf-8"?>
+<p:sld xmlns:a="http://schemas.openxmlformats.org/drawingml/2006/main" xmlns:r="http://schemas.openxmlformats.org/officeDocument/2006/relationships" xmlns:p="http://schemas.openxmlformats.org/presentationml/2006/main">
+  <p:cSld>
+    <p:spTree>
+      <p:nvGrpSpPr>
+        <p:cNvPr id="1" name=""/>
+        <p:cNvGrpSpPr/>
+        <p:nvPr/>
+      </p:nvGrpSpPr>
+      <p:grpSpPr>
+        <a:xfrm>
+          <a:off x="0" y="0"/>
+          <a:ext cx="0" cy="0"/>
+          <a:chOff x="0" y="0"/>
+          <a:chExt cx="0" cy="0"/>
+        </a:xfrm>
+      </p:grpSpPr>
+      <p:sp>
+        <p:nvSpPr>
+          <p:cNvPr id="2" name="Date Placeholder 1">
+            <a:extLst>
+              <a:ext uri="{FF2B5EF4-FFF2-40B4-BE49-F238E27FC236}">
+                <a16:creationId xmlns:a16="http://schemas.microsoft.com/office/drawing/2014/main" id="{A1EC9053-0B73-E343-90A6-9327408F4F59}"/>
+              </a:ext>
+            </a:extLst>
+          </p:cNvPr>
+          <p:cNvSpPr>
+            <a:spLocks noGrp="1"/>
+          </p:cNvSpPr>
+          <p:nvPr>
+            <p:ph type="dt" sz="half" idx="10"/>
+          </p:nvPr>
+        </p:nvSpPr>
+        <p:spPr/>
+        <p:txBody>
+          <a:bodyPr/>
+          <a:lstStyle/>
+          <a:p>
+            <a:fld id="{6700A58B-DD98-43D0-B791-721480A02982}" type="datetime1">
+              <a:rPr lang="en-US" smtClean="0"/>
+              <a:t>6/15/21</a:t>
+            </a:fld>
+            <a:endParaRPr lang="en-US"/>
+          </a:p>
+        </p:txBody>
+      </p:sp>
+      <p:sp>
+        <p:nvSpPr>
+          <p:cNvPr id="3" name="Title 2">
+            <a:extLst>
+              <a:ext uri="{FF2B5EF4-FFF2-40B4-BE49-F238E27FC236}">
+                <a16:creationId xmlns:a16="http://schemas.microsoft.com/office/drawing/2014/main" id="{2E0B4B94-3675-4C43-AAE4-ADF66B2CCFC2}"/>
+              </a:ext>
+            </a:extLst>
+          </p:cNvPr>
+          <p:cNvSpPr>
+            <a:spLocks noGrp="1"/>
+          </p:cNvSpPr>
+          <p:nvPr>
+            <p:ph type="title"/>
+          </p:nvPr>
+        </p:nvSpPr>
+        <p:spPr/>
+        <p:txBody>
+          <a:bodyPr/>
+          <a:lstStyle/>
+          <a:p>
+            <a:r>
+              <a:rPr lang="en-US" dirty="0"/>
+              <a:t>Next up…Clustering!</a:t>
+            </a:r>
+          </a:p>
+        </p:txBody>
+      </p:sp>
+      <p:sp>
+        <p:nvSpPr>
+          <p:cNvPr id="4" name="Footer Placeholder 3">
+            <a:extLst>
+              <a:ext uri="{FF2B5EF4-FFF2-40B4-BE49-F238E27FC236}">
+                <a16:creationId xmlns:a16="http://schemas.microsoft.com/office/drawing/2014/main" id="{5C65E05B-6776-0E49-9A1D-ACE5CF8147BC}"/>
+              </a:ext>
+            </a:extLst>
+          </p:cNvPr>
+          <p:cNvSpPr>
+            <a:spLocks noGrp="1"/>
+          </p:cNvSpPr>
+          <p:nvPr>
+            <p:ph type="ftr" sz="quarter" idx="3"/>
+          </p:nvPr>
+        </p:nvSpPr>
+        <p:spPr/>
+        <p:txBody>
+          <a:bodyPr/>
+          <a:lstStyle/>
+          <a:p>
+            <a:r>
+              <a:rPr lang="en-US"/>
+              <a:t>Kwartler</a:t>
+            </a:r>
+            <a:endParaRPr lang="en-US" dirty="0"/>
+          </a:p>
+        </p:txBody>
+      </p:sp>
+      <p:sp>
+        <p:nvSpPr>
+          <p:cNvPr id="5" name="Slide Number Placeholder 4">
+            <a:extLst>
+              <a:ext uri="{FF2B5EF4-FFF2-40B4-BE49-F238E27FC236}">
+                <a16:creationId xmlns:a16="http://schemas.microsoft.com/office/drawing/2014/main" id="{90F8B974-0F7D-3647-ABF5-0AF057B055A3}"/>
+              </a:ext>
+            </a:extLst>
+          </p:cNvPr>
+          <p:cNvSpPr>
+            <a:spLocks noGrp="1"/>
+          </p:cNvSpPr>
+          <p:nvPr>
+            <p:ph type="sldNum" sz="quarter" idx="4"/>
+          </p:nvPr>
+        </p:nvSpPr>
+        <p:spPr/>
+        <p:txBody>
+          <a:bodyPr/>
+          <a:lstStyle/>
+          <a:p>
+            <a:fld id="{37290FF7-652B-4475-AEAB-8B1A5D23AE09}" type="slidenum">
+              <a:rPr lang="en-US" smtClean="0"/>
+              <a:pPr/>
+              <a:t>17</a:t>
+            </a:fld>
+            <a:endParaRPr lang="en-US" dirty="0"/>
+          </a:p>
+        </p:txBody>
+      </p:sp>
+    </p:spTree>
+    <p:extLst>
+      <p:ext uri="{BB962C8B-B14F-4D97-AF65-F5344CB8AC3E}">
         <p14:creationId xmlns:p14="http://schemas.microsoft.com/office/powerpoint/2010/main" val="3215007909"/>
       </p:ext>
     </p:extLst>
@@ -21767,7 +21924,7 @@
 </p:sld>
 </file>
 
-<file path=ppt/slides/slide17.xml><?xml version="1.0" encoding="utf-8"?>
+<file path=ppt/slides/slide18.xml><?xml version="1.0" encoding="utf-8"?>
 <p:sld xmlns:a="http://schemas.openxmlformats.org/drawingml/2006/main" xmlns:r="http://schemas.openxmlformats.org/officeDocument/2006/relationships" xmlns:p="http://schemas.openxmlformats.org/presentationml/2006/main">
   <p:cSld>
     <p:spTree>
@@ -21807,7 +21964,7 @@
           <a:p>
             <a:fld id="{6700A58B-DD98-43D0-B791-721480A02982}" type="datetime1">
               <a:rPr lang="en-US" smtClean="0"/>
-              <a:t>1/6/21</a:t>
+              <a:t>6/15/21</a:t>
             </a:fld>
             <a:endParaRPr lang="en-US"/>
           </a:p>
@@ -21894,7 +22051,7 @@
             <a:fld id="{37290FF7-652B-4475-AEAB-8B1A5D23AE09}" type="slidenum">
               <a:rPr lang="en-US" smtClean="0"/>
               <a:pPr/>
-              <a:t>17</a:t>
+              <a:t>18</a:t>
             </a:fld>
             <a:endParaRPr lang="en-US" dirty="0"/>
           </a:p>
@@ -22312,10 +22469,180 @@
   <p:clrMapOvr>
     <a:masterClrMapping/>
   </p:clrMapOvr>
+  <p:timing>
+    <p:tnLst>
+      <p:par>
+        <p:cTn id="1" dur="indefinite" restart="never" nodeType="tmRoot">
+          <p:childTnLst>
+            <p:seq concurrent="1" nextAc="seek">
+              <p:cTn id="2" dur="indefinite" nodeType="mainSeq">
+                <p:childTnLst>
+                  <p:par>
+                    <p:cTn id="3" fill="hold">
+                      <p:stCondLst>
+                        <p:cond delay="indefinite"/>
+                      </p:stCondLst>
+                      <p:childTnLst>
+                        <p:par>
+                          <p:cTn id="4" fill="hold">
+                            <p:stCondLst>
+                              <p:cond delay="0"/>
+                            </p:stCondLst>
+                            <p:childTnLst>
+                              <p:par>
+                                <p:cTn id="5" presetID="1" presetClass="entr" presetSubtype="0" fill="hold" grpId="0" nodeType="clickEffect">
+                                  <p:stCondLst>
+                                    <p:cond delay="0"/>
+                                  </p:stCondLst>
+                                  <p:childTnLst>
+                                    <p:set>
+                                      <p:cBhvr>
+                                        <p:cTn id="6" dur="1" fill="hold">
+                                          <p:stCondLst>
+                                            <p:cond delay="0"/>
+                                          </p:stCondLst>
+                                        </p:cTn>
+                                        <p:tgtEl>
+                                          <p:spTgt spid="10"/>
+                                        </p:tgtEl>
+                                        <p:attrNameLst>
+                                          <p:attrName>style.visibility</p:attrName>
+                                        </p:attrNameLst>
+                                      </p:cBhvr>
+                                      <p:to>
+                                        <p:strVal val="visible"/>
+                                      </p:to>
+                                    </p:set>
+                                  </p:childTnLst>
+                                </p:cTn>
+                              </p:par>
+                            </p:childTnLst>
+                          </p:cTn>
+                        </p:par>
+                      </p:childTnLst>
+                    </p:cTn>
+                  </p:par>
+                  <p:par>
+                    <p:cTn id="7" fill="hold">
+                      <p:stCondLst>
+                        <p:cond delay="indefinite"/>
+                      </p:stCondLst>
+                      <p:childTnLst>
+                        <p:par>
+                          <p:cTn id="8" fill="hold">
+                            <p:stCondLst>
+                              <p:cond delay="0"/>
+                            </p:stCondLst>
+                            <p:childTnLst>
+                              <p:par>
+                                <p:cTn id="9" presetID="1" presetClass="entr" presetSubtype="0" fill="hold" grpId="0" nodeType="clickEffect">
+                                  <p:stCondLst>
+                                    <p:cond delay="0"/>
+                                  </p:stCondLst>
+                                  <p:childTnLst>
+                                    <p:set>
+                                      <p:cBhvr>
+                                        <p:cTn id="10" dur="1" fill="hold">
+                                          <p:stCondLst>
+                                            <p:cond delay="0"/>
+                                          </p:stCondLst>
+                                        </p:cTn>
+                                        <p:tgtEl>
+                                          <p:spTgt spid="11"/>
+                                        </p:tgtEl>
+                                        <p:attrNameLst>
+                                          <p:attrName>style.visibility</p:attrName>
+                                        </p:attrNameLst>
+                                      </p:cBhvr>
+                                      <p:to>
+                                        <p:strVal val="visible"/>
+                                      </p:to>
+                                    </p:set>
+                                  </p:childTnLst>
+                                </p:cTn>
+                              </p:par>
+                            </p:childTnLst>
+                          </p:cTn>
+                        </p:par>
+                      </p:childTnLst>
+                    </p:cTn>
+                  </p:par>
+                  <p:par>
+                    <p:cTn id="11" fill="hold">
+                      <p:stCondLst>
+                        <p:cond delay="indefinite"/>
+                      </p:stCondLst>
+                      <p:childTnLst>
+                        <p:par>
+                          <p:cTn id="12" fill="hold">
+                            <p:stCondLst>
+                              <p:cond delay="0"/>
+                            </p:stCondLst>
+                            <p:childTnLst>
+                              <p:par>
+                                <p:cTn id="13" presetID="1" presetClass="entr" presetSubtype="0" fill="hold" grpId="0" nodeType="clickEffect">
+                                  <p:stCondLst>
+                                    <p:cond delay="0"/>
+                                  </p:stCondLst>
+                                  <p:childTnLst>
+                                    <p:set>
+                                      <p:cBhvr>
+                                        <p:cTn id="14" dur="1" fill="hold">
+                                          <p:stCondLst>
+                                            <p:cond delay="0"/>
+                                          </p:stCondLst>
+                                        </p:cTn>
+                                        <p:tgtEl>
+                                          <p:spTgt spid="6"/>
+                                        </p:tgtEl>
+                                        <p:attrNameLst>
+                                          <p:attrName>style.visibility</p:attrName>
+                                        </p:attrNameLst>
+                                      </p:cBhvr>
+                                      <p:to>
+                                        <p:strVal val="visible"/>
+                                      </p:to>
+                                    </p:set>
+                                  </p:childTnLst>
+                                </p:cTn>
+                              </p:par>
+                            </p:childTnLst>
+                          </p:cTn>
+                        </p:par>
+                      </p:childTnLst>
+                    </p:cTn>
+                  </p:par>
+                </p:childTnLst>
+              </p:cTn>
+              <p:prevCondLst>
+                <p:cond evt="onPrev" delay="0">
+                  <p:tgtEl>
+                    <p:sldTgt/>
+                  </p:tgtEl>
+                </p:cond>
+              </p:prevCondLst>
+              <p:nextCondLst>
+                <p:cond evt="onNext" delay="0">
+                  <p:tgtEl>
+                    <p:sldTgt/>
+                  </p:tgtEl>
+                </p:cond>
+              </p:nextCondLst>
+            </p:seq>
+          </p:childTnLst>
+        </p:cTn>
+      </p:par>
+    </p:tnLst>
+    <p:bldLst>
+      <p:bldP spid="6" grpId="0" animBg="1"/>
+      <p:bldP spid="10" grpId="0" animBg="1"/>
+      <p:bldP spid="11" grpId="0" animBg="1"/>
+    </p:bldLst>
+  </p:timing>
 </p:sld>
 </file>
 
-<file path=ppt/slides/slide18.xml><?xml version="1.0" encoding="utf-8"?>
+<file path=ppt/slides/slide19.xml><?xml version="1.0" encoding="utf-8"?>
 <p:sld xmlns:a="http://schemas.openxmlformats.org/drawingml/2006/main" xmlns:r="http://schemas.openxmlformats.org/officeDocument/2006/relationships" xmlns:p="http://schemas.openxmlformats.org/presentationml/2006/main">
   <p:cSld>
     <p:spTree>
@@ -22348,7 +22675,7 @@
           <a:graphicData uri="http://schemas.openxmlformats.org/presentationml/2006/ole">
             <mc:AlternateContent xmlns:mc="http://schemas.openxmlformats.org/markup-compatibility/2006">
               <mc:Choice xmlns:v="urn:schemas-microsoft-com:vml" Requires="v">
-                <p:oleObj spid="_x0000_s3075" name="Document" r:id="rId3" imgW="2858268" imgH="544757" progId="Word.Document.12">
+                <p:oleObj spid="_x0000_s3079" name="Document" r:id="rId3" imgW="2858268" imgH="544757" progId="Word.Document.12">
                   <p:embed/>
                 </p:oleObj>
               </mc:Choice>
@@ -22442,7 +22769,7 @@
           <a:p>
             <a:fld id="{6700A58B-DD98-43D0-B791-721480A02982}" type="datetime1">
               <a:rPr lang="en-US" smtClean="0"/>
-              <a:t>1/6/21</a:t>
+              <a:t>6/15/21</a:t>
             </a:fld>
             <a:endParaRPr lang="en-US"/>
           </a:p>
@@ -22529,7 +22856,7 @@
             <a:fld id="{37290FF7-652B-4475-AEAB-8B1A5D23AE09}" type="slidenum">
               <a:rPr lang="en-US" smtClean="0"/>
               <a:pPr/>
-              <a:t>18</a:t>
+              <a:t>19</a:t>
             </a:fld>
             <a:endParaRPr lang="en-US" dirty="0"/>
           </a:p>
@@ -22973,1075 +23300,6 @@
 </p:sld>
 </file>
 
-<file path=ppt/slides/slide19.xml><?xml version="1.0" encoding="utf-8"?>
-<p:sld xmlns:a="http://schemas.openxmlformats.org/drawingml/2006/main" xmlns:r="http://schemas.openxmlformats.org/officeDocument/2006/relationships" xmlns:p="http://schemas.openxmlformats.org/presentationml/2006/main">
-  <p:cSld>
-    <p:spTree>
-      <p:nvGrpSpPr>
-        <p:cNvPr id="1" name=""/>
-        <p:cNvGrpSpPr/>
-        <p:nvPr/>
-      </p:nvGrpSpPr>
-      <p:grpSpPr>
-        <a:xfrm>
-          <a:off x="0" y="0"/>
-          <a:ext cx="0" cy="0"/>
-          <a:chOff x="0" y="0"/>
-          <a:chExt cx="0" cy="0"/>
-        </a:xfrm>
-      </p:grpSpPr>
-      <p:pic>
-        <p:nvPicPr>
-          <p:cNvPr id="7" name="Picture 3"/>
-          <p:cNvPicPr>
-            <a:picLocks noChangeAspect="1" noChangeArrowheads="1"/>
-          </p:cNvPicPr>
-          <p:nvPr/>
-        </p:nvPicPr>
-        <p:blipFill rotWithShape="1">
-          <a:blip r:embed="rId2">
-            <a:extLst>
-              <a:ext uri="{28A0092B-C50C-407E-A947-70E740481C1C}">
-                <a14:useLocalDpi xmlns:a14="http://schemas.microsoft.com/office/drawing/2010/main" val="0"/>
-              </a:ext>
-            </a:extLst>
-          </a:blip>
-          <a:srcRect l="7139" r="19961" b="10631"/>
-          <a:stretch/>
-        </p:blipFill>
-        <p:spPr bwMode="auto">
-          <a:xfrm>
-            <a:off x="4587767" y="2079176"/>
-            <a:ext cx="3601860" cy="2654189"/>
-          </a:xfrm>
-          <a:prstGeom prst="rect">
-            <a:avLst/>
-          </a:prstGeom>
-          <a:noFill/>
-          <a:ln>
-            <a:noFill/>
-          </a:ln>
-          <a:effectLst/>
-          <a:extLst>
-            <a:ext uri="{909E8E84-426E-40DD-AFC4-6F175D3DCCD1}">
-              <a14:hiddenFill xmlns:a14="http://schemas.microsoft.com/office/drawing/2010/main">
-                <a:solidFill>
-                  <a:schemeClr val="accent1"/>
-                </a:solidFill>
-              </a14:hiddenFill>
-            </a:ext>
-            <a:ext uri="{91240B29-F687-4F45-9708-019B960494DF}">
-              <a14:hiddenLine xmlns:a14="http://schemas.microsoft.com/office/drawing/2010/main" w="9525">
-                <a:solidFill>
-                  <a:schemeClr val="tx1"/>
-                </a:solidFill>
-                <a:miter lim="800000"/>
-                <a:headEnd/>
-                <a:tailEnd/>
-              </a14:hiddenLine>
-            </a:ext>
-            <a:ext uri="{AF507438-7753-43E0-B8FC-AC1667EBCBE1}">
-              <a14:hiddenEffects xmlns:a14="http://schemas.microsoft.com/office/drawing/2010/main">
-                <a:effectLst>
-                  <a:outerShdw dist="35921" dir="2700000" algn="ctr" rotWithShape="0">
-                    <a:schemeClr val="bg2"/>
-                  </a:outerShdw>
-                </a:effectLst>
-              </a14:hiddenEffects>
-            </a:ext>
-          </a:extLst>
-        </p:spPr>
-      </p:pic>
-      <p:sp>
-        <p:nvSpPr>
-          <p:cNvPr id="2" name="Date Placeholder 1"/>
-          <p:cNvSpPr>
-            <a:spLocks noGrp="1"/>
-          </p:cNvSpPr>
-          <p:nvPr>
-            <p:ph type="dt" sz="half" idx="10"/>
-          </p:nvPr>
-        </p:nvSpPr>
-        <p:spPr/>
-        <p:txBody>
-          <a:bodyPr/>
-          <a:lstStyle/>
-          <a:p>
-            <a:fld id="{6700A58B-DD98-43D0-B791-721480A02982}" type="datetime1">
-              <a:rPr lang="en-US" smtClean="0"/>
-              <a:t>1/6/21</a:t>
-            </a:fld>
-            <a:endParaRPr lang="en-US"/>
-          </a:p>
-        </p:txBody>
-      </p:sp>
-      <p:sp>
-        <p:nvSpPr>
-          <p:cNvPr id="3" name="Title 2"/>
-          <p:cNvSpPr>
-            <a:spLocks noGrp="1"/>
-          </p:cNvSpPr>
-          <p:nvPr>
-            <p:ph type="title"/>
-          </p:nvPr>
-        </p:nvSpPr>
-        <p:spPr/>
-        <p:txBody>
-          <a:bodyPr/>
-          <a:lstStyle/>
-          <a:p>
-            <a:r>
-              <a:rPr lang="en-US" dirty="0"/>
-              <a:t>Quick Refresher</a:t>
-            </a:r>
-          </a:p>
-        </p:txBody>
-      </p:sp>
-      <p:sp>
-        <p:nvSpPr>
-          <p:cNvPr id="4" name="Footer Placeholder 3"/>
-          <p:cNvSpPr>
-            <a:spLocks noGrp="1"/>
-          </p:cNvSpPr>
-          <p:nvPr>
-            <p:ph type="ftr" sz="quarter" idx="3"/>
-          </p:nvPr>
-        </p:nvSpPr>
-        <p:spPr/>
-        <p:txBody>
-          <a:bodyPr/>
-          <a:lstStyle/>
-          <a:p>
-            <a:r>
-              <a:rPr lang="en-US"/>
-              <a:t>Kwartler</a:t>
-            </a:r>
-            <a:endParaRPr lang="en-US" dirty="0"/>
-          </a:p>
-        </p:txBody>
-      </p:sp>
-      <p:sp>
-        <p:nvSpPr>
-          <p:cNvPr id="5" name="Slide Number Placeholder 4"/>
-          <p:cNvSpPr>
-            <a:spLocks noGrp="1"/>
-          </p:cNvSpPr>
-          <p:nvPr>
-            <p:ph type="sldNum" sz="quarter" idx="4"/>
-          </p:nvPr>
-        </p:nvSpPr>
-        <p:spPr/>
-        <p:txBody>
-          <a:bodyPr/>
-          <a:lstStyle/>
-          <a:p>
-            <a:fld id="{37290FF7-652B-4475-AEAB-8B1A5D23AE09}" type="slidenum">
-              <a:rPr lang="en-US" smtClean="0"/>
-              <a:pPr/>
-              <a:t>19</a:t>
-            </a:fld>
-            <a:endParaRPr lang="en-US" dirty="0"/>
-          </a:p>
-        </p:txBody>
-      </p:sp>
-      <p:pic>
-        <p:nvPicPr>
-          <p:cNvPr id="6" name="Picture 2" descr="http://www.math-salamanders.com/image-files/right-angle-triangle-labelled.jpg"/>
-          <p:cNvPicPr>
-            <a:picLocks noChangeAspect="1" noChangeArrowheads="1"/>
-          </p:cNvPicPr>
-          <p:nvPr/>
-        </p:nvPicPr>
-        <p:blipFill>
-          <a:blip r:embed="rId3">
-            <a:extLst>
-              <a:ext uri="{28A0092B-C50C-407E-A947-70E740481C1C}">
-                <a14:useLocalDpi xmlns:a14="http://schemas.microsoft.com/office/drawing/2010/main" val="0"/>
-              </a:ext>
-            </a:extLst>
-          </a:blip>
-          <a:srcRect/>
-          <a:stretch>
-            <a:fillRect/>
-          </a:stretch>
-        </p:blipFill>
-        <p:spPr bwMode="auto">
-          <a:xfrm>
-            <a:off x="633247" y="3057098"/>
-            <a:ext cx="2057400" cy="1238250"/>
-          </a:xfrm>
-          <a:prstGeom prst="rect">
-            <a:avLst/>
-          </a:prstGeom>
-          <a:noFill/>
-          <a:extLst>
-            <a:ext uri="{909E8E84-426E-40DD-AFC4-6F175D3DCCD1}">
-              <a14:hiddenFill xmlns:a14="http://schemas.microsoft.com/office/drawing/2010/main">
-                <a:solidFill>
-                  <a:srgbClr val="FFFFFF"/>
-                </a:solidFill>
-              </a14:hiddenFill>
-            </a:ext>
-          </a:extLst>
-        </p:spPr>
-      </p:pic>
-      <p:sp>
-        <p:nvSpPr>
-          <p:cNvPr id="8" name="Right Triangle 7"/>
-          <p:cNvSpPr/>
-          <p:nvPr/>
-        </p:nvSpPr>
-        <p:spPr>
-          <a:xfrm rot="5400000" flipH="1">
-            <a:off x="6870234" y="3258325"/>
-            <a:ext cx="445401" cy="866633"/>
-          </a:xfrm>
-          <a:prstGeom prst="rtTriangle">
-            <a:avLst/>
-          </a:prstGeom>
-          <a:noFill/>
-          <a:ln>
-            <a:solidFill>
-              <a:schemeClr val="tx1"/>
-            </a:solidFill>
-            <a:prstDash val="sysDot"/>
-          </a:ln>
-        </p:spPr>
-        <p:style>
-          <a:lnRef idx="2">
-            <a:schemeClr val="accent1">
-              <a:shade val="50000"/>
-            </a:schemeClr>
-          </a:lnRef>
-          <a:fillRef idx="1">
-            <a:schemeClr val="accent1"/>
-          </a:fillRef>
-          <a:effectRef idx="0">
-            <a:schemeClr val="accent1"/>
-          </a:effectRef>
-          <a:fontRef idx="minor">
-            <a:schemeClr val="lt1"/>
-          </a:fontRef>
-        </p:style>
-        <p:txBody>
-          <a:bodyPr rtlCol="0" anchor="ctr"/>
-          <a:lstStyle/>
-          <a:p>
-            <a:pPr algn="ctr"/>
-            <a:endParaRPr lang="en-US"/>
-          </a:p>
-        </p:txBody>
-      </p:sp>
-      <p:sp>
-        <p:nvSpPr>
-          <p:cNvPr id="9" name="TextBox 8"/>
-          <p:cNvSpPr txBox="1"/>
-          <p:nvPr/>
-        </p:nvSpPr>
-        <p:spPr>
-          <a:xfrm>
-            <a:off x="6425847" y="3482947"/>
-            <a:ext cx="306494" cy="406265"/>
-          </a:xfrm>
-          <a:prstGeom prst="rect">
-            <a:avLst/>
-          </a:prstGeom>
-          <a:noFill/>
-        </p:spPr>
-        <p:txBody>
-          <a:bodyPr wrap="none" rtlCol="0">
-            <a:spAutoFit/>
-          </a:bodyPr>
-          <a:lstStyle/>
-          <a:p>
-            <a:r>
-              <a:rPr lang="en-US" dirty="0"/>
-              <a:t>b</a:t>
-            </a:r>
-          </a:p>
-        </p:txBody>
-      </p:sp>
-      <p:sp>
-        <p:nvSpPr>
-          <p:cNvPr id="10" name="TextBox 9"/>
-          <p:cNvSpPr txBox="1"/>
-          <p:nvPr/>
-        </p:nvSpPr>
-        <p:spPr>
-          <a:xfrm>
-            <a:off x="6917356" y="3832409"/>
-            <a:ext cx="295274" cy="406265"/>
-          </a:xfrm>
-          <a:prstGeom prst="rect">
-            <a:avLst/>
-          </a:prstGeom>
-          <a:noFill/>
-        </p:spPr>
-        <p:txBody>
-          <a:bodyPr wrap="none" rtlCol="0">
-            <a:spAutoFit/>
-          </a:bodyPr>
-          <a:lstStyle/>
-          <a:p>
-            <a:r>
-              <a:rPr lang="en-US" dirty="0"/>
-              <a:t>a</a:t>
-            </a:r>
-          </a:p>
-        </p:txBody>
-      </p:sp>
-      <p:sp>
-        <p:nvSpPr>
-          <p:cNvPr id="11" name="TextBox 10"/>
-          <p:cNvSpPr txBox="1"/>
-          <p:nvPr/>
-        </p:nvSpPr>
-        <p:spPr>
-          <a:xfrm>
-            <a:off x="7073809" y="3347897"/>
-            <a:ext cx="300082" cy="406265"/>
-          </a:xfrm>
-          <a:prstGeom prst="rect">
-            <a:avLst/>
-          </a:prstGeom>
-          <a:noFill/>
-        </p:spPr>
-        <p:txBody>
-          <a:bodyPr wrap="none" rtlCol="0">
-            <a:spAutoFit/>
-          </a:bodyPr>
-          <a:lstStyle/>
-          <a:p>
-            <a:r>
-              <a:rPr lang="en-US" dirty="0"/>
-              <a:t>c</a:t>
-            </a:r>
-          </a:p>
-        </p:txBody>
-      </p:sp>
-      <p:sp>
-        <p:nvSpPr>
-          <p:cNvPr id="15" name="Text Placeholder 2"/>
-          <p:cNvSpPr txBox="1">
-            <a:spLocks/>
-          </p:cNvSpPr>
-          <p:nvPr/>
-        </p:nvSpPr>
-        <p:spPr>
-          <a:xfrm>
-            <a:off x="189186" y="1437325"/>
-            <a:ext cx="4035973" cy="396731"/>
-          </a:xfrm>
-          <a:prstGeom prst="rect">
-            <a:avLst/>
-          </a:prstGeom>
-          <a:solidFill>
-            <a:schemeClr val="accent6">
-              <a:lumMod val="60000"/>
-              <a:lumOff val="40000"/>
-            </a:schemeClr>
-          </a:solidFill>
-        </p:spPr>
-        <p:txBody>
-          <a:bodyPr>
-            <a:normAutofit/>
-          </a:bodyPr>
-          <a:lstStyle>
-            <a:lvl1pPr marL="171450" indent="-171450" algn="l" defTabSz="685800" rtl="0" eaLnBrk="1" latinLnBrk="0" hangingPunct="1">
-              <a:lnSpc>
-                <a:spcPct val="90000"/>
-              </a:lnSpc>
-              <a:spcBef>
-                <a:spcPts val="750"/>
-              </a:spcBef>
-              <a:buFont typeface="Arial" panose="020B0604020202020204" pitchFamily="34" charset="0"/>
-              <a:buChar char="•"/>
-              <a:defRPr sz="2100" kern="1200">
-                <a:solidFill>
-                  <a:schemeClr val="tx1"/>
-                </a:solidFill>
-                <a:latin typeface="+mn-lt"/>
-                <a:ea typeface="+mn-ea"/>
-                <a:cs typeface="+mn-cs"/>
-              </a:defRPr>
-            </a:lvl1pPr>
-            <a:lvl2pPr marL="514350" indent="-171450" algn="l" defTabSz="685800" rtl="0" eaLnBrk="1" latinLnBrk="0" hangingPunct="1">
-              <a:lnSpc>
-                <a:spcPct val="90000"/>
-              </a:lnSpc>
-              <a:spcBef>
-                <a:spcPts val="375"/>
-              </a:spcBef>
-              <a:buFont typeface="Arial" panose="020B0604020202020204" pitchFamily="34" charset="0"/>
-              <a:buChar char="•"/>
-              <a:defRPr sz="1800" kern="1200">
-                <a:solidFill>
-                  <a:schemeClr val="tx1"/>
-                </a:solidFill>
-                <a:latin typeface="+mn-lt"/>
-                <a:ea typeface="+mn-ea"/>
-                <a:cs typeface="+mn-cs"/>
-              </a:defRPr>
-            </a:lvl2pPr>
-            <a:lvl3pPr marL="857250" indent="-171450" algn="l" defTabSz="685800" rtl="0" eaLnBrk="1" latinLnBrk="0" hangingPunct="1">
-              <a:lnSpc>
-                <a:spcPct val="90000"/>
-              </a:lnSpc>
-              <a:spcBef>
-                <a:spcPts val="375"/>
-              </a:spcBef>
-              <a:buFont typeface="Arial" panose="020B0604020202020204" pitchFamily="34" charset="0"/>
-              <a:buChar char="•"/>
-              <a:defRPr sz="1500" kern="1200">
-                <a:solidFill>
-                  <a:schemeClr val="tx1"/>
-                </a:solidFill>
-                <a:latin typeface="+mn-lt"/>
-                <a:ea typeface="+mn-ea"/>
-                <a:cs typeface="+mn-cs"/>
-              </a:defRPr>
-            </a:lvl3pPr>
-            <a:lvl4pPr marL="1200150" indent="-171450" algn="l" defTabSz="685800" rtl="0" eaLnBrk="1" latinLnBrk="0" hangingPunct="1">
-              <a:lnSpc>
-                <a:spcPct val="90000"/>
-              </a:lnSpc>
-              <a:spcBef>
-                <a:spcPts val="375"/>
-              </a:spcBef>
-              <a:buFont typeface="Arial" panose="020B0604020202020204" pitchFamily="34" charset="0"/>
-              <a:buChar char="•"/>
-              <a:defRPr sz="1350" kern="1200">
-                <a:solidFill>
-                  <a:schemeClr val="tx1"/>
-                </a:solidFill>
-                <a:latin typeface="+mn-lt"/>
-                <a:ea typeface="+mn-ea"/>
-                <a:cs typeface="+mn-cs"/>
-              </a:defRPr>
-            </a:lvl4pPr>
-            <a:lvl5pPr marL="1543050" indent="-171450" algn="l" defTabSz="685800" rtl="0" eaLnBrk="1" latinLnBrk="0" hangingPunct="1">
-              <a:lnSpc>
-                <a:spcPct val="90000"/>
-              </a:lnSpc>
-              <a:spcBef>
-                <a:spcPts val="375"/>
-              </a:spcBef>
-              <a:buFont typeface="Arial" panose="020B0604020202020204" pitchFamily="34" charset="0"/>
-              <a:buChar char="•"/>
-              <a:defRPr sz="1350" kern="1200">
-                <a:solidFill>
-                  <a:schemeClr val="tx1"/>
-                </a:solidFill>
-                <a:latin typeface="+mn-lt"/>
-                <a:ea typeface="+mn-ea"/>
-                <a:cs typeface="+mn-cs"/>
-              </a:defRPr>
-            </a:lvl5pPr>
-            <a:lvl6pPr marL="1885950" indent="-171450" algn="l" defTabSz="685800" rtl="0" eaLnBrk="1" latinLnBrk="0" hangingPunct="1">
-              <a:lnSpc>
-                <a:spcPct val="90000"/>
-              </a:lnSpc>
-              <a:spcBef>
-                <a:spcPts val="375"/>
-              </a:spcBef>
-              <a:buFont typeface="Arial" panose="020B0604020202020204" pitchFamily="34" charset="0"/>
-              <a:buChar char="•"/>
-              <a:defRPr sz="1350" kern="1200">
-                <a:solidFill>
-                  <a:schemeClr val="tx1"/>
-                </a:solidFill>
-                <a:latin typeface="+mn-lt"/>
-                <a:ea typeface="+mn-ea"/>
-                <a:cs typeface="+mn-cs"/>
-              </a:defRPr>
-            </a:lvl6pPr>
-            <a:lvl7pPr marL="2228850" indent="-171450" algn="l" defTabSz="685800" rtl="0" eaLnBrk="1" latinLnBrk="0" hangingPunct="1">
-              <a:lnSpc>
-                <a:spcPct val="90000"/>
-              </a:lnSpc>
-              <a:spcBef>
-                <a:spcPts val="375"/>
-              </a:spcBef>
-              <a:buFont typeface="Arial" panose="020B0604020202020204" pitchFamily="34" charset="0"/>
-              <a:buChar char="•"/>
-              <a:defRPr sz="1350" kern="1200">
-                <a:solidFill>
-                  <a:schemeClr val="tx1"/>
-                </a:solidFill>
-                <a:latin typeface="+mn-lt"/>
-                <a:ea typeface="+mn-ea"/>
-                <a:cs typeface="+mn-cs"/>
-              </a:defRPr>
-            </a:lvl7pPr>
-            <a:lvl8pPr marL="2571750" indent="-171450" algn="l" defTabSz="685800" rtl="0" eaLnBrk="1" latinLnBrk="0" hangingPunct="1">
-              <a:lnSpc>
-                <a:spcPct val="90000"/>
-              </a:lnSpc>
-              <a:spcBef>
-                <a:spcPts val="375"/>
-              </a:spcBef>
-              <a:buFont typeface="Arial" panose="020B0604020202020204" pitchFamily="34" charset="0"/>
-              <a:buChar char="•"/>
-              <a:defRPr sz="1350" kern="1200">
-                <a:solidFill>
-                  <a:schemeClr val="tx1"/>
-                </a:solidFill>
-                <a:latin typeface="+mn-lt"/>
-                <a:ea typeface="+mn-ea"/>
-                <a:cs typeface="+mn-cs"/>
-              </a:defRPr>
-            </a:lvl8pPr>
-            <a:lvl9pPr marL="2914650" indent="-171450" algn="l" defTabSz="685800" rtl="0" eaLnBrk="1" latinLnBrk="0" hangingPunct="1">
-              <a:lnSpc>
-                <a:spcPct val="90000"/>
-              </a:lnSpc>
-              <a:spcBef>
-                <a:spcPts val="375"/>
-              </a:spcBef>
-              <a:buFont typeface="Arial" panose="020B0604020202020204" pitchFamily="34" charset="0"/>
-              <a:buChar char="•"/>
-              <a:defRPr sz="1350" kern="1200">
-                <a:solidFill>
-                  <a:schemeClr val="tx1"/>
-                </a:solidFill>
-                <a:latin typeface="+mn-lt"/>
-                <a:ea typeface="+mn-ea"/>
-                <a:cs typeface="+mn-cs"/>
-              </a:defRPr>
-            </a:lvl9pPr>
-          </a:lstStyle>
-          <a:p>
-            <a:pPr marL="0" indent="0">
-              <a:buNone/>
-            </a:pPr>
-            <a:r>
-              <a:rPr lang="en-US" dirty="0">
-                <a:solidFill>
-                  <a:schemeClr val="bg1"/>
-                </a:solidFill>
-              </a:rPr>
-              <a:t>Remember Pythagorean Theorem?</a:t>
-            </a:r>
-          </a:p>
-        </p:txBody>
-      </p:sp>
-      <p:sp>
-        <p:nvSpPr>
-          <p:cNvPr id="16" name="Content Placeholder 3"/>
-          <p:cNvSpPr txBox="1">
-            <a:spLocks/>
-          </p:cNvSpPr>
-          <p:nvPr/>
-        </p:nvSpPr>
-        <p:spPr>
-          <a:xfrm>
-            <a:off x="629842" y="1956431"/>
-            <a:ext cx="3868340" cy="4205218"/>
-          </a:xfrm>
-          <a:prstGeom prst="rect">
-            <a:avLst/>
-          </a:prstGeom>
-        </p:spPr>
-        <p:txBody>
-          <a:bodyPr/>
-          <a:lstStyle>
-            <a:lvl1pPr marL="171450" indent="-171450" algn="l" defTabSz="685800" rtl="0" eaLnBrk="1" latinLnBrk="0" hangingPunct="1">
-              <a:lnSpc>
-                <a:spcPct val="90000"/>
-              </a:lnSpc>
-              <a:spcBef>
-                <a:spcPts val="750"/>
-              </a:spcBef>
-              <a:buFont typeface="Arial" panose="020B0604020202020204" pitchFamily="34" charset="0"/>
-              <a:buChar char="•"/>
-              <a:defRPr sz="2100" kern="1200">
-                <a:solidFill>
-                  <a:schemeClr val="tx1"/>
-                </a:solidFill>
-                <a:latin typeface="+mn-lt"/>
-                <a:ea typeface="+mn-ea"/>
-                <a:cs typeface="+mn-cs"/>
-              </a:defRPr>
-            </a:lvl1pPr>
-            <a:lvl2pPr marL="514350" indent="-171450" algn="l" defTabSz="685800" rtl="0" eaLnBrk="1" latinLnBrk="0" hangingPunct="1">
-              <a:lnSpc>
-                <a:spcPct val="90000"/>
-              </a:lnSpc>
-              <a:spcBef>
-                <a:spcPts val="375"/>
-              </a:spcBef>
-              <a:buFont typeface="Arial" panose="020B0604020202020204" pitchFamily="34" charset="0"/>
-              <a:buChar char="•"/>
-              <a:defRPr sz="1800" kern="1200">
-                <a:solidFill>
-                  <a:schemeClr val="tx1"/>
-                </a:solidFill>
-                <a:latin typeface="+mn-lt"/>
-                <a:ea typeface="+mn-ea"/>
-                <a:cs typeface="+mn-cs"/>
-              </a:defRPr>
-            </a:lvl2pPr>
-            <a:lvl3pPr marL="857250" indent="-171450" algn="l" defTabSz="685800" rtl="0" eaLnBrk="1" latinLnBrk="0" hangingPunct="1">
-              <a:lnSpc>
-                <a:spcPct val="90000"/>
-              </a:lnSpc>
-              <a:spcBef>
-                <a:spcPts val="375"/>
-              </a:spcBef>
-              <a:buFont typeface="Arial" panose="020B0604020202020204" pitchFamily="34" charset="0"/>
-              <a:buChar char="•"/>
-              <a:defRPr sz="1500" kern="1200">
-                <a:solidFill>
-                  <a:schemeClr val="tx1"/>
-                </a:solidFill>
-                <a:latin typeface="+mn-lt"/>
-                <a:ea typeface="+mn-ea"/>
-                <a:cs typeface="+mn-cs"/>
-              </a:defRPr>
-            </a:lvl3pPr>
-            <a:lvl4pPr marL="1200150" indent="-171450" algn="l" defTabSz="685800" rtl="0" eaLnBrk="1" latinLnBrk="0" hangingPunct="1">
-              <a:lnSpc>
-                <a:spcPct val="90000"/>
-              </a:lnSpc>
-              <a:spcBef>
-                <a:spcPts val="375"/>
-              </a:spcBef>
-              <a:buFont typeface="Arial" panose="020B0604020202020204" pitchFamily="34" charset="0"/>
-              <a:buChar char="•"/>
-              <a:defRPr sz="1350" kern="1200">
-                <a:solidFill>
-                  <a:schemeClr val="tx1"/>
-                </a:solidFill>
-                <a:latin typeface="+mn-lt"/>
-                <a:ea typeface="+mn-ea"/>
-                <a:cs typeface="+mn-cs"/>
-              </a:defRPr>
-            </a:lvl4pPr>
-            <a:lvl5pPr marL="1543050" indent="-171450" algn="l" defTabSz="685800" rtl="0" eaLnBrk="1" latinLnBrk="0" hangingPunct="1">
-              <a:lnSpc>
-                <a:spcPct val="90000"/>
-              </a:lnSpc>
-              <a:spcBef>
-                <a:spcPts val="375"/>
-              </a:spcBef>
-              <a:buFont typeface="Arial" panose="020B0604020202020204" pitchFamily="34" charset="0"/>
-              <a:buChar char="•"/>
-              <a:defRPr sz="1350" kern="1200">
-                <a:solidFill>
-                  <a:schemeClr val="tx1"/>
-                </a:solidFill>
-                <a:latin typeface="+mn-lt"/>
-                <a:ea typeface="+mn-ea"/>
-                <a:cs typeface="+mn-cs"/>
-              </a:defRPr>
-            </a:lvl5pPr>
-            <a:lvl6pPr marL="1885950" indent="-171450" algn="l" defTabSz="685800" rtl="0" eaLnBrk="1" latinLnBrk="0" hangingPunct="1">
-              <a:lnSpc>
-                <a:spcPct val="90000"/>
-              </a:lnSpc>
-              <a:spcBef>
-                <a:spcPts val="375"/>
-              </a:spcBef>
-              <a:buFont typeface="Arial" panose="020B0604020202020204" pitchFamily="34" charset="0"/>
-              <a:buChar char="•"/>
-              <a:defRPr sz="1350" kern="1200">
-                <a:solidFill>
-                  <a:schemeClr val="tx1"/>
-                </a:solidFill>
-                <a:latin typeface="+mn-lt"/>
-                <a:ea typeface="+mn-ea"/>
-                <a:cs typeface="+mn-cs"/>
-              </a:defRPr>
-            </a:lvl6pPr>
-            <a:lvl7pPr marL="2228850" indent="-171450" algn="l" defTabSz="685800" rtl="0" eaLnBrk="1" latinLnBrk="0" hangingPunct="1">
-              <a:lnSpc>
-                <a:spcPct val="90000"/>
-              </a:lnSpc>
-              <a:spcBef>
-                <a:spcPts val="375"/>
-              </a:spcBef>
-              <a:buFont typeface="Arial" panose="020B0604020202020204" pitchFamily="34" charset="0"/>
-              <a:buChar char="•"/>
-              <a:defRPr sz="1350" kern="1200">
-                <a:solidFill>
-                  <a:schemeClr val="tx1"/>
-                </a:solidFill>
-                <a:latin typeface="+mn-lt"/>
-                <a:ea typeface="+mn-ea"/>
-                <a:cs typeface="+mn-cs"/>
-              </a:defRPr>
-            </a:lvl7pPr>
-            <a:lvl8pPr marL="2571750" indent="-171450" algn="l" defTabSz="685800" rtl="0" eaLnBrk="1" latinLnBrk="0" hangingPunct="1">
-              <a:lnSpc>
-                <a:spcPct val="90000"/>
-              </a:lnSpc>
-              <a:spcBef>
-                <a:spcPts val="375"/>
-              </a:spcBef>
-              <a:buFont typeface="Arial" panose="020B0604020202020204" pitchFamily="34" charset="0"/>
-              <a:buChar char="•"/>
-              <a:defRPr sz="1350" kern="1200">
-                <a:solidFill>
-                  <a:schemeClr val="tx1"/>
-                </a:solidFill>
-                <a:latin typeface="+mn-lt"/>
-                <a:ea typeface="+mn-ea"/>
-                <a:cs typeface="+mn-cs"/>
-              </a:defRPr>
-            </a:lvl8pPr>
-            <a:lvl9pPr marL="2914650" indent="-171450" algn="l" defTabSz="685800" rtl="0" eaLnBrk="1" latinLnBrk="0" hangingPunct="1">
-              <a:lnSpc>
-                <a:spcPct val="90000"/>
-              </a:lnSpc>
-              <a:spcBef>
-                <a:spcPts val="375"/>
-              </a:spcBef>
-              <a:buFont typeface="Arial" panose="020B0604020202020204" pitchFamily="34" charset="0"/>
-              <a:buChar char="•"/>
-              <a:defRPr sz="1350" kern="1200">
-                <a:solidFill>
-                  <a:schemeClr val="tx1"/>
-                </a:solidFill>
-                <a:latin typeface="+mn-lt"/>
-                <a:ea typeface="+mn-ea"/>
-                <a:cs typeface="+mn-cs"/>
-              </a:defRPr>
-            </a:lvl9pPr>
-          </a:lstStyle>
-          <a:p>
-            <a:r>
-              <a:rPr lang="en-US"/>
-              <a:t>A</a:t>
-            </a:r>
-            <a:r>
-              <a:rPr lang="en-US" baseline="30000"/>
-              <a:t>2</a:t>
-            </a:r>
-            <a:r>
-              <a:rPr lang="en-US"/>
-              <a:t>+B</a:t>
-            </a:r>
-            <a:r>
-              <a:rPr lang="en-US" baseline="30000"/>
-              <a:t>2</a:t>
-            </a:r>
-            <a:r>
-              <a:rPr lang="en-US"/>
-              <a:t>=C</a:t>
-            </a:r>
-            <a:r>
-              <a:rPr lang="en-US" baseline="30000"/>
-              <a:t>2</a:t>
-            </a:r>
-            <a:endParaRPr lang="en-US" baseline="30000" dirty="0"/>
-          </a:p>
-        </p:txBody>
-      </p:sp>
-      <p:sp>
-        <p:nvSpPr>
-          <p:cNvPr id="18" name="Text Placeholder 2"/>
-          <p:cNvSpPr txBox="1">
-            <a:spLocks/>
-          </p:cNvSpPr>
-          <p:nvPr/>
-        </p:nvSpPr>
-        <p:spPr>
-          <a:xfrm>
-            <a:off x="4424855" y="1437325"/>
-            <a:ext cx="4308996" cy="396731"/>
-          </a:xfrm>
-          <a:prstGeom prst="rect">
-            <a:avLst/>
-          </a:prstGeom>
-          <a:solidFill>
-            <a:schemeClr val="accent6">
-              <a:lumMod val="60000"/>
-              <a:lumOff val="40000"/>
-            </a:schemeClr>
-          </a:solidFill>
-        </p:spPr>
-        <p:txBody>
-          <a:bodyPr>
-            <a:normAutofit/>
-          </a:bodyPr>
-          <a:lstStyle>
-            <a:lvl1pPr marL="171450" indent="-171450" algn="l" defTabSz="685800" rtl="0" eaLnBrk="1" latinLnBrk="0" hangingPunct="1">
-              <a:lnSpc>
-                <a:spcPct val="90000"/>
-              </a:lnSpc>
-              <a:spcBef>
-                <a:spcPts val="750"/>
-              </a:spcBef>
-              <a:buFont typeface="Arial" panose="020B0604020202020204" pitchFamily="34" charset="0"/>
-              <a:buChar char="•"/>
-              <a:defRPr sz="2100" kern="1200">
-                <a:solidFill>
-                  <a:schemeClr val="tx1"/>
-                </a:solidFill>
-                <a:latin typeface="+mn-lt"/>
-                <a:ea typeface="+mn-ea"/>
-                <a:cs typeface="+mn-cs"/>
-              </a:defRPr>
-            </a:lvl1pPr>
-            <a:lvl2pPr marL="514350" indent="-171450" algn="l" defTabSz="685800" rtl="0" eaLnBrk="1" latinLnBrk="0" hangingPunct="1">
-              <a:lnSpc>
-                <a:spcPct val="90000"/>
-              </a:lnSpc>
-              <a:spcBef>
-                <a:spcPts val="375"/>
-              </a:spcBef>
-              <a:buFont typeface="Arial" panose="020B0604020202020204" pitchFamily="34" charset="0"/>
-              <a:buChar char="•"/>
-              <a:defRPr sz="1800" kern="1200">
-                <a:solidFill>
-                  <a:schemeClr val="tx1"/>
-                </a:solidFill>
-                <a:latin typeface="+mn-lt"/>
-                <a:ea typeface="+mn-ea"/>
-                <a:cs typeface="+mn-cs"/>
-              </a:defRPr>
-            </a:lvl2pPr>
-            <a:lvl3pPr marL="857250" indent="-171450" algn="l" defTabSz="685800" rtl="0" eaLnBrk="1" latinLnBrk="0" hangingPunct="1">
-              <a:lnSpc>
-                <a:spcPct val="90000"/>
-              </a:lnSpc>
-              <a:spcBef>
-                <a:spcPts val="375"/>
-              </a:spcBef>
-              <a:buFont typeface="Arial" panose="020B0604020202020204" pitchFamily="34" charset="0"/>
-              <a:buChar char="•"/>
-              <a:defRPr sz="1500" kern="1200">
-                <a:solidFill>
-                  <a:schemeClr val="tx1"/>
-                </a:solidFill>
-                <a:latin typeface="+mn-lt"/>
-                <a:ea typeface="+mn-ea"/>
-                <a:cs typeface="+mn-cs"/>
-              </a:defRPr>
-            </a:lvl3pPr>
-            <a:lvl4pPr marL="1200150" indent="-171450" algn="l" defTabSz="685800" rtl="0" eaLnBrk="1" latinLnBrk="0" hangingPunct="1">
-              <a:lnSpc>
-                <a:spcPct val="90000"/>
-              </a:lnSpc>
-              <a:spcBef>
-                <a:spcPts val="375"/>
-              </a:spcBef>
-              <a:buFont typeface="Arial" panose="020B0604020202020204" pitchFamily="34" charset="0"/>
-              <a:buChar char="•"/>
-              <a:defRPr sz="1350" kern="1200">
-                <a:solidFill>
-                  <a:schemeClr val="tx1"/>
-                </a:solidFill>
-                <a:latin typeface="+mn-lt"/>
-                <a:ea typeface="+mn-ea"/>
-                <a:cs typeface="+mn-cs"/>
-              </a:defRPr>
-            </a:lvl4pPr>
-            <a:lvl5pPr marL="1543050" indent="-171450" algn="l" defTabSz="685800" rtl="0" eaLnBrk="1" latinLnBrk="0" hangingPunct="1">
-              <a:lnSpc>
-                <a:spcPct val="90000"/>
-              </a:lnSpc>
-              <a:spcBef>
-                <a:spcPts val="375"/>
-              </a:spcBef>
-              <a:buFont typeface="Arial" panose="020B0604020202020204" pitchFamily="34" charset="0"/>
-              <a:buChar char="•"/>
-              <a:defRPr sz="1350" kern="1200">
-                <a:solidFill>
-                  <a:schemeClr val="tx1"/>
-                </a:solidFill>
-                <a:latin typeface="+mn-lt"/>
-                <a:ea typeface="+mn-ea"/>
-                <a:cs typeface="+mn-cs"/>
-              </a:defRPr>
-            </a:lvl5pPr>
-            <a:lvl6pPr marL="1885950" indent="-171450" algn="l" defTabSz="685800" rtl="0" eaLnBrk="1" latinLnBrk="0" hangingPunct="1">
-              <a:lnSpc>
-                <a:spcPct val="90000"/>
-              </a:lnSpc>
-              <a:spcBef>
-                <a:spcPts val="375"/>
-              </a:spcBef>
-              <a:buFont typeface="Arial" panose="020B0604020202020204" pitchFamily="34" charset="0"/>
-              <a:buChar char="•"/>
-              <a:defRPr sz="1350" kern="1200">
-                <a:solidFill>
-                  <a:schemeClr val="tx1"/>
-                </a:solidFill>
-                <a:latin typeface="+mn-lt"/>
-                <a:ea typeface="+mn-ea"/>
-                <a:cs typeface="+mn-cs"/>
-              </a:defRPr>
-            </a:lvl6pPr>
-            <a:lvl7pPr marL="2228850" indent="-171450" algn="l" defTabSz="685800" rtl="0" eaLnBrk="1" latinLnBrk="0" hangingPunct="1">
-              <a:lnSpc>
-                <a:spcPct val="90000"/>
-              </a:lnSpc>
-              <a:spcBef>
-                <a:spcPts val="375"/>
-              </a:spcBef>
-              <a:buFont typeface="Arial" panose="020B0604020202020204" pitchFamily="34" charset="0"/>
-              <a:buChar char="•"/>
-              <a:defRPr sz="1350" kern="1200">
-                <a:solidFill>
-                  <a:schemeClr val="tx1"/>
-                </a:solidFill>
-                <a:latin typeface="+mn-lt"/>
-                <a:ea typeface="+mn-ea"/>
-                <a:cs typeface="+mn-cs"/>
-              </a:defRPr>
-            </a:lvl7pPr>
-            <a:lvl8pPr marL="2571750" indent="-171450" algn="l" defTabSz="685800" rtl="0" eaLnBrk="1" latinLnBrk="0" hangingPunct="1">
-              <a:lnSpc>
-                <a:spcPct val="90000"/>
-              </a:lnSpc>
-              <a:spcBef>
-                <a:spcPts val="375"/>
-              </a:spcBef>
-              <a:buFont typeface="Arial" panose="020B0604020202020204" pitchFamily="34" charset="0"/>
-              <a:buChar char="•"/>
-              <a:defRPr sz="1350" kern="1200">
-                <a:solidFill>
-                  <a:schemeClr val="tx1"/>
-                </a:solidFill>
-                <a:latin typeface="+mn-lt"/>
-                <a:ea typeface="+mn-ea"/>
-                <a:cs typeface="+mn-cs"/>
-              </a:defRPr>
-            </a:lvl8pPr>
-            <a:lvl9pPr marL="2914650" indent="-171450" algn="l" defTabSz="685800" rtl="0" eaLnBrk="1" latinLnBrk="0" hangingPunct="1">
-              <a:lnSpc>
-                <a:spcPct val="90000"/>
-              </a:lnSpc>
-              <a:spcBef>
-                <a:spcPts val="375"/>
-              </a:spcBef>
-              <a:buFont typeface="Arial" panose="020B0604020202020204" pitchFamily="34" charset="0"/>
-              <a:buChar char="•"/>
-              <a:defRPr sz="1350" kern="1200">
-                <a:solidFill>
-                  <a:schemeClr val="tx1"/>
-                </a:solidFill>
-                <a:latin typeface="+mn-lt"/>
-                <a:ea typeface="+mn-ea"/>
-                <a:cs typeface="+mn-cs"/>
-              </a:defRPr>
-            </a:lvl9pPr>
-          </a:lstStyle>
-          <a:p>
-            <a:pPr marL="0" indent="0">
-              <a:buNone/>
-            </a:pPr>
-            <a:r>
-              <a:rPr lang="en-US" dirty="0">
-                <a:solidFill>
-                  <a:schemeClr val="bg1"/>
-                </a:solidFill>
-              </a:rPr>
-              <a:t>Example Data</a:t>
-            </a:r>
-          </a:p>
-        </p:txBody>
-      </p:sp>
-      <p:cxnSp>
-        <p:nvCxnSpPr>
-          <p:cNvPr id="17" name="Straight Connector 16">
-            <a:extLst>
-              <a:ext uri="{FF2B5EF4-FFF2-40B4-BE49-F238E27FC236}">
-                <a16:creationId xmlns:a16="http://schemas.microsoft.com/office/drawing/2014/main" id="{E153B831-55FA-7B4B-AB81-F0A29842462B}"/>
-              </a:ext>
-            </a:extLst>
-          </p:cNvPr>
-          <p:cNvCxnSpPr/>
-          <p:nvPr/>
-        </p:nvCxnSpPr>
-        <p:spPr>
-          <a:xfrm>
-            <a:off x="6798363" y="6549885"/>
-            <a:ext cx="0" cy="182880"/>
-          </a:xfrm>
-          <a:prstGeom prst="line">
-            <a:avLst/>
-          </a:prstGeom>
-          <a:ln>
-            <a:solidFill>
-              <a:schemeClr val="bg1">
-                <a:lumMod val="85000"/>
-              </a:schemeClr>
-            </a:solidFill>
-          </a:ln>
-        </p:spPr>
-        <p:style>
-          <a:lnRef idx="1">
-            <a:schemeClr val="accent1"/>
-          </a:lnRef>
-          <a:fillRef idx="0">
-            <a:schemeClr val="accent1"/>
-          </a:fillRef>
-          <a:effectRef idx="0">
-            <a:schemeClr val="accent1"/>
-          </a:effectRef>
-          <a:fontRef idx="minor">
-            <a:schemeClr val="tx1"/>
-          </a:fontRef>
-        </p:style>
-      </p:cxnSp>
-      <p:cxnSp>
-        <p:nvCxnSpPr>
-          <p:cNvPr id="19" name="Straight Connector 18">
-            <a:extLst>
-              <a:ext uri="{FF2B5EF4-FFF2-40B4-BE49-F238E27FC236}">
-                <a16:creationId xmlns:a16="http://schemas.microsoft.com/office/drawing/2014/main" id="{83793549-1988-4D43-A519-281464FBFE83}"/>
-              </a:ext>
-            </a:extLst>
-          </p:cNvPr>
-          <p:cNvCxnSpPr/>
-          <p:nvPr/>
-        </p:nvCxnSpPr>
-        <p:spPr>
-          <a:xfrm>
-            <a:off x="7076661" y="4664763"/>
-            <a:ext cx="182880" cy="0"/>
-          </a:xfrm>
-          <a:prstGeom prst="line">
-            <a:avLst/>
-          </a:prstGeom>
-          <a:ln>
-            <a:solidFill>
-              <a:schemeClr val="bg1">
-                <a:lumMod val="85000"/>
-              </a:schemeClr>
-            </a:solidFill>
-          </a:ln>
-        </p:spPr>
-        <p:style>
-          <a:lnRef idx="1">
-            <a:schemeClr val="accent1"/>
-          </a:lnRef>
-          <a:fillRef idx="0">
-            <a:schemeClr val="accent1"/>
-          </a:fillRef>
-          <a:effectRef idx="0">
-            <a:schemeClr val="accent1"/>
-          </a:effectRef>
-          <a:fontRef idx="minor">
-            <a:schemeClr val="tx1"/>
-          </a:fontRef>
-        </p:style>
-      </p:cxnSp>
-    </p:spTree>
-    <p:extLst>
-      <p:ext uri="{BB962C8B-B14F-4D97-AF65-F5344CB8AC3E}">
-        <p14:creationId xmlns:p14="http://schemas.microsoft.com/office/powerpoint/2010/main" val="1977916400"/>
-      </p:ext>
-    </p:extLst>
-  </p:cSld>
-  <p:clrMapOvr>
-    <a:masterClrMapping/>
-  </p:clrMapOvr>
-</p:sld>
-</file>
-
 <file path=ppt/slides/slide2.xml><?xml version="1.0" encoding="utf-8"?>
 <p:sld xmlns:a="http://schemas.openxmlformats.org/drawingml/2006/main" xmlns:r="http://schemas.openxmlformats.org/officeDocument/2006/relationships" xmlns:p="http://schemas.openxmlformats.org/presentationml/2006/main">
   <p:cSld>
@@ -24082,7 +23340,7 @@
           <a:p>
             <a:fld id="{6700A58B-DD98-43D0-B791-721480A02982}" type="datetime1">
               <a:rPr lang="en-US" smtClean="0"/>
-              <a:t>1/6/21</a:t>
+              <a:t>6/15/21</a:t>
             </a:fld>
             <a:endParaRPr lang="en-US"/>
           </a:p>
@@ -26338,6 +25596,1075 @@
           <a:chExt cx="0" cy="0"/>
         </a:xfrm>
       </p:grpSpPr>
+      <p:pic>
+        <p:nvPicPr>
+          <p:cNvPr id="7" name="Picture 3"/>
+          <p:cNvPicPr>
+            <a:picLocks noChangeAspect="1" noChangeArrowheads="1"/>
+          </p:cNvPicPr>
+          <p:nvPr/>
+        </p:nvPicPr>
+        <p:blipFill rotWithShape="1">
+          <a:blip r:embed="rId2">
+            <a:extLst>
+              <a:ext uri="{28A0092B-C50C-407E-A947-70E740481C1C}">
+                <a14:useLocalDpi xmlns:a14="http://schemas.microsoft.com/office/drawing/2010/main" val="0"/>
+              </a:ext>
+            </a:extLst>
+          </a:blip>
+          <a:srcRect l="7139" r="19961" b="10631"/>
+          <a:stretch/>
+        </p:blipFill>
+        <p:spPr bwMode="auto">
+          <a:xfrm>
+            <a:off x="4587767" y="2079176"/>
+            <a:ext cx="3601860" cy="2654189"/>
+          </a:xfrm>
+          <a:prstGeom prst="rect">
+            <a:avLst/>
+          </a:prstGeom>
+          <a:noFill/>
+          <a:ln>
+            <a:noFill/>
+          </a:ln>
+          <a:effectLst/>
+          <a:extLst>
+            <a:ext uri="{909E8E84-426E-40DD-AFC4-6F175D3DCCD1}">
+              <a14:hiddenFill xmlns:a14="http://schemas.microsoft.com/office/drawing/2010/main">
+                <a:solidFill>
+                  <a:schemeClr val="accent1"/>
+                </a:solidFill>
+              </a14:hiddenFill>
+            </a:ext>
+            <a:ext uri="{91240B29-F687-4F45-9708-019B960494DF}">
+              <a14:hiddenLine xmlns:a14="http://schemas.microsoft.com/office/drawing/2010/main" w="9525">
+                <a:solidFill>
+                  <a:schemeClr val="tx1"/>
+                </a:solidFill>
+                <a:miter lim="800000"/>
+                <a:headEnd/>
+                <a:tailEnd/>
+              </a14:hiddenLine>
+            </a:ext>
+            <a:ext uri="{AF507438-7753-43E0-B8FC-AC1667EBCBE1}">
+              <a14:hiddenEffects xmlns:a14="http://schemas.microsoft.com/office/drawing/2010/main">
+                <a:effectLst>
+                  <a:outerShdw dist="35921" dir="2700000" algn="ctr" rotWithShape="0">
+                    <a:schemeClr val="bg2"/>
+                  </a:outerShdw>
+                </a:effectLst>
+              </a14:hiddenEffects>
+            </a:ext>
+          </a:extLst>
+        </p:spPr>
+      </p:pic>
+      <p:sp>
+        <p:nvSpPr>
+          <p:cNvPr id="2" name="Date Placeholder 1"/>
+          <p:cNvSpPr>
+            <a:spLocks noGrp="1"/>
+          </p:cNvSpPr>
+          <p:nvPr>
+            <p:ph type="dt" sz="half" idx="10"/>
+          </p:nvPr>
+        </p:nvSpPr>
+        <p:spPr/>
+        <p:txBody>
+          <a:bodyPr/>
+          <a:lstStyle/>
+          <a:p>
+            <a:fld id="{6700A58B-DD98-43D0-B791-721480A02982}" type="datetime1">
+              <a:rPr lang="en-US" smtClean="0"/>
+              <a:t>6/15/21</a:t>
+            </a:fld>
+            <a:endParaRPr lang="en-US"/>
+          </a:p>
+        </p:txBody>
+      </p:sp>
+      <p:sp>
+        <p:nvSpPr>
+          <p:cNvPr id="3" name="Title 2"/>
+          <p:cNvSpPr>
+            <a:spLocks noGrp="1"/>
+          </p:cNvSpPr>
+          <p:nvPr>
+            <p:ph type="title"/>
+          </p:nvPr>
+        </p:nvSpPr>
+        <p:spPr/>
+        <p:txBody>
+          <a:bodyPr/>
+          <a:lstStyle/>
+          <a:p>
+            <a:r>
+              <a:rPr lang="en-US" dirty="0"/>
+              <a:t>Quick Refresher</a:t>
+            </a:r>
+          </a:p>
+        </p:txBody>
+      </p:sp>
+      <p:sp>
+        <p:nvSpPr>
+          <p:cNvPr id="4" name="Footer Placeholder 3"/>
+          <p:cNvSpPr>
+            <a:spLocks noGrp="1"/>
+          </p:cNvSpPr>
+          <p:nvPr>
+            <p:ph type="ftr" sz="quarter" idx="3"/>
+          </p:nvPr>
+        </p:nvSpPr>
+        <p:spPr/>
+        <p:txBody>
+          <a:bodyPr/>
+          <a:lstStyle/>
+          <a:p>
+            <a:r>
+              <a:rPr lang="en-US"/>
+              <a:t>Kwartler</a:t>
+            </a:r>
+            <a:endParaRPr lang="en-US" dirty="0"/>
+          </a:p>
+        </p:txBody>
+      </p:sp>
+      <p:sp>
+        <p:nvSpPr>
+          <p:cNvPr id="5" name="Slide Number Placeholder 4"/>
+          <p:cNvSpPr>
+            <a:spLocks noGrp="1"/>
+          </p:cNvSpPr>
+          <p:nvPr>
+            <p:ph type="sldNum" sz="quarter" idx="4"/>
+          </p:nvPr>
+        </p:nvSpPr>
+        <p:spPr/>
+        <p:txBody>
+          <a:bodyPr/>
+          <a:lstStyle/>
+          <a:p>
+            <a:fld id="{37290FF7-652B-4475-AEAB-8B1A5D23AE09}" type="slidenum">
+              <a:rPr lang="en-US" smtClean="0"/>
+              <a:pPr/>
+              <a:t>20</a:t>
+            </a:fld>
+            <a:endParaRPr lang="en-US" dirty="0"/>
+          </a:p>
+        </p:txBody>
+      </p:sp>
+      <p:pic>
+        <p:nvPicPr>
+          <p:cNvPr id="6" name="Picture 2" descr="http://www.math-salamanders.com/image-files/right-angle-triangle-labelled.jpg"/>
+          <p:cNvPicPr>
+            <a:picLocks noChangeAspect="1" noChangeArrowheads="1"/>
+          </p:cNvPicPr>
+          <p:nvPr/>
+        </p:nvPicPr>
+        <p:blipFill>
+          <a:blip r:embed="rId3">
+            <a:extLst>
+              <a:ext uri="{28A0092B-C50C-407E-A947-70E740481C1C}">
+                <a14:useLocalDpi xmlns:a14="http://schemas.microsoft.com/office/drawing/2010/main" val="0"/>
+              </a:ext>
+            </a:extLst>
+          </a:blip>
+          <a:srcRect/>
+          <a:stretch>
+            <a:fillRect/>
+          </a:stretch>
+        </p:blipFill>
+        <p:spPr bwMode="auto">
+          <a:xfrm>
+            <a:off x="633247" y="3057098"/>
+            <a:ext cx="2057400" cy="1238250"/>
+          </a:xfrm>
+          <a:prstGeom prst="rect">
+            <a:avLst/>
+          </a:prstGeom>
+          <a:noFill/>
+          <a:extLst>
+            <a:ext uri="{909E8E84-426E-40DD-AFC4-6F175D3DCCD1}">
+              <a14:hiddenFill xmlns:a14="http://schemas.microsoft.com/office/drawing/2010/main">
+                <a:solidFill>
+                  <a:srgbClr val="FFFFFF"/>
+                </a:solidFill>
+              </a14:hiddenFill>
+            </a:ext>
+          </a:extLst>
+        </p:spPr>
+      </p:pic>
+      <p:sp>
+        <p:nvSpPr>
+          <p:cNvPr id="8" name="Right Triangle 7"/>
+          <p:cNvSpPr/>
+          <p:nvPr/>
+        </p:nvSpPr>
+        <p:spPr>
+          <a:xfrm rot="5400000" flipH="1">
+            <a:off x="6870234" y="3258325"/>
+            <a:ext cx="445401" cy="866633"/>
+          </a:xfrm>
+          <a:prstGeom prst="rtTriangle">
+            <a:avLst/>
+          </a:prstGeom>
+          <a:noFill/>
+          <a:ln>
+            <a:solidFill>
+              <a:schemeClr val="tx1"/>
+            </a:solidFill>
+            <a:prstDash val="sysDot"/>
+          </a:ln>
+        </p:spPr>
+        <p:style>
+          <a:lnRef idx="2">
+            <a:schemeClr val="accent1">
+              <a:shade val="50000"/>
+            </a:schemeClr>
+          </a:lnRef>
+          <a:fillRef idx="1">
+            <a:schemeClr val="accent1"/>
+          </a:fillRef>
+          <a:effectRef idx="0">
+            <a:schemeClr val="accent1"/>
+          </a:effectRef>
+          <a:fontRef idx="minor">
+            <a:schemeClr val="lt1"/>
+          </a:fontRef>
+        </p:style>
+        <p:txBody>
+          <a:bodyPr rtlCol="0" anchor="ctr"/>
+          <a:lstStyle/>
+          <a:p>
+            <a:pPr algn="ctr"/>
+            <a:endParaRPr lang="en-US"/>
+          </a:p>
+        </p:txBody>
+      </p:sp>
+      <p:sp>
+        <p:nvSpPr>
+          <p:cNvPr id="9" name="TextBox 8"/>
+          <p:cNvSpPr txBox="1"/>
+          <p:nvPr/>
+        </p:nvSpPr>
+        <p:spPr>
+          <a:xfrm>
+            <a:off x="6425847" y="3482947"/>
+            <a:ext cx="306494" cy="406265"/>
+          </a:xfrm>
+          <a:prstGeom prst="rect">
+            <a:avLst/>
+          </a:prstGeom>
+          <a:noFill/>
+        </p:spPr>
+        <p:txBody>
+          <a:bodyPr wrap="none" rtlCol="0">
+            <a:spAutoFit/>
+          </a:bodyPr>
+          <a:lstStyle/>
+          <a:p>
+            <a:r>
+              <a:rPr lang="en-US" dirty="0"/>
+              <a:t>b</a:t>
+            </a:r>
+          </a:p>
+        </p:txBody>
+      </p:sp>
+      <p:sp>
+        <p:nvSpPr>
+          <p:cNvPr id="10" name="TextBox 9"/>
+          <p:cNvSpPr txBox="1"/>
+          <p:nvPr/>
+        </p:nvSpPr>
+        <p:spPr>
+          <a:xfrm>
+            <a:off x="6917356" y="3832409"/>
+            <a:ext cx="295274" cy="406265"/>
+          </a:xfrm>
+          <a:prstGeom prst="rect">
+            <a:avLst/>
+          </a:prstGeom>
+          <a:noFill/>
+        </p:spPr>
+        <p:txBody>
+          <a:bodyPr wrap="none" rtlCol="0">
+            <a:spAutoFit/>
+          </a:bodyPr>
+          <a:lstStyle/>
+          <a:p>
+            <a:r>
+              <a:rPr lang="en-US" dirty="0"/>
+              <a:t>a</a:t>
+            </a:r>
+          </a:p>
+        </p:txBody>
+      </p:sp>
+      <p:sp>
+        <p:nvSpPr>
+          <p:cNvPr id="11" name="TextBox 10"/>
+          <p:cNvSpPr txBox="1"/>
+          <p:nvPr/>
+        </p:nvSpPr>
+        <p:spPr>
+          <a:xfrm>
+            <a:off x="7073809" y="3347897"/>
+            <a:ext cx="300082" cy="406265"/>
+          </a:xfrm>
+          <a:prstGeom prst="rect">
+            <a:avLst/>
+          </a:prstGeom>
+          <a:noFill/>
+        </p:spPr>
+        <p:txBody>
+          <a:bodyPr wrap="none" rtlCol="0">
+            <a:spAutoFit/>
+          </a:bodyPr>
+          <a:lstStyle/>
+          <a:p>
+            <a:r>
+              <a:rPr lang="en-US" dirty="0"/>
+              <a:t>c</a:t>
+            </a:r>
+          </a:p>
+        </p:txBody>
+      </p:sp>
+      <p:sp>
+        <p:nvSpPr>
+          <p:cNvPr id="15" name="Text Placeholder 2"/>
+          <p:cNvSpPr txBox="1">
+            <a:spLocks/>
+          </p:cNvSpPr>
+          <p:nvPr/>
+        </p:nvSpPr>
+        <p:spPr>
+          <a:xfrm>
+            <a:off x="189186" y="1437325"/>
+            <a:ext cx="4035973" cy="396731"/>
+          </a:xfrm>
+          <a:prstGeom prst="rect">
+            <a:avLst/>
+          </a:prstGeom>
+          <a:solidFill>
+            <a:schemeClr val="accent6">
+              <a:lumMod val="60000"/>
+              <a:lumOff val="40000"/>
+            </a:schemeClr>
+          </a:solidFill>
+        </p:spPr>
+        <p:txBody>
+          <a:bodyPr>
+            <a:normAutofit/>
+          </a:bodyPr>
+          <a:lstStyle>
+            <a:lvl1pPr marL="171450" indent="-171450" algn="l" defTabSz="685800" rtl="0" eaLnBrk="1" latinLnBrk="0" hangingPunct="1">
+              <a:lnSpc>
+                <a:spcPct val="90000"/>
+              </a:lnSpc>
+              <a:spcBef>
+                <a:spcPts val="750"/>
+              </a:spcBef>
+              <a:buFont typeface="Arial" panose="020B0604020202020204" pitchFamily="34" charset="0"/>
+              <a:buChar char="•"/>
+              <a:defRPr sz="2100" kern="1200">
+                <a:solidFill>
+                  <a:schemeClr val="tx1"/>
+                </a:solidFill>
+                <a:latin typeface="+mn-lt"/>
+                <a:ea typeface="+mn-ea"/>
+                <a:cs typeface="+mn-cs"/>
+              </a:defRPr>
+            </a:lvl1pPr>
+            <a:lvl2pPr marL="514350" indent="-171450" algn="l" defTabSz="685800" rtl="0" eaLnBrk="1" latinLnBrk="0" hangingPunct="1">
+              <a:lnSpc>
+                <a:spcPct val="90000"/>
+              </a:lnSpc>
+              <a:spcBef>
+                <a:spcPts val="375"/>
+              </a:spcBef>
+              <a:buFont typeface="Arial" panose="020B0604020202020204" pitchFamily="34" charset="0"/>
+              <a:buChar char="•"/>
+              <a:defRPr sz="1800" kern="1200">
+                <a:solidFill>
+                  <a:schemeClr val="tx1"/>
+                </a:solidFill>
+                <a:latin typeface="+mn-lt"/>
+                <a:ea typeface="+mn-ea"/>
+                <a:cs typeface="+mn-cs"/>
+              </a:defRPr>
+            </a:lvl2pPr>
+            <a:lvl3pPr marL="857250" indent="-171450" algn="l" defTabSz="685800" rtl="0" eaLnBrk="1" latinLnBrk="0" hangingPunct="1">
+              <a:lnSpc>
+                <a:spcPct val="90000"/>
+              </a:lnSpc>
+              <a:spcBef>
+                <a:spcPts val="375"/>
+              </a:spcBef>
+              <a:buFont typeface="Arial" panose="020B0604020202020204" pitchFamily="34" charset="0"/>
+              <a:buChar char="•"/>
+              <a:defRPr sz="1500" kern="1200">
+                <a:solidFill>
+                  <a:schemeClr val="tx1"/>
+                </a:solidFill>
+                <a:latin typeface="+mn-lt"/>
+                <a:ea typeface="+mn-ea"/>
+                <a:cs typeface="+mn-cs"/>
+              </a:defRPr>
+            </a:lvl3pPr>
+            <a:lvl4pPr marL="1200150" indent="-171450" algn="l" defTabSz="685800" rtl="0" eaLnBrk="1" latinLnBrk="0" hangingPunct="1">
+              <a:lnSpc>
+                <a:spcPct val="90000"/>
+              </a:lnSpc>
+              <a:spcBef>
+                <a:spcPts val="375"/>
+              </a:spcBef>
+              <a:buFont typeface="Arial" panose="020B0604020202020204" pitchFamily="34" charset="0"/>
+              <a:buChar char="•"/>
+              <a:defRPr sz="1350" kern="1200">
+                <a:solidFill>
+                  <a:schemeClr val="tx1"/>
+                </a:solidFill>
+                <a:latin typeface="+mn-lt"/>
+                <a:ea typeface="+mn-ea"/>
+                <a:cs typeface="+mn-cs"/>
+              </a:defRPr>
+            </a:lvl4pPr>
+            <a:lvl5pPr marL="1543050" indent="-171450" algn="l" defTabSz="685800" rtl="0" eaLnBrk="1" latinLnBrk="0" hangingPunct="1">
+              <a:lnSpc>
+                <a:spcPct val="90000"/>
+              </a:lnSpc>
+              <a:spcBef>
+                <a:spcPts val="375"/>
+              </a:spcBef>
+              <a:buFont typeface="Arial" panose="020B0604020202020204" pitchFamily="34" charset="0"/>
+              <a:buChar char="•"/>
+              <a:defRPr sz="1350" kern="1200">
+                <a:solidFill>
+                  <a:schemeClr val="tx1"/>
+                </a:solidFill>
+                <a:latin typeface="+mn-lt"/>
+                <a:ea typeface="+mn-ea"/>
+                <a:cs typeface="+mn-cs"/>
+              </a:defRPr>
+            </a:lvl5pPr>
+            <a:lvl6pPr marL="1885950" indent="-171450" algn="l" defTabSz="685800" rtl="0" eaLnBrk="1" latinLnBrk="0" hangingPunct="1">
+              <a:lnSpc>
+                <a:spcPct val="90000"/>
+              </a:lnSpc>
+              <a:spcBef>
+                <a:spcPts val="375"/>
+              </a:spcBef>
+              <a:buFont typeface="Arial" panose="020B0604020202020204" pitchFamily="34" charset="0"/>
+              <a:buChar char="•"/>
+              <a:defRPr sz="1350" kern="1200">
+                <a:solidFill>
+                  <a:schemeClr val="tx1"/>
+                </a:solidFill>
+                <a:latin typeface="+mn-lt"/>
+                <a:ea typeface="+mn-ea"/>
+                <a:cs typeface="+mn-cs"/>
+              </a:defRPr>
+            </a:lvl6pPr>
+            <a:lvl7pPr marL="2228850" indent="-171450" algn="l" defTabSz="685800" rtl="0" eaLnBrk="1" latinLnBrk="0" hangingPunct="1">
+              <a:lnSpc>
+                <a:spcPct val="90000"/>
+              </a:lnSpc>
+              <a:spcBef>
+                <a:spcPts val="375"/>
+              </a:spcBef>
+              <a:buFont typeface="Arial" panose="020B0604020202020204" pitchFamily="34" charset="0"/>
+              <a:buChar char="•"/>
+              <a:defRPr sz="1350" kern="1200">
+                <a:solidFill>
+                  <a:schemeClr val="tx1"/>
+                </a:solidFill>
+                <a:latin typeface="+mn-lt"/>
+                <a:ea typeface="+mn-ea"/>
+                <a:cs typeface="+mn-cs"/>
+              </a:defRPr>
+            </a:lvl7pPr>
+            <a:lvl8pPr marL="2571750" indent="-171450" algn="l" defTabSz="685800" rtl="0" eaLnBrk="1" latinLnBrk="0" hangingPunct="1">
+              <a:lnSpc>
+                <a:spcPct val="90000"/>
+              </a:lnSpc>
+              <a:spcBef>
+                <a:spcPts val="375"/>
+              </a:spcBef>
+              <a:buFont typeface="Arial" panose="020B0604020202020204" pitchFamily="34" charset="0"/>
+              <a:buChar char="•"/>
+              <a:defRPr sz="1350" kern="1200">
+                <a:solidFill>
+                  <a:schemeClr val="tx1"/>
+                </a:solidFill>
+                <a:latin typeface="+mn-lt"/>
+                <a:ea typeface="+mn-ea"/>
+                <a:cs typeface="+mn-cs"/>
+              </a:defRPr>
+            </a:lvl8pPr>
+            <a:lvl9pPr marL="2914650" indent="-171450" algn="l" defTabSz="685800" rtl="0" eaLnBrk="1" latinLnBrk="0" hangingPunct="1">
+              <a:lnSpc>
+                <a:spcPct val="90000"/>
+              </a:lnSpc>
+              <a:spcBef>
+                <a:spcPts val="375"/>
+              </a:spcBef>
+              <a:buFont typeface="Arial" panose="020B0604020202020204" pitchFamily="34" charset="0"/>
+              <a:buChar char="•"/>
+              <a:defRPr sz="1350" kern="1200">
+                <a:solidFill>
+                  <a:schemeClr val="tx1"/>
+                </a:solidFill>
+                <a:latin typeface="+mn-lt"/>
+                <a:ea typeface="+mn-ea"/>
+                <a:cs typeface="+mn-cs"/>
+              </a:defRPr>
+            </a:lvl9pPr>
+          </a:lstStyle>
+          <a:p>
+            <a:pPr marL="0" indent="0">
+              <a:buNone/>
+            </a:pPr>
+            <a:r>
+              <a:rPr lang="en-US" dirty="0">
+                <a:solidFill>
+                  <a:schemeClr val="bg1"/>
+                </a:solidFill>
+              </a:rPr>
+              <a:t>Remember Pythagorean Theorem?</a:t>
+            </a:r>
+          </a:p>
+        </p:txBody>
+      </p:sp>
+      <p:sp>
+        <p:nvSpPr>
+          <p:cNvPr id="16" name="Content Placeholder 3"/>
+          <p:cNvSpPr txBox="1">
+            <a:spLocks/>
+          </p:cNvSpPr>
+          <p:nvPr/>
+        </p:nvSpPr>
+        <p:spPr>
+          <a:xfrm>
+            <a:off x="629842" y="1956431"/>
+            <a:ext cx="3868340" cy="4205218"/>
+          </a:xfrm>
+          <a:prstGeom prst="rect">
+            <a:avLst/>
+          </a:prstGeom>
+        </p:spPr>
+        <p:txBody>
+          <a:bodyPr/>
+          <a:lstStyle>
+            <a:lvl1pPr marL="171450" indent="-171450" algn="l" defTabSz="685800" rtl="0" eaLnBrk="1" latinLnBrk="0" hangingPunct="1">
+              <a:lnSpc>
+                <a:spcPct val="90000"/>
+              </a:lnSpc>
+              <a:spcBef>
+                <a:spcPts val="750"/>
+              </a:spcBef>
+              <a:buFont typeface="Arial" panose="020B0604020202020204" pitchFamily="34" charset="0"/>
+              <a:buChar char="•"/>
+              <a:defRPr sz="2100" kern="1200">
+                <a:solidFill>
+                  <a:schemeClr val="tx1"/>
+                </a:solidFill>
+                <a:latin typeface="+mn-lt"/>
+                <a:ea typeface="+mn-ea"/>
+                <a:cs typeface="+mn-cs"/>
+              </a:defRPr>
+            </a:lvl1pPr>
+            <a:lvl2pPr marL="514350" indent="-171450" algn="l" defTabSz="685800" rtl="0" eaLnBrk="1" latinLnBrk="0" hangingPunct="1">
+              <a:lnSpc>
+                <a:spcPct val="90000"/>
+              </a:lnSpc>
+              <a:spcBef>
+                <a:spcPts val="375"/>
+              </a:spcBef>
+              <a:buFont typeface="Arial" panose="020B0604020202020204" pitchFamily="34" charset="0"/>
+              <a:buChar char="•"/>
+              <a:defRPr sz="1800" kern="1200">
+                <a:solidFill>
+                  <a:schemeClr val="tx1"/>
+                </a:solidFill>
+                <a:latin typeface="+mn-lt"/>
+                <a:ea typeface="+mn-ea"/>
+                <a:cs typeface="+mn-cs"/>
+              </a:defRPr>
+            </a:lvl2pPr>
+            <a:lvl3pPr marL="857250" indent="-171450" algn="l" defTabSz="685800" rtl="0" eaLnBrk="1" latinLnBrk="0" hangingPunct="1">
+              <a:lnSpc>
+                <a:spcPct val="90000"/>
+              </a:lnSpc>
+              <a:spcBef>
+                <a:spcPts val="375"/>
+              </a:spcBef>
+              <a:buFont typeface="Arial" panose="020B0604020202020204" pitchFamily="34" charset="0"/>
+              <a:buChar char="•"/>
+              <a:defRPr sz="1500" kern="1200">
+                <a:solidFill>
+                  <a:schemeClr val="tx1"/>
+                </a:solidFill>
+                <a:latin typeface="+mn-lt"/>
+                <a:ea typeface="+mn-ea"/>
+                <a:cs typeface="+mn-cs"/>
+              </a:defRPr>
+            </a:lvl3pPr>
+            <a:lvl4pPr marL="1200150" indent="-171450" algn="l" defTabSz="685800" rtl="0" eaLnBrk="1" latinLnBrk="0" hangingPunct="1">
+              <a:lnSpc>
+                <a:spcPct val="90000"/>
+              </a:lnSpc>
+              <a:spcBef>
+                <a:spcPts val="375"/>
+              </a:spcBef>
+              <a:buFont typeface="Arial" panose="020B0604020202020204" pitchFamily="34" charset="0"/>
+              <a:buChar char="•"/>
+              <a:defRPr sz="1350" kern="1200">
+                <a:solidFill>
+                  <a:schemeClr val="tx1"/>
+                </a:solidFill>
+                <a:latin typeface="+mn-lt"/>
+                <a:ea typeface="+mn-ea"/>
+                <a:cs typeface="+mn-cs"/>
+              </a:defRPr>
+            </a:lvl4pPr>
+            <a:lvl5pPr marL="1543050" indent="-171450" algn="l" defTabSz="685800" rtl="0" eaLnBrk="1" latinLnBrk="0" hangingPunct="1">
+              <a:lnSpc>
+                <a:spcPct val="90000"/>
+              </a:lnSpc>
+              <a:spcBef>
+                <a:spcPts val="375"/>
+              </a:spcBef>
+              <a:buFont typeface="Arial" panose="020B0604020202020204" pitchFamily="34" charset="0"/>
+              <a:buChar char="•"/>
+              <a:defRPr sz="1350" kern="1200">
+                <a:solidFill>
+                  <a:schemeClr val="tx1"/>
+                </a:solidFill>
+                <a:latin typeface="+mn-lt"/>
+                <a:ea typeface="+mn-ea"/>
+                <a:cs typeface="+mn-cs"/>
+              </a:defRPr>
+            </a:lvl5pPr>
+            <a:lvl6pPr marL="1885950" indent="-171450" algn="l" defTabSz="685800" rtl="0" eaLnBrk="1" latinLnBrk="0" hangingPunct="1">
+              <a:lnSpc>
+                <a:spcPct val="90000"/>
+              </a:lnSpc>
+              <a:spcBef>
+                <a:spcPts val="375"/>
+              </a:spcBef>
+              <a:buFont typeface="Arial" panose="020B0604020202020204" pitchFamily="34" charset="0"/>
+              <a:buChar char="•"/>
+              <a:defRPr sz="1350" kern="1200">
+                <a:solidFill>
+                  <a:schemeClr val="tx1"/>
+                </a:solidFill>
+                <a:latin typeface="+mn-lt"/>
+                <a:ea typeface="+mn-ea"/>
+                <a:cs typeface="+mn-cs"/>
+              </a:defRPr>
+            </a:lvl6pPr>
+            <a:lvl7pPr marL="2228850" indent="-171450" algn="l" defTabSz="685800" rtl="0" eaLnBrk="1" latinLnBrk="0" hangingPunct="1">
+              <a:lnSpc>
+                <a:spcPct val="90000"/>
+              </a:lnSpc>
+              <a:spcBef>
+                <a:spcPts val="375"/>
+              </a:spcBef>
+              <a:buFont typeface="Arial" panose="020B0604020202020204" pitchFamily="34" charset="0"/>
+              <a:buChar char="•"/>
+              <a:defRPr sz="1350" kern="1200">
+                <a:solidFill>
+                  <a:schemeClr val="tx1"/>
+                </a:solidFill>
+                <a:latin typeface="+mn-lt"/>
+                <a:ea typeface="+mn-ea"/>
+                <a:cs typeface="+mn-cs"/>
+              </a:defRPr>
+            </a:lvl7pPr>
+            <a:lvl8pPr marL="2571750" indent="-171450" algn="l" defTabSz="685800" rtl="0" eaLnBrk="1" latinLnBrk="0" hangingPunct="1">
+              <a:lnSpc>
+                <a:spcPct val="90000"/>
+              </a:lnSpc>
+              <a:spcBef>
+                <a:spcPts val="375"/>
+              </a:spcBef>
+              <a:buFont typeface="Arial" panose="020B0604020202020204" pitchFamily="34" charset="0"/>
+              <a:buChar char="•"/>
+              <a:defRPr sz="1350" kern="1200">
+                <a:solidFill>
+                  <a:schemeClr val="tx1"/>
+                </a:solidFill>
+                <a:latin typeface="+mn-lt"/>
+                <a:ea typeface="+mn-ea"/>
+                <a:cs typeface="+mn-cs"/>
+              </a:defRPr>
+            </a:lvl8pPr>
+            <a:lvl9pPr marL="2914650" indent="-171450" algn="l" defTabSz="685800" rtl="0" eaLnBrk="1" latinLnBrk="0" hangingPunct="1">
+              <a:lnSpc>
+                <a:spcPct val="90000"/>
+              </a:lnSpc>
+              <a:spcBef>
+                <a:spcPts val="375"/>
+              </a:spcBef>
+              <a:buFont typeface="Arial" panose="020B0604020202020204" pitchFamily="34" charset="0"/>
+              <a:buChar char="•"/>
+              <a:defRPr sz="1350" kern="1200">
+                <a:solidFill>
+                  <a:schemeClr val="tx1"/>
+                </a:solidFill>
+                <a:latin typeface="+mn-lt"/>
+                <a:ea typeface="+mn-ea"/>
+                <a:cs typeface="+mn-cs"/>
+              </a:defRPr>
+            </a:lvl9pPr>
+          </a:lstStyle>
+          <a:p>
+            <a:r>
+              <a:rPr lang="en-US"/>
+              <a:t>A</a:t>
+            </a:r>
+            <a:r>
+              <a:rPr lang="en-US" baseline="30000"/>
+              <a:t>2</a:t>
+            </a:r>
+            <a:r>
+              <a:rPr lang="en-US"/>
+              <a:t>+B</a:t>
+            </a:r>
+            <a:r>
+              <a:rPr lang="en-US" baseline="30000"/>
+              <a:t>2</a:t>
+            </a:r>
+            <a:r>
+              <a:rPr lang="en-US"/>
+              <a:t>=C</a:t>
+            </a:r>
+            <a:r>
+              <a:rPr lang="en-US" baseline="30000"/>
+              <a:t>2</a:t>
+            </a:r>
+            <a:endParaRPr lang="en-US" baseline="30000" dirty="0"/>
+          </a:p>
+        </p:txBody>
+      </p:sp>
+      <p:sp>
+        <p:nvSpPr>
+          <p:cNvPr id="18" name="Text Placeholder 2"/>
+          <p:cNvSpPr txBox="1">
+            <a:spLocks/>
+          </p:cNvSpPr>
+          <p:nvPr/>
+        </p:nvSpPr>
+        <p:spPr>
+          <a:xfrm>
+            <a:off x="4424855" y="1437325"/>
+            <a:ext cx="4308996" cy="396731"/>
+          </a:xfrm>
+          <a:prstGeom prst="rect">
+            <a:avLst/>
+          </a:prstGeom>
+          <a:solidFill>
+            <a:schemeClr val="accent6">
+              <a:lumMod val="60000"/>
+              <a:lumOff val="40000"/>
+            </a:schemeClr>
+          </a:solidFill>
+        </p:spPr>
+        <p:txBody>
+          <a:bodyPr>
+            <a:normAutofit/>
+          </a:bodyPr>
+          <a:lstStyle>
+            <a:lvl1pPr marL="171450" indent="-171450" algn="l" defTabSz="685800" rtl="0" eaLnBrk="1" latinLnBrk="0" hangingPunct="1">
+              <a:lnSpc>
+                <a:spcPct val="90000"/>
+              </a:lnSpc>
+              <a:spcBef>
+                <a:spcPts val="750"/>
+              </a:spcBef>
+              <a:buFont typeface="Arial" panose="020B0604020202020204" pitchFamily="34" charset="0"/>
+              <a:buChar char="•"/>
+              <a:defRPr sz="2100" kern="1200">
+                <a:solidFill>
+                  <a:schemeClr val="tx1"/>
+                </a:solidFill>
+                <a:latin typeface="+mn-lt"/>
+                <a:ea typeface="+mn-ea"/>
+                <a:cs typeface="+mn-cs"/>
+              </a:defRPr>
+            </a:lvl1pPr>
+            <a:lvl2pPr marL="514350" indent="-171450" algn="l" defTabSz="685800" rtl="0" eaLnBrk="1" latinLnBrk="0" hangingPunct="1">
+              <a:lnSpc>
+                <a:spcPct val="90000"/>
+              </a:lnSpc>
+              <a:spcBef>
+                <a:spcPts val="375"/>
+              </a:spcBef>
+              <a:buFont typeface="Arial" panose="020B0604020202020204" pitchFamily="34" charset="0"/>
+              <a:buChar char="•"/>
+              <a:defRPr sz="1800" kern="1200">
+                <a:solidFill>
+                  <a:schemeClr val="tx1"/>
+                </a:solidFill>
+                <a:latin typeface="+mn-lt"/>
+                <a:ea typeface="+mn-ea"/>
+                <a:cs typeface="+mn-cs"/>
+              </a:defRPr>
+            </a:lvl2pPr>
+            <a:lvl3pPr marL="857250" indent="-171450" algn="l" defTabSz="685800" rtl="0" eaLnBrk="1" latinLnBrk="0" hangingPunct="1">
+              <a:lnSpc>
+                <a:spcPct val="90000"/>
+              </a:lnSpc>
+              <a:spcBef>
+                <a:spcPts val="375"/>
+              </a:spcBef>
+              <a:buFont typeface="Arial" panose="020B0604020202020204" pitchFamily="34" charset="0"/>
+              <a:buChar char="•"/>
+              <a:defRPr sz="1500" kern="1200">
+                <a:solidFill>
+                  <a:schemeClr val="tx1"/>
+                </a:solidFill>
+                <a:latin typeface="+mn-lt"/>
+                <a:ea typeface="+mn-ea"/>
+                <a:cs typeface="+mn-cs"/>
+              </a:defRPr>
+            </a:lvl3pPr>
+            <a:lvl4pPr marL="1200150" indent="-171450" algn="l" defTabSz="685800" rtl="0" eaLnBrk="1" latinLnBrk="0" hangingPunct="1">
+              <a:lnSpc>
+                <a:spcPct val="90000"/>
+              </a:lnSpc>
+              <a:spcBef>
+                <a:spcPts val="375"/>
+              </a:spcBef>
+              <a:buFont typeface="Arial" panose="020B0604020202020204" pitchFamily="34" charset="0"/>
+              <a:buChar char="•"/>
+              <a:defRPr sz="1350" kern="1200">
+                <a:solidFill>
+                  <a:schemeClr val="tx1"/>
+                </a:solidFill>
+                <a:latin typeface="+mn-lt"/>
+                <a:ea typeface="+mn-ea"/>
+                <a:cs typeface="+mn-cs"/>
+              </a:defRPr>
+            </a:lvl4pPr>
+            <a:lvl5pPr marL="1543050" indent="-171450" algn="l" defTabSz="685800" rtl="0" eaLnBrk="1" latinLnBrk="0" hangingPunct="1">
+              <a:lnSpc>
+                <a:spcPct val="90000"/>
+              </a:lnSpc>
+              <a:spcBef>
+                <a:spcPts val="375"/>
+              </a:spcBef>
+              <a:buFont typeface="Arial" panose="020B0604020202020204" pitchFamily="34" charset="0"/>
+              <a:buChar char="•"/>
+              <a:defRPr sz="1350" kern="1200">
+                <a:solidFill>
+                  <a:schemeClr val="tx1"/>
+                </a:solidFill>
+                <a:latin typeface="+mn-lt"/>
+                <a:ea typeface="+mn-ea"/>
+                <a:cs typeface="+mn-cs"/>
+              </a:defRPr>
+            </a:lvl5pPr>
+            <a:lvl6pPr marL="1885950" indent="-171450" algn="l" defTabSz="685800" rtl="0" eaLnBrk="1" latinLnBrk="0" hangingPunct="1">
+              <a:lnSpc>
+                <a:spcPct val="90000"/>
+              </a:lnSpc>
+              <a:spcBef>
+                <a:spcPts val="375"/>
+              </a:spcBef>
+              <a:buFont typeface="Arial" panose="020B0604020202020204" pitchFamily="34" charset="0"/>
+              <a:buChar char="•"/>
+              <a:defRPr sz="1350" kern="1200">
+                <a:solidFill>
+                  <a:schemeClr val="tx1"/>
+                </a:solidFill>
+                <a:latin typeface="+mn-lt"/>
+                <a:ea typeface="+mn-ea"/>
+                <a:cs typeface="+mn-cs"/>
+              </a:defRPr>
+            </a:lvl6pPr>
+            <a:lvl7pPr marL="2228850" indent="-171450" algn="l" defTabSz="685800" rtl="0" eaLnBrk="1" latinLnBrk="0" hangingPunct="1">
+              <a:lnSpc>
+                <a:spcPct val="90000"/>
+              </a:lnSpc>
+              <a:spcBef>
+                <a:spcPts val="375"/>
+              </a:spcBef>
+              <a:buFont typeface="Arial" panose="020B0604020202020204" pitchFamily="34" charset="0"/>
+              <a:buChar char="•"/>
+              <a:defRPr sz="1350" kern="1200">
+                <a:solidFill>
+                  <a:schemeClr val="tx1"/>
+                </a:solidFill>
+                <a:latin typeface="+mn-lt"/>
+                <a:ea typeface="+mn-ea"/>
+                <a:cs typeface="+mn-cs"/>
+              </a:defRPr>
+            </a:lvl7pPr>
+            <a:lvl8pPr marL="2571750" indent="-171450" algn="l" defTabSz="685800" rtl="0" eaLnBrk="1" latinLnBrk="0" hangingPunct="1">
+              <a:lnSpc>
+                <a:spcPct val="90000"/>
+              </a:lnSpc>
+              <a:spcBef>
+                <a:spcPts val="375"/>
+              </a:spcBef>
+              <a:buFont typeface="Arial" panose="020B0604020202020204" pitchFamily="34" charset="0"/>
+              <a:buChar char="•"/>
+              <a:defRPr sz="1350" kern="1200">
+                <a:solidFill>
+                  <a:schemeClr val="tx1"/>
+                </a:solidFill>
+                <a:latin typeface="+mn-lt"/>
+                <a:ea typeface="+mn-ea"/>
+                <a:cs typeface="+mn-cs"/>
+              </a:defRPr>
+            </a:lvl8pPr>
+            <a:lvl9pPr marL="2914650" indent="-171450" algn="l" defTabSz="685800" rtl="0" eaLnBrk="1" latinLnBrk="0" hangingPunct="1">
+              <a:lnSpc>
+                <a:spcPct val="90000"/>
+              </a:lnSpc>
+              <a:spcBef>
+                <a:spcPts val="375"/>
+              </a:spcBef>
+              <a:buFont typeface="Arial" panose="020B0604020202020204" pitchFamily="34" charset="0"/>
+              <a:buChar char="•"/>
+              <a:defRPr sz="1350" kern="1200">
+                <a:solidFill>
+                  <a:schemeClr val="tx1"/>
+                </a:solidFill>
+                <a:latin typeface="+mn-lt"/>
+                <a:ea typeface="+mn-ea"/>
+                <a:cs typeface="+mn-cs"/>
+              </a:defRPr>
+            </a:lvl9pPr>
+          </a:lstStyle>
+          <a:p>
+            <a:pPr marL="0" indent="0">
+              <a:buNone/>
+            </a:pPr>
+            <a:r>
+              <a:rPr lang="en-US" dirty="0">
+                <a:solidFill>
+                  <a:schemeClr val="bg1"/>
+                </a:solidFill>
+              </a:rPr>
+              <a:t>Example Data</a:t>
+            </a:r>
+          </a:p>
+        </p:txBody>
+      </p:sp>
+      <p:cxnSp>
+        <p:nvCxnSpPr>
+          <p:cNvPr id="17" name="Straight Connector 16">
+            <a:extLst>
+              <a:ext uri="{FF2B5EF4-FFF2-40B4-BE49-F238E27FC236}">
+                <a16:creationId xmlns:a16="http://schemas.microsoft.com/office/drawing/2014/main" id="{E153B831-55FA-7B4B-AB81-F0A29842462B}"/>
+              </a:ext>
+            </a:extLst>
+          </p:cNvPr>
+          <p:cNvCxnSpPr/>
+          <p:nvPr/>
+        </p:nvCxnSpPr>
+        <p:spPr>
+          <a:xfrm>
+            <a:off x="6798363" y="6549885"/>
+            <a:ext cx="0" cy="182880"/>
+          </a:xfrm>
+          <a:prstGeom prst="line">
+            <a:avLst/>
+          </a:prstGeom>
+          <a:ln>
+            <a:solidFill>
+              <a:schemeClr val="bg1">
+                <a:lumMod val="85000"/>
+              </a:schemeClr>
+            </a:solidFill>
+          </a:ln>
+        </p:spPr>
+        <p:style>
+          <a:lnRef idx="1">
+            <a:schemeClr val="accent1"/>
+          </a:lnRef>
+          <a:fillRef idx="0">
+            <a:schemeClr val="accent1"/>
+          </a:fillRef>
+          <a:effectRef idx="0">
+            <a:schemeClr val="accent1"/>
+          </a:effectRef>
+          <a:fontRef idx="minor">
+            <a:schemeClr val="tx1"/>
+          </a:fontRef>
+        </p:style>
+      </p:cxnSp>
+      <p:cxnSp>
+        <p:nvCxnSpPr>
+          <p:cNvPr id="19" name="Straight Connector 18">
+            <a:extLst>
+              <a:ext uri="{FF2B5EF4-FFF2-40B4-BE49-F238E27FC236}">
+                <a16:creationId xmlns:a16="http://schemas.microsoft.com/office/drawing/2014/main" id="{83793549-1988-4D43-A519-281464FBFE83}"/>
+              </a:ext>
+            </a:extLst>
+          </p:cNvPr>
+          <p:cNvCxnSpPr/>
+          <p:nvPr/>
+        </p:nvCxnSpPr>
+        <p:spPr>
+          <a:xfrm>
+            <a:off x="7076661" y="4664763"/>
+            <a:ext cx="182880" cy="0"/>
+          </a:xfrm>
+          <a:prstGeom prst="line">
+            <a:avLst/>
+          </a:prstGeom>
+          <a:ln>
+            <a:solidFill>
+              <a:schemeClr val="bg1">
+                <a:lumMod val="85000"/>
+              </a:schemeClr>
+            </a:solidFill>
+          </a:ln>
+        </p:spPr>
+        <p:style>
+          <a:lnRef idx="1">
+            <a:schemeClr val="accent1"/>
+          </a:lnRef>
+          <a:fillRef idx="0">
+            <a:schemeClr val="accent1"/>
+          </a:fillRef>
+          <a:effectRef idx="0">
+            <a:schemeClr val="accent1"/>
+          </a:effectRef>
+          <a:fontRef idx="minor">
+            <a:schemeClr val="tx1"/>
+          </a:fontRef>
+        </p:style>
+      </p:cxnSp>
+    </p:spTree>
+    <p:extLst>
+      <p:ext uri="{BB962C8B-B14F-4D97-AF65-F5344CB8AC3E}">
+        <p14:creationId xmlns:p14="http://schemas.microsoft.com/office/powerpoint/2010/main" val="1977916400"/>
+      </p:ext>
+    </p:extLst>
+  </p:cSld>
+  <p:clrMapOvr>
+    <a:masterClrMapping/>
+  </p:clrMapOvr>
+</p:sld>
+</file>
+
+<file path=ppt/slides/slide21.xml><?xml version="1.0" encoding="utf-8"?>
+<p:sld xmlns:a="http://schemas.openxmlformats.org/drawingml/2006/main" xmlns:r="http://schemas.openxmlformats.org/officeDocument/2006/relationships" xmlns:p="http://schemas.openxmlformats.org/presentationml/2006/main">
+  <p:cSld>
+    <p:spTree>
+      <p:nvGrpSpPr>
+        <p:cNvPr id="1" name=""/>
+        <p:cNvGrpSpPr/>
+        <p:nvPr/>
+      </p:nvGrpSpPr>
+      <p:grpSpPr>
+        <a:xfrm>
+          <a:off x="0" y="0"/>
+          <a:ext cx="0" cy="0"/>
+          <a:chOff x="0" y="0"/>
+          <a:chExt cx="0" cy="0"/>
+        </a:xfrm>
+      </p:grpSpPr>
       <p:sp>
         <p:nvSpPr>
           <p:cNvPr id="2" name="Date Placeholder 1">
@@ -26361,7 +26688,7 @@
           <a:p>
             <a:fld id="{6700A58B-DD98-43D0-B791-721480A02982}" type="datetime1">
               <a:rPr lang="en-US" smtClean="0"/>
-              <a:t>1/6/21</a:t>
+              <a:t>6/15/21</a:t>
             </a:fld>
             <a:endParaRPr lang="en-US"/>
           </a:p>
@@ -26453,7 +26780,7 @@
             <a:fld id="{37290FF7-652B-4475-AEAB-8B1A5D23AE09}" type="slidenum">
               <a:rPr lang="en-US" smtClean="0"/>
               <a:pPr/>
-              <a:t>20</a:t>
+              <a:t>21</a:t>
             </a:fld>
             <a:endParaRPr lang="en-US" dirty="0"/>
           </a:p>
@@ -26822,7 +27149,7 @@
 </p:sld>
 </file>
 
-<file path=ppt/slides/slide21.xml><?xml version="1.0" encoding="utf-8"?>
+<file path=ppt/slides/slide22.xml><?xml version="1.0" encoding="utf-8"?>
 <p:sld xmlns:a="http://schemas.openxmlformats.org/drawingml/2006/main" xmlns:r="http://schemas.openxmlformats.org/officeDocument/2006/relationships" xmlns:p="http://schemas.openxmlformats.org/presentationml/2006/main">
   <p:cSld>
     <p:spTree>
@@ -26863,7 +27190,7 @@
             <a:fld id="{6700A58B-DD98-43D0-B791-721480A02982}" type="datetime1">
               <a:rPr lang="en-US" smtClean="0"/>
               <a:pPr/>
-              <a:t>1/6/21</a:t>
+              <a:t>6/15/21</a:t>
             </a:fld>
             <a:endParaRPr lang="en-US"/>
           </a:p>
@@ -26951,7 +27278,7 @@
             <a:fld id="{37290FF7-652B-4475-AEAB-8B1A5D23AE09}" type="slidenum">
               <a:rPr lang="en-US" smtClean="0"/>
               <a:pPr/>
-              <a:t>21</a:t>
+              <a:t>22</a:t>
             </a:fld>
             <a:endParaRPr lang="en-US" dirty="0"/>
           </a:p>
@@ -27427,7 +27754,7 @@
 </p:sld>
 </file>
 
-<file path=ppt/slides/slide22.xml><?xml version="1.0" encoding="utf-8"?>
+<file path=ppt/slides/slide23.xml><?xml version="1.0" encoding="utf-8"?>
 <p:sld xmlns:a="http://schemas.openxmlformats.org/drawingml/2006/main" xmlns:r="http://schemas.openxmlformats.org/officeDocument/2006/relationships" xmlns:p="http://schemas.openxmlformats.org/presentationml/2006/main">
   <p:cSld>
     <p:spTree>
@@ -27468,7 +27795,7 @@
             <a:fld id="{6700A58B-DD98-43D0-B791-721480A02982}" type="datetime1">
               <a:rPr lang="en-US" smtClean="0"/>
               <a:pPr/>
-              <a:t>1/6/21</a:t>
+              <a:t>6/15/21</a:t>
             </a:fld>
             <a:endParaRPr lang="en-US"/>
           </a:p>
@@ -27556,7 +27883,7 @@
             <a:fld id="{37290FF7-652B-4475-AEAB-8B1A5D23AE09}" type="slidenum">
               <a:rPr lang="en-US" smtClean="0"/>
               <a:pPr/>
-              <a:t>22</a:t>
+              <a:t>23</a:t>
             </a:fld>
             <a:endParaRPr lang="en-US" dirty="0"/>
           </a:p>
@@ -28071,7 +28398,7 @@
 </p:sld>
 </file>
 
-<file path=ppt/slides/slide23.xml><?xml version="1.0" encoding="utf-8"?>
+<file path=ppt/slides/slide24.xml><?xml version="1.0" encoding="utf-8"?>
 <p:sld xmlns:a="http://schemas.openxmlformats.org/drawingml/2006/main" xmlns:r="http://schemas.openxmlformats.org/officeDocument/2006/relationships" xmlns:p="http://schemas.openxmlformats.org/presentationml/2006/main">
   <p:cSld>
     <p:spTree>
@@ -28112,7 +28439,7 @@
             <a:fld id="{6700A58B-DD98-43D0-B791-721480A02982}" type="datetime1">
               <a:rPr lang="en-US" smtClean="0"/>
               <a:pPr/>
-              <a:t>1/6/21</a:t>
+              <a:t>6/15/21</a:t>
             </a:fld>
             <a:endParaRPr lang="en-US"/>
           </a:p>
@@ -28200,7 +28527,7 @@
             <a:fld id="{37290FF7-652B-4475-AEAB-8B1A5D23AE09}" type="slidenum">
               <a:rPr lang="en-US" smtClean="0"/>
               <a:pPr/>
-              <a:t>23</a:t>
+              <a:t>24</a:t>
             </a:fld>
             <a:endParaRPr lang="en-US" dirty="0"/>
           </a:p>
@@ -28860,7 +29187,7 @@
 </p:sld>
 </file>
 
-<file path=ppt/slides/slide24.xml><?xml version="1.0" encoding="utf-8"?>
+<file path=ppt/slides/slide25.xml><?xml version="1.0" encoding="utf-8"?>
 <p:sld xmlns:a="http://schemas.openxmlformats.org/drawingml/2006/main" xmlns:r="http://schemas.openxmlformats.org/officeDocument/2006/relationships" xmlns:p="http://schemas.openxmlformats.org/presentationml/2006/main">
   <p:cSld>
     <p:spTree>
@@ -28901,7 +29228,7 @@
             <a:fld id="{6700A58B-DD98-43D0-B791-721480A02982}" type="datetime1">
               <a:rPr lang="en-US" smtClean="0"/>
               <a:pPr/>
-              <a:t>1/6/21</a:t>
+              <a:t>6/15/21</a:t>
             </a:fld>
             <a:endParaRPr lang="en-US"/>
           </a:p>
@@ -28989,7 +29316,7 @@
             <a:fld id="{37290FF7-652B-4475-AEAB-8B1A5D23AE09}" type="slidenum">
               <a:rPr lang="en-US" smtClean="0"/>
               <a:pPr/>
-              <a:t>24</a:t>
+              <a:t>25</a:t>
             </a:fld>
             <a:endParaRPr lang="en-US" dirty="0"/>
           </a:p>
@@ -29655,7 +29982,7 @@
 </p:sld>
 </file>
 
-<file path=ppt/slides/slide25.xml><?xml version="1.0" encoding="utf-8"?>
+<file path=ppt/slides/slide26.xml><?xml version="1.0" encoding="utf-8"?>
 <p:sld xmlns:a="http://schemas.openxmlformats.org/drawingml/2006/main" xmlns:r="http://schemas.openxmlformats.org/officeDocument/2006/relationships" xmlns:p="http://schemas.openxmlformats.org/presentationml/2006/main">
   <p:cSld>
     <p:spTree>
@@ -29695,7 +30022,7 @@
           <a:p>
             <a:fld id="{6700A58B-DD98-43D0-B791-721480A02982}" type="datetime1">
               <a:rPr lang="en-US" smtClean="0"/>
-              <a:t>1/6/21</a:t>
+              <a:t>6/15/21</a:t>
             </a:fld>
             <a:endParaRPr lang="en-US"/>
           </a:p>
@@ -29787,7 +30114,7 @@
             <a:fld id="{37290FF7-652B-4475-AEAB-8B1A5D23AE09}" type="slidenum">
               <a:rPr lang="en-US" smtClean="0"/>
               <a:pPr/>
-              <a:t>25</a:t>
+              <a:t>26</a:t>
             </a:fld>
             <a:endParaRPr lang="en-US" dirty="0"/>
           </a:p>
@@ -30406,7 +30733,7 @@
 </p:sld>
 </file>
 
-<file path=ppt/slides/slide26.xml><?xml version="1.0" encoding="utf-8"?>
+<file path=ppt/slides/slide27.xml><?xml version="1.0" encoding="utf-8"?>
 <p:sld xmlns:a="http://schemas.openxmlformats.org/drawingml/2006/main" xmlns:r="http://schemas.openxmlformats.org/officeDocument/2006/relationships" xmlns:p="http://schemas.openxmlformats.org/presentationml/2006/main">
   <p:cSld>
     <p:spTree>
@@ -30447,7 +30774,7 @@
             <a:fld id="{6700A58B-DD98-43D0-B791-721480A02982}" type="datetime1">
               <a:rPr lang="en-US" smtClean="0"/>
               <a:pPr/>
-              <a:t>1/6/21</a:t>
+              <a:t>6/15/21</a:t>
             </a:fld>
             <a:endParaRPr lang="en-US"/>
           </a:p>
@@ -30535,7 +30862,7 @@
             <a:fld id="{37290FF7-652B-4475-AEAB-8B1A5D23AE09}" type="slidenum">
               <a:rPr lang="en-US" smtClean="0"/>
               <a:pPr/>
-              <a:t>26</a:t>
+              <a:t>27</a:t>
             </a:fld>
             <a:endParaRPr lang="en-US" dirty="0"/>
           </a:p>
@@ -31384,7 +31711,7 @@
 </p:sld>
 </file>
 
-<file path=ppt/slides/slide27.xml><?xml version="1.0" encoding="utf-8"?>
+<file path=ppt/slides/slide28.xml><?xml version="1.0" encoding="utf-8"?>
 <p:sld xmlns:a="http://schemas.openxmlformats.org/drawingml/2006/main" xmlns:r="http://schemas.openxmlformats.org/officeDocument/2006/relationships" xmlns:p="http://schemas.openxmlformats.org/presentationml/2006/main">
   <p:cSld>
     <p:spTree>
@@ -31425,7 +31752,7 @@
             <a:fld id="{6700A58B-DD98-43D0-B791-721480A02982}" type="datetime1">
               <a:rPr lang="en-US" smtClean="0"/>
               <a:pPr/>
-              <a:t>1/6/21</a:t>
+              <a:t>6/15/21</a:t>
             </a:fld>
             <a:endParaRPr lang="en-US"/>
           </a:p>
@@ -31513,7 +31840,7 @@
             <a:fld id="{37290FF7-652B-4475-AEAB-8B1A5D23AE09}" type="slidenum">
               <a:rPr lang="en-US" smtClean="0"/>
               <a:pPr/>
-              <a:t>27</a:t>
+              <a:t>28</a:t>
             </a:fld>
             <a:endParaRPr lang="en-US" dirty="0"/>
           </a:p>
@@ -32051,7 +32378,7 @@
 </p:sld>
 </file>
 
-<file path=ppt/slides/slide28.xml><?xml version="1.0" encoding="utf-8"?>
+<file path=ppt/slides/slide29.xml><?xml version="1.0" encoding="utf-8"?>
 <p:sld xmlns:a="http://schemas.openxmlformats.org/drawingml/2006/main" xmlns:r="http://schemas.openxmlformats.org/officeDocument/2006/relationships" xmlns:p="http://schemas.openxmlformats.org/presentationml/2006/main">
   <p:cSld>
     <p:spTree>
@@ -32091,7 +32418,7 @@
           <a:p>
             <a:fld id="{6700A58B-DD98-43D0-B791-721480A02982}" type="datetime1">
               <a:rPr lang="en-US" smtClean="0"/>
-              <a:t>1/6/21</a:t>
+              <a:t>6/15/21</a:t>
             </a:fld>
             <a:endParaRPr lang="en-US"/>
           </a:p>
@@ -32178,7 +32505,7 @@
             <a:fld id="{37290FF7-652B-4475-AEAB-8B1A5D23AE09}" type="slidenum">
               <a:rPr lang="en-US" smtClean="0"/>
               <a:pPr/>
-              <a:t>28</a:t>
+              <a:t>29</a:t>
             </a:fld>
             <a:endParaRPr lang="en-US" dirty="0"/>
           </a:p>
@@ -32631,289 +32958,6 @@
 </p:sld>
 </file>
 
-<file path=ppt/slides/slide29.xml><?xml version="1.0" encoding="utf-8"?>
-<p:sld xmlns:a="http://schemas.openxmlformats.org/drawingml/2006/main" xmlns:r="http://schemas.openxmlformats.org/officeDocument/2006/relationships" xmlns:p="http://schemas.openxmlformats.org/presentationml/2006/main">
-  <p:cSld>
-    <p:spTree>
-      <p:nvGrpSpPr>
-        <p:cNvPr id="1" name=""/>
-        <p:cNvGrpSpPr/>
-        <p:nvPr/>
-      </p:nvGrpSpPr>
-      <p:grpSpPr>
-        <a:xfrm>
-          <a:off x="0" y="0"/>
-          <a:ext cx="0" cy="0"/>
-          <a:chOff x="0" y="0"/>
-          <a:chExt cx="0" cy="0"/>
-        </a:xfrm>
-      </p:grpSpPr>
-      <p:sp>
-        <p:nvSpPr>
-          <p:cNvPr id="2" name="Date Placeholder 1"/>
-          <p:cNvSpPr>
-            <a:spLocks noGrp="1"/>
-          </p:cNvSpPr>
-          <p:nvPr>
-            <p:ph type="dt" sz="half" idx="10"/>
-          </p:nvPr>
-        </p:nvSpPr>
-        <p:spPr/>
-        <p:txBody>
-          <a:bodyPr/>
-          <a:lstStyle/>
-          <a:p>
-            <a:fld id="{6700A58B-DD98-43D0-B791-721480A02982}" type="datetime1">
-              <a:rPr lang="en-US" smtClean="0"/>
-              <a:t>1/6/21</a:t>
-            </a:fld>
-            <a:endParaRPr lang="en-US"/>
-          </a:p>
-        </p:txBody>
-      </p:sp>
-      <p:sp>
-        <p:nvSpPr>
-          <p:cNvPr id="3" name="Title 2"/>
-          <p:cNvSpPr>
-            <a:spLocks noGrp="1"/>
-          </p:cNvSpPr>
-          <p:nvPr>
-            <p:ph type="title"/>
-          </p:nvPr>
-        </p:nvSpPr>
-        <p:spPr/>
-        <p:txBody>
-          <a:bodyPr/>
-          <a:lstStyle/>
-          <a:p>
-            <a:r>
-              <a:rPr lang="en-US" dirty="0"/>
-              <a:t>Try it out!</a:t>
-            </a:r>
-          </a:p>
-        </p:txBody>
-      </p:sp>
-      <p:sp>
-        <p:nvSpPr>
-          <p:cNvPr id="4" name="Footer Placeholder 3"/>
-          <p:cNvSpPr>
-            <a:spLocks noGrp="1"/>
-          </p:cNvSpPr>
-          <p:nvPr>
-            <p:ph type="ftr" sz="quarter" idx="3"/>
-          </p:nvPr>
-        </p:nvSpPr>
-        <p:spPr/>
-        <p:txBody>
-          <a:bodyPr/>
-          <a:lstStyle/>
-          <a:p>
-            <a:r>
-              <a:rPr lang="en-US"/>
-              <a:t>Kwartler</a:t>
-            </a:r>
-            <a:endParaRPr lang="en-US" dirty="0"/>
-          </a:p>
-        </p:txBody>
-      </p:sp>
-      <p:sp>
-        <p:nvSpPr>
-          <p:cNvPr id="5" name="Slide Number Placeholder 4"/>
-          <p:cNvSpPr>
-            <a:spLocks noGrp="1"/>
-          </p:cNvSpPr>
-          <p:nvPr>
-            <p:ph type="sldNum" sz="quarter" idx="4"/>
-          </p:nvPr>
-        </p:nvSpPr>
-        <p:spPr/>
-        <p:txBody>
-          <a:bodyPr/>
-          <a:lstStyle/>
-          <a:p>
-            <a:fld id="{37290FF7-652B-4475-AEAB-8B1A5D23AE09}" type="slidenum">
-              <a:rPr lang="en-US" smtClean="0"/>
-              <a:pPr/>
-              <a:t>29</a:t>
-            </a:fld>
-            <a:endParaRPr lang="en-US" dirty="0"/>
-          </a:p>
-        </p:txBody>
-      </p:sp>
-      <p:sp>
-        <p:nvSpPr>
-          <p:cNvPr id="6" name="TextBox 5"/>
-          <p:cNvSpPr txBox="1"/>
-          <p:nvPr/>
-        </p:nvSpPr>
-        <p:spPr>
-          <a:xfrm>
-            <a:off x="5092262" y="2554014"/>
-            <a:ext cx="3211135" cy="584775"/>
-          </a:xfrm>
-          <a:prstGeom prst="rect">
-            <a:avLst/>
-          </a:prstGeom>
-          <a:noFill/>
-        </p:spPr>
-        <p:txBody>
-          <a:bodyPr wrap="none" rtlCol="0">
-            <a:spAutoFit/>
-          </a:bodyPr>
-          <a:lstStyle/>
-          <a:p>
-            <a:r>
-              <a:rPr lang="en-US" sz="3200" dirty="0"/>
-              <a:t>Open </a:t>
-            </a:r>
-            <a:r>
-              <a:rPr lang="en-US" sz="3200" dirty="0" err="1"/>
-              <a:t>E_kmeans.R</a:t>
-            </a:r>
-            <a:endParaRPr lang="en-US" sz="3200" dirty="0"/>
-          </a:p>
-        </p:txBody>
-      </p:sp>
-      <p:pic>
-        <p:nvPicPr>
-          <p:cNvPr id="2050" name="Picture 2" descr="Image result for k means meme"/>
-          <p:cNvPicPr>
-            <a:picLocks noChangeAspect="1" noChangeArrowheads="1"/>
-          </p:cNvPicPr>
-          <p:nvPr/>
-        </p:nvPicPr>
-        <p:blipFill>
-          <a:blip r:embed="rId2">
-            <a:extLst>
-              <a:ext uri="{28A0092B-C50C-407E-A947-70E740481C1C}">
-                <a14:useLocalDpi xmlns:a14="http://schemas.microsoft.com/office/drawing/2010/main" val="0"/>
-              </a:ext>
-            </a:extLst>
-          </a:blip>
-          <a:srcRect/>
-          <a:stretch>
-            <a:fillRect/>
-          </a:stretch>
-        </p:blipFill>
-        <p:spPr bwMode="auto">
-          <a:xfrm>
-            <a:off x="754665" y="1497724"/>
-            <a:ext cx="3079544" cy="4513646"/>
-          </a:xfrm>
-          <a:prstGeom prst="rect">
-            <a:avLst/>
-          </a:prstGeom>
-          <a:noFill/>
-          <a:extLst>
-            <a:ext uri="{909E8E84-426E-40DD-AFC4-6F175D3DCCD1}">
-              <a14:hiddenFill xmlns:a14="http://schemas.microsoft.com/office/drawing/2010/main">
-                <a:solidFill>
-                  <a:srgbClr val="FFFFFF"/>
-                </a:solidFill>
-              </a14:hiddenFill>
-            </a:ext>
-          </a:extLst>
-        </p:spPr>
-      </p:pic>
-      <p:cxnSp>
-        <p:nvCxnSpPr>
-          <p:cNvPr id="8" name="Straight Connector 7">
-            <a:extLst>
-              <a:ext uri="{FF2B5EF4-FFF2-40B4-BE49-F238E27FC236}">
-                <a16:creationId xmlns:a16="http://schemas.microsoft.com/office/drawing/2014/main" id="{30F4CEC1-4A3A-8C4C-96C4-0FAF19411FA3}"/>
-              </a:ext>
-            </a:extLst>
-          </p:cNvPr>
-          <p:cNvCxnSpPr/>
-          <p:nvPr/>
-        </p:nvCxnSpPr>
-        <p:spPr>
-          <a:xfrm>
-            <a:off x="6798363" y="6549885"/>
-            <a:ext cx="0" cy="182880"/>
-          </a:xfrm>
-          <a:prstGeom prst="line">
-            <a:avLst/>
-          </a:prstGeom>
-          <a:ln>
-            <a:solidFill>
-              <a:schemeClr val="bg1">
-                <a:lumMod val="85000"/>
-              </a:schemeClr>
-            </a:solidFill>
-          </a:ln>
-        </p:spPr>
-        <p:style>
-          <a:lnRef idx="1">
-            <a:schemeClr val="accent1"/>
-          </a:lnRef>
-          <a:fillRef idx="0">
-            <a:schemeClr val="accent1"/>
-          </a:fillRef>
-          <a:effectRef idx="0">
-            <a:schemeClr val="accent1"/>
-          </a:effectRef>
-          <a:fontRef idx="minor">
-            <a:schemeClr val="tx1"/>
-          </a:fontRef>
-        </p:style>
-      </p:cxnSp>
-      <p:cxnSp>
-        <p:nvCxnSpPr>
-          <p:cNvPr id="9" name="Straight Connector 8">
-            <a:extLst>
-              <a:ext uri="{FF2B5EF4-FFF2-40B4-BE49-F238E27FC236}">
-                <a16:creationId xmlns:a16="http://schemas.microsoft.com/office/drawing/2014/main" id="{E0114740-06A7-554D-BE2E-30D26A464C07}"/>
-              </a:ext>
-            </a:extLst>
-          </p:cNvPr>
-          <p:cNvCxnSpPr/>
-          <p:nvPr/>
-        </p:nvCxnSpPr>
-        <p:spPr>
-          <a:xfrm>
-            <a:off x="7076661" y="4664763"/>
-            <a:ext cx="182880" cy="0"/>
-          </a:xfrm>
-          <a:prstGeom prst="line">
-            <a:avLst/>
-          </a:prstGeom>
-          <a:ln>
-            <a:solidFill>
-              <a:schemeClr val="bg1">
-                <a:lumMod val="85000"/>
-              </a:schemeClr>
-            </a:solidFill>
-          </a:ln>
-        </p:spPr>
-        <p:style>
-          <a:lnRef idx="1">
-            <a:schemeClr val="accent1"/>
-          </a:lnRef>
-          <a:fillRef idx="0">
-            <a:schemeClr val="accent1"/>
-          </a:fillRef>
-          <a:effectRef idx="0">
-            <a:schemeClr val="accent1"/>
-          </a:effectRef>
-          <a:fontRef idx="minor">
-            <a:schemeClr val="tx1"/>
-          </a:fontRef>
-        </p:style>
-      </p:cxnSp>
-    </p:spTree>
-    <p:extLst>
-      <p:ext uri="{BB962C8B-B14F-4D97-AF65-F5344CB8AC3E}">
-        <p14:creationId xmlns:p14="http://schemas.microsoft.com/office/powerpoint/2010/main" val="4109270922"/>
-      </p:ext>
-    </p:extLst>
-  </p:cSld>
-  <p:clrMapOvr>
-    <a:masterClrMapping/>
-  </p:clrMapOvr>
-</p:sld>
-</file>
-
 <file path=ppt/slides/slide3.xml><?xml version="1.0" encoding="utf-8"?>
 <p:sld xmlns:a="http://schemas.openxmlformats.org/drawingml/2006/main" xmlns:r="http://schemas.openxmlformats.org/officeDocument/2006/relationships" xmlns:p="http://schemas.openxmlformats.org/presentationml/2006/main">
   <p:cSld>
@@ -32954,7 +32998,7 @@
           <a:p>
             <a:fld id="{6700A58B-DD98-43D0-B791-721480A02982}" type="datetime1">
               <a:rPr lang="en-US" smtClean="0"/>
-              <a:t>1/6/21</a:t>
+              <a:t>6/15/21</a:t>
             </a:fld>
             <a:endParaRPr lang="en-US"/>
           </a:p>
@@ -33426,7 +33470,7 @@
           <a:p>
             <a:fld id="{6700A58B-DD98-43D0-B791-721480A02982}" type="datetime1">
               <a:rPr lang="en-US" smtClean="0"/>
-              <a:t>1/6/21</a:t>
+              <a:t>6/15/21</a:t>
             </a:fld>
             <a:endParaRPr lang="en-US"/>
           </a:p>
@@ -33449,7 +33493,7 @@
           <a:p>
             <a:r>
               <a:rPr lang="en-US" dirty="0"/>
-              <a:t>K-Means Problems</a:t>
+              <a:t>Try it out!</a:t>
             </a:r>
           </a:p>
         </p:txBody>
@@ -33496,6 +33540,289 @@
               <a:rPr lang="en-US" smtClean="0"/>
               <a:pPr/>
               <a:t>30</a:t>
+            </a:fld>
+            <a:endParaRPr lang="en-US" dirty="0"/>
+          </a:p>
+        </p:txBody>
+      </p:sp>
+      <p:sp>
+        <p:nvSpPr>
+          <p:cNvPr id="6" name="TextBox 5"/>
+          <p:cNvSpPr txBox="1"/>
+          <p:nvPr/>
+        </p:nvSpPr>
+        <p:spPr>
+          <a:xfrm>
+            <a:off x="5092262" y="2554014"/>
+            <a:ext cx="3211135" cy="584775"/>
+          </a:xfrm>
+          <a:prstGeom prst="rect">
+            <a:avLst/>
+          </a:prstGeom>
+          <a:noFill/>
+        </p:spPr>
+        <p:txBody>
+          <a:bodyPr wrap="none" rtlCol="0">
+            <a:spAutoFit/>
+          </a:bodyPr>
+          <a:lstStyle/>
+          <a:p>
+            <a:r>
+              <a:rPr lang="en-US" sz="3200" dirty="0"/>
+              <a:t>Open </a:t>
+            </a:r>
+            <a:r>
+              <a:rPr lang="en-US" sz="3200" dirty="0" err="1"/>
+              <a:t>E_kmeans.R</a:t>
+            </a:r>
+            <a:endParaRPr lang="en-US" sz="3200" dirty="0"/>
+          </a:p>
+        </p:txBody>
+      </p:sp>
+      <p:pic>
+        <p:nvPicPr>
+          <p:cNvPr id="2050" name="Picture 2" descr="Image result for k means meme"/>
+          <p:cNvPicPr>
+            <a:picLocks noChangeAspect="1" noChangeArrowheads="1"/>
+          </p:cNvPicPr>
+          <p:nvPr/>
+        </p:nvPicPr>
+        <p:blipFill>
+          <a:blip r:embed="rId2">
+            <a:extLst>
+              <a:ext uri="{28A0092B-C50C-407E-A947-70E740481C1C}">
+                <a14:useLocalDpi xmlns:a14="http://schemas.microsoft.com/office/drawing/2010/main" val="0"/>
+              </a:ext>
+            </a:extLst>
+          </a:blip>
+          <a:srcRect/>
+          <a:stretch>
+            <a:fillRect/>
+          </a:stretch>
+        </p:blipFill>
+        <p:spPr bwMode="auto">
+          <a:xfrm>
+            <a:off x="754665" y="1497724"/>
+            <a:ext cx="3079544" cy="4513646"/>
+          </a:xfrm>
+          <a:prstGeom prst="rect">
+            <a:avLst/>
+          </a:prstGeom>
+          <a:noFill/>
+          <a:extLst>
+            <a:ext uri="{909E8E84-426E-40DD-AFC4-6F175D3DCCD1}">
+              <a14:hiddenFill xmlns:a14="http://schemas.microsoft.com/office/drawing/2010/main">
+                <a:solidFill>
+                  <a:srgbClr val="FFFFFF"/>
+                </a:solidFill>
+              </a14:hiddenFill>
+            </a:ext>
+          </a:extLst>
+        </p:spPr>
+      </p:pic>
+      <p:cxnSp>
+        <p:nvCxnSpPr>
+          <p:cNvPr id="8" name="Straight Connector 7">
+            <a:extLst>
+              <a:ext uri="{FF2B5EF4-FFF2-40B4-BE49-F238E27FC236}">
+                <a16:creationId xmlns:a16="http://schemas.microsoft.com/office/drawing/2014/main" id="{30F4CEC1-4A3A-8C4C-96C4-0FAF19411FA3}"/>
+              </a:ext>
+            </a:extLst>
+          </p:cNvPr>
+          <p:cNvCxnSpPr/>
+          <p:nvPr/>
+        </p:nvCxnSpPr>
+        <p:spPr>
+          <a:xfrm>
+            <a:off x="6798363" y="6549885"/>
+            <a:ext cx="0" cy="182880"/>
+          </a:xfrm>
+          <a:prstGeom prst="line">
+            <a:avLst/>
+          </a:prstGeom>
+          <a:ln>
+            <a:solidFill>
+              <a:schemeClr val="bg1">
+                <a:lumMod val="85000"/>
+              </a:schemeClr>
+            </a:solidFill>
+          </a:ln>
+        </p:spPr>
+        <p:style>
+          <a:lnRef idx="1">
+            <a:schemeClr val="accent1"/>
+          </a:lnRef>
+          <a:fillRef idx="0">
+            <a:schemeClr val="accent1"/>
+          </a:fillRef>
+          <a:effectRef idx="0">
+            <a:schemeClr val="accent1"/>
+          </a:effectRef>
+          <a:fontRef idx="minor">
+            <a:schemeClr val="tx1"/>
+          </a:fontRef>
+        </p:style>
+      </p:cxnSp>
+      <p:cxnSp>
+        <p:nvCxnSpPr>
+          <p:cNvPr id="9" name="Straight Connector 8">
+            <a:extLst>
+              <a:ext uri="{FF2B5EF4-FFF2-40B4-BE49-F238E27FC236}">
+                <a16:creationId xmlns:a16="http://schemas.microsoft.com/office/drawing/2014/main" id="{E0114740-06A7-554D-BE2E-30D26A464C07}"/>
+              </a:ext>
+            </a:extLst>
+          </p:cNvPr>
+          <p:cNvCxnSpPr/>
+          <p:nvPr/>
+        </p:nvCxnSpPr>
+        <p:spPr>
+          <a:xfrm>
+            <a:off x="7076661" y="4664763"/>
+            <a:ext cx="182880" cy="0"/>
+          </a:xfrm>
+          <a:prstGeom prst="line">
+            <a:avLst/>
+          </a:prstGeom>
+          <a:ln>
+            <a:solidFill>
+              <a:schemeClr val="bg1">
+                <a:lumMod val="85000"/>
+              </a:schemeClr>
+            </a:solidFill>
+          </a:ln>
+        </p:spPr>
+        <p:style>
+          <a:lnRef idx="1">
+            <a:schemeClr val="accent1"/>
+          </a:lnRef>
+          <a:fillRef idx="0">
+            <a:schemeClr val="accent1"/>
+          </a:fillRef>
+          <a:effectRef idx="0">
+            <a:schemeClr val="accent1"/>
+          </a:effectRef>
+          <a:fontRef idx="minor">
+            <a:schemeClr val="tx1"/>
+          </a:fontRef>
+        </p:style>
+      </p:cxnSp>
+    </p:spTree>
+    <p:extLst>
+      <p:ext uri="{BB962C8B-B14F-4D97-AF65-F5344CB8AC3E}">
+        <p14:creationId xmlns:p14="http://schemas.microsoft.com/office/powerpoint/2010/main" val="4109270922"/>
+      </p:ext>
+    </p:extLst>
+  </p:cSld>
+  <p:clrMapOvr>
+    <a:masterClrMapping/>
+  </p:clrMapOvr>
+</p:sld>
+</file>
+
+<file path=ppt/slides/slide31.xml><?xml version="1.0" encoding="utf-8"?>
+<p:sld xmlns:a="http://schemas.openxmlformats.org/drawingml/2006/main" xmlns:r="http://schemas.openxmlformats.org/officeDocument/2006/relationships" xmlns:p="http://schemas.openxmlformats.org/presentationml/2006/main">
+  <p:cSld>
+    <p:spTree>
+      <p:nvGrpSpPr>
+        <p:cNvPr id="1" name=""/>
+        <p:cNvGrpSpPr/>
+        <p:nvPr/>
+      </p:nvGrpSpPr>
+      <p:grpSpPr>
+        <a:xfrm>
+          <a:off x="0" y="0"/>
+          <a:ext cx="0" cy="0"/>
+          <a:chOff x="0" y="0"/>
+          <a:chExt cx="0" cy="0"/>
+        </a:xfrm>
+      </p:grpSpPr>
+      <p:sp>
+        <p:nvSpPr>
+          <p:cNvPr id="2" name="Date Placeholder 1"/>
+          <p:cNvSpPr>
+            <a:spLocks noGrp="1"/>
+          </p:cNvSpPr>
+          <p:nvPr>
+            <p:ph type="dt" sz="half" idx="10"/>
+          </p:nvPr>
+        </p:nvSpPr>
+        <p:spPr/>
+        <p:txBody>
+          <a:bodyPr/>
+          <a:lstStyle/>
+          <a:p>
+            <a:fld id="{6700A58B-DD98-43D0-B791-721480A02982}" type="datetime1">
+              <a:rPr lang="en-US" smtClean="0"/>
+              <a:t>6/16/21</a:t>
+            </a:fld>
+            <a:endParaRPr lang="en-US"/>
+          </a:p>
+        </p:txBody>
+      </p:sp>
+      <p:sp>
+        <p:nvSpPr>
+          <p:cNvPr id="3" name="Title 2"/>
+          <p:cNvSpPr>
+            <a:spLocks noGrp="1"/>
+          </p:cNvSpPr>
+          <p:nvPr>
+            <p:ph type="title"/>
+          </p:nvPr>
+        </p:nvSpPr>
+        <p:spPr/>
+        <p:txBody>
+          <a:bodyPr/>
+          <a:lstStyle/>
+          <a:p>
+            <a:r>
+              <a:rPr lang="en-US" dirty="0"/>
+              <a:t>K-Means Problems</a:t>
+            </a:r>
+          </a:p>
+        </p:txBody>
+      </p:sp>
+      <p:sp>
+        <p:nvSpPr>
+          <p:cNvPr id="4" name="Footer Placeholder 3"/>
+          <p:cNvSpPr>
+            <a:spLocks noGrp="1"/>
+          </p:cNvSpPr>
+          <p:nvPr>
+            <p:ph type="ftr" sz="quarter" idx="3"/>
+          </p:nvPr>
+        </p:nvSpPr>
+        <p:spPr/>
+        <p:txBody>
+          <a:bodyPr/>
+          <a:lstStyle/>
+          <a:p>
+            <a:r>
+              <a:rPr lang="en-US"/>
+              <a:t>Kwartler</a:t>
+            </a:r>
+            <a:endParaRPr lang="en-US" dirty="0"/>
+          </a:p>
+        </p:txBody>
+      </p:sp>
+      <p:sp>
+        <p:nvSpPr>
+          <p:cNvPr id="5" name="Slide Number Placeholder 4"/>
+          <p:cNvSpPr>
+            <a:spLocks noGrp="1"/>
+          </p:cNvSpPr>
+          <p:nvPr>
+            <p:ph type="sldNum" sz="quarter" idx="4"/>
+          </p:nvPr>
+        </p:nvSpPr>
+        <p:spPr/>
+        <p:txBody>
+          <a:bodyPr/>
+          <a:lstStyle/>
+          <a:p>
+            <a:fld id="{37290FF7-652B-4475-AEAB-8B1A5D23AE09}" type="slidenum">
+              <a:rPr lang="en-US" smtClean="0"/>
+              <a:pPr/>
+              <a:t>31</a:t>
             </a:fld>
             <a:endParaRPr lang="en-US" dirty="0"/>
           </a:p>
@@ -33729,7 +34056,7 @@
 </p:sld>
 </file>
 
-<file path=ppt/slides/slide31.xml><?xml version="1.0" encoding="utf-8"?>
+<file path=ppt/slides/slide32.xml><?xml version="1.0" encoding="utf-8"?>
 <p:sld xmlns:a="http://schemas.openxmlformats.org/drawingml/2006/main" xmlns:r="http://schemas.openxmlformats.org/officeDocument/2006/relationships" xmlns:p="http://schemas.openxmlformats.org/presentationml/2006/main">
   <p:cSld>
     <p:spTree>
@@ -33769,7 +34096,7 @@
           <a:p>
             <a:fld id="{6700A58B-DD98-43D0-B791-721480A02982}" type="datetime1">
               <a:rPr lang="en-US" smtClean="0"/>
-              <a:t>1/6/21</a:t>
+              <a:t>6/16/21</a:t>
             </a:fld>
             <a:endParaRPr lang="en-US"/>
           </a:p>
@@ -33864,7 +34191,7 @@
             <a:fld id="{37290FF7-652B-4475-AEAB-8B1A5D23AE09}" type="slidenum">
               <a:rPr lang="en-US" smtClean="0"/>
               <a:pPr/>
-              <a:t>31</a:t>
+              <a:t>32</a:t>
             </a:fld>
             <a:endParaRPr lang="en-US" dirty="0"/>
           </a:p>
@@ -34123,7 +34450,7 @@
 </p:sld>
 </file>
 
-<file path=ppt/slides/slide32.xml><?xml version="1.0" encoding="utf-8"?>
+<file path=ppt/slides/slide33.xml><?xml version="1.0" encoding="utf-8"?>
 <p:sld xmlns:a="http://schemas.openxmlformats.org/drawingml/2006/main" xmlns:r="http://schemas.openxmlformats.org/officeDocument/2006/relationships" xmlns:p="http://schemas.openxmlformats.org/presentationml/2006/main">
   <p:cSld>
     <p:spTree>
@@ -34163,7 +34490,7 @@
           <a:p>
             <a:fld id="{6700A58B-DD98-43D0-B791-721480A02982}" type="datetime1">
               <a:rPr lang="en-US" smtClean="0"/>
-              <a:t>1/6/21</a:t>
+              <a:t>6/16/21</a:t>
             </a:fld>
             <a:endParaRPr lang="en-US"/>
           </a:p>
@@ -34250,7 +34577,7 @@
             <a:fld id="{37290FF7-652B-4475-AEAB-8B1A5D23AE09}" type="slidenum">
               <a:rPr lang="en-US" smtClean="0"/>
               <a:pPr/>
-              <a:t>32</a:t>
+              <a:t>33</a:t>
             </a:fld>
             <a:endParaRPr lang="en-US" dirty="0"/>
           </a:p>
@@ -34577,7 +34904,7 @@
 </p:sld>
 </file>
 
-<file path=ppt/slides/slide33.xml><?xml version="1.0" encoding="utf-8"?>
+<file path=ppt/slides/slide34.xml><?xml version="1.0" encoding="utf-8"?>
 <p:sld xmlns:a="http://schemas.openxmlformats.org/drawingml/2006/main" xmlns:r="http://schemas.openxmlformats.org/officeDocument/2006/relationships" xmlns:p="http://schemas.openxmlformats.org/presentationml/2006/main">
   <p:cSld>
     <p:spTree>
@@ -34611,7 +34938,7 @@
           <a:p>
             <a:fld id="{6700A58B-DD98-43D0-B791-721480A02982}" type="datetime1">
               <a:rPr lang="en-US" smtClean="0"/>
-              <a:t>1/6/21</a:t>
+              <a:t>6/16/21</a:t>
             </a:fld>
             <a:endParaRPr lang="en-US"/>
           </a:p>
@@ -34680,7 +35007,7 @@
             <a:fld id="{37290FF7-652B-4475-AEAB-8B1A5D23AE09}" type="slidenum">
               <a:rPr lang="en-US" smtClean="0"/>
               <a:pPr/>
-              <a:t>33</a:t>
+              <a:t>34</a:t>
             </a:fld>
             <a:endParaRPr lang="en-US" dirty="0"/>
           </a:p>
@@ -35642,7 +35969,7 @@
 </p:sld>
 </file>
 
-<file path=ppt/slides/slide34.xml><?xml version="1.0" encoding="utf-8"?>
+<file path=ppt/slides/slide35.xml><?xml version="1.0" encoding="utf-8"?>
 <p:sld xmlns:a="http://schemas.openxmlformats.org/drawingml/2006/main" xmlns:r="http://schemas.openxmlformats.org/officeDocument/2006/relationships" xmlns:p="http://schemas.openxmlformats.org/presentationml/2006/main">
   <p:cSld>
     <p:spTree>
@@ -35676,7 +36003,7 @@
           <a:p>
             <a:fld id="{6700A58B-DD98-43D0-B791-721480A02982}" type="datetime1">
               <a:rPr lang="en-US" smtClean="0"/>
-              <a:t>1/6/21</a:t>
+              <a:t>6/16/21</a:t>
             </a:fld>
             <a:endParaRPr lang="en-US"/>
           </a:p>
@@ -35745,7 +36072,7 @@
             <a:fld id="{37290FF7-652B-4475-AEAB-8B1A5D23AE09}" type="slidenum">
               <a:rPr lang="en-US" smtClean="0"/>
               <a:pPr/>
-              <a:t>34</a:t>
+              <a:t>35</a:t>
             </a:fld>
             <a:endParaRPr lang="en-US" dirty="0"/>
           </a:p>
@@ -36584,7 +36911,7 @@
 </p:sld>
 </file>
 
-<file path=ppt/slides/slide35.xml><?xml version="1.0" encoding="utf-8"?>
+<file path=ppt/slides/slide36.xml><?xml version="1.0" encoding="utf-8"?>
 <p:sld xmlns:a="http://schemas.openxmlformats.org/drawingml/2006/main" xmlns:r="http://schemas.openxmlformats.org/officeDocument/2006/relationships" xmlns:p="http://schemas.openxmlformats.org/presentationml/2006/main">
   <p:cSld>
     <p:spTree>
@@ -36618,7 +36945,7 @@
           <a:p>
             <a:fld id="{6700A58B-DD98-43D0-B791-721480A02982}" type="datetime1">
               <a:rPr lang="en-US" smtClean="0"/>
-              <a:t>1/6/21</a:t>
+              <a:t>6/16/21</a:t>
             </a:fld>
             <a:endParaRPr lang="en-US"/>
           </a:p>
@@ -36687,7 +37014,7 @@
             <a:fld id="{37290FF7-652B-4475-AEAB-8B1A5D23AE09}" type="slidenum">
               <a:rPr lang="en-US" smtClean="0"/>
               <a:pPr/>
-              <a:t>35</a:t>
+              <a:t>36</a:t>
             </a:fld>
             <a:endParaRPr lang="en-US" dirty="0"/>
           </a:p>
@@ -37428,7 +37755,7 @@
 </p:sld>
 </file>
 
-<file path=ppt/slides/slide36.xml><?xml version="1.0" encoding="utf-8"?>
+<file path=ppt/slides/slide37.xml><?xml version="1.0" encoding="utf-8"?>
 <p:sld xmlns:a="http://schemas.openxmlformats.org/drawingml/2006/main" xmlns:r="http://schemas.openxmlformats.org/officeDocument/2006/relationships" xmlns:p="http://schemas.openxmlformats.org/presentationml/2006/main">
   <p:cSld>
     <p:spTree>
@@ -37462,7 +37789,7 @@
           <a:p>
             <a:fld id="{6700A58B-DD98-43D0-B791-721480A02982}" type="datetime1">
               <a:rPr lang="en-US" smtClean="0"/>
-              <a:t>1/6/21</a:t>
+              <a:t>6/16/21</a:t>
             </a:fld>
             <a:endParaRPr lang="en-US"/>
           </a:p>
@@ -37531,7 +37858,7 @@
             <a:fld id="{37290FF7-652B-4475-AEAB-8B1A5D23AE09}" type="slidenum">
               <a:rPr lang="en-US" smtClean="0"/>
               <a:pPr/>
-              <a:t>36</a:t>
+              <a:t>37</a:t>
             </a:fld>
             <a:endParaRPr lang="en-US" dirty="0"/>
           </a:p>
@@ -38151,7 +38478,7 @@
 </p:sld>
 </file>
 
-<file path=ppt/slides/slide37.xml><?xml version="1.0" encoding="utf-8"?>
+<file path=ppt/slides/slide38.xml><?xml version="1.0" encoding="utf-8"?>
 <p:sld xmlns:a="http://schemas.openxmlformats.org/drawingml/2006/main" xmlns:r="http://schemas.openxmlformats.org/officeDocument/2006/relationships" xmlns:p="http://schemas.openxmlformats.org/presentationml/2006/main">
   <p:cSld>
     <p:spTree>
@@ -38185,7 +38512,7 @@
           <a:p>
             <a:fld id="{6700A58B-DD98-43D0-B791-721480A02982}" type="datetime1">
               <a:rPr lang="en-US" smtClean="0"/>
-              <a:t>1/6/21</a:t>
+              <a:t>6/16/21</a:t>
             </a:fld>
             <a:endParaRPr lang="en-US"/>
           </a:p>
@@ -38254,7 +38581,7 @@
             <a:fld id="{37290FF7-652B-4475-AEAB-8B1A5D23AE09}" type="slidenum">
               <a:rPr lang="en-US" smtClean="0"/>
               <a:pPr/>
-              <a:t>37</a:t>
+              <a:t>38</a:t>
             </a:fld>
             <a:endParaRPr lang="en-US" dirty="0"/>
           </a:p>
@@ -39029,7 +39356,7 @@
 </p:sld>
 </file>
 
-<file path=ppt/slides/slide38.xml><?xml version="1.0" encoding="utf-8"?>
+<file path=ppt/slides/slide39.xml><?xml version="1.0" encoding="utf-8"?>
 <p:sld xmlns:a="http://schemas.openxmlformats.org/drawingml/2006/main" xmlns:r="http://schemas.openxmlformats.org/officeDocument/2006/relationships" xmlns:p="http://schemas.openxmlformats.org/presentationml/2006/main">
   <p:cSld>
     <p:spTree>
@@ -39063,7 +39390,7 @@
           <a:p>
             <a:fld id="{6700A58B-DD98-43D0-B791-721480A02982}" type="datetime1">
               <a:rPr lang="en-US" smtClean="0"/>
-              <a:t>1/6/21</a:t>
+              <a:t>6/16/21</a:t>
             </a:fld>
             <a:endParaRPr lang="en-US"/>
           </a:p>
@@ -39132,7 +39459,7 @@
             <a:fld id="{37290FF7-652B-4475-AEAB-8B1A5D23AE09}" type="slidenum">
               <a:rPr lang="en-US" smtClean="0"/>
               <a:pPr/>
-              <a:t>38</a:t>
+              <a:t>39</a:t>
             </a:fld>
             <a:endParaRPr lang="en-US" dirty="0"/>
           </a:p>
@@ -39569,7 +39896,485 @@
 </p:sld>
 </file>
 
-<file path=ppt/slides/slide39.xml><?xml version="1.0" encoding="utf-8"?>
+<file path=ppt/slides/slide4.xml><?xml version="1.0" encoding="utf-8"?>
+<p:sld xmlns:a="http://schemas.openxmlformats.org/drawingml/2006/main" xmlns:r="http://schemas.openxmlformats.org/officeDocument/2006/relationships" xmlns:p="http://schemas.openxmlformats.org/presentationml/2006/main">
+  <p:cSld>
+    <p:spTree>
+      <p:nvGrpSpPr>
+        <p:cNvPr id="1" name=""/>
+        <p:cNvGrpSpPr/>
+        <p:nvPr/>
+      </p:nvGrpSpPr>
+      <p:grpSpPr>
+        <a:xfrm>
+          <a:off x="0" y="0"/>
+          <a:ext cx="0" cy="0"/>
+          <a:chOff x="0" y="0"/>
+          <a:chExt cx="0" cy="0"/>
+        </a:xfrm>
+      </p:grpSpPr>
+      <p:sp>
+        <p:nvSpPr>
+          <p:cNvPr id="2" name="Date Placeholder 1">
+            <a:extLst>
+              <a:ext uri="{FF2B5EF4-FFF2-40B4-BE49-F238E27FC236}">
+                <a16:creationId xmlns:a16="http://schemas.microsoft.com/office/drawing/2014/main" id="{F0C49392-A6AB-454B-A8CE-1A222F99465B}"/>
+              </a:ext>
+            </a:extLst>
+          </p:cNvPr>
+          <p:cNvSpPr>
+            <a:spLocks noGrp="1"/>
+          </p:cNvSpPr>
+          <p:nvPr>
+            <p:ph type="dt" sz="half" idx="10"/>
+          </p:nvPr>
+        </p:nvSpPr>
+        <p:spPr/>
+        <p:txBody>
+          <a:bodyPr/>
+          <a:lstStyle/>
+          <a:p>
+            <a:fld id="{6700A58B-DD98-43D0-B791-721480A02982}" type="datetime1">
+              <a:rPr lang="en-US" smtClean="0"/>
+              <a:t>6/15/21</a:t>
+            </a:fld>
+            <a:endParaRPr lang="en-US"/>
+          </a:p>
+        </p:txBody>
+      </p:sp>
+      <p:sp>
+        <p:nvSpPr>
+          <p:cNvPr id="3" name="Title 2">
+            <a:extLst>
+              <a:ext uri="{FF2B5EF4-FFF2-40B4-BE49-F238E27FC236}">
+                <a16:creationId xmlns:a16="http://schemas.microsoft.com/office/drawing/2014/main" id="{84D6A954-5268-46B6-A543-95112466DB47}"/>
+              </a:ext>
+            </a:extLst>
+          </p:cNvPr>
+          <p:cNvSpPr>
+            <a:spLocks noGrp="1"/>
+          </p:cNvSpPr>
+          <p:nvPr>
+            <p:ph type="title"/>
+          </p:nvPr>
+        </p:nvSpPr>
+        <p:spPr/>
+        <p:txBody>
+          <a:bodyPr/>
+          <a:lstStyle/>
+          <a:p>
+            <a:r>
+              <a:rPr lang="en-US" dirty="0"/>
+              <a:t>Your turn…</a:t>
+            </a:r>
+          </a:p>
+        </p:txBody>
+      </p:sp>
+      <p:sp>
+        <p:nvSpPr>
+          <p:cNvPr id="4" name="Footer Placeholder 3">
+            <a:extLst>
+              <a:ext uri="{FF2B5EF4-FFF2-40B4-BE49-F238E27FC236}">
+                <a16:creationId xmlns:a16="http://schemas.microsoft.com/office/drawing/2014/main" id="{4BC7F7B4-D656-41A4-A871-BFDE44C52003}"/>
+              </a:ext>
+            </a:extLst>
+          </p:cNvPr>
+          <p:cNvSpPr>
+            <a:spLocks noGrp="1"/>
+          </p:cNvSpPr>
+          <p:nvPr>
+            <p:ph type="ftr" sz="quarter" idx="3"/>
+          </p:nvPr>
+        </p:nvSpPr>
+        <p:spPr/>
+        <p:txBody>
+          <a:bodyPr/>
+          <a:lstStyle/>
+          <a:p>
+            <a:r>
+              <a:rPr lang="en-US"/>
+              <a:t>Kwartler</a:t>
+            </a:r>
+            <a:endParaRPr lang="en-US" dirty="0"/>
+          </a:p>
+        </p:txBody>
+      </p:sp>
+      <p:sp>
+        <p:nvSpPr>
+          <p:cNvPr id="5" name="Slide Number Placeholder 4">
+            <a:extLst>
+              <a:ext uri="{FF2B5EF4-FFF2-40B4-BE49-F238E27FC236}">
+                <a16:creationId xmlns:a16="http://schemas.microsoft.com/office/drawing/2014/main" id="{A6021B5F-8FDA-4E62-A89E-D815A486DD8E}"/>
+              </a:ext>
+            </a:extLst>
+          </p:cNvPr>
+          <p:cNvSpPr>
+            <a:spLocks noGrp="1"/>
+          </p:cNvSpPr>
+          <p:nvPr>
+            <p:ph type="sldNum" sz="quarter" idx="4"/>
+          </p:nvPr>
+        </p:nvSpPr>
+        <p:spPr/>
+        <p:txBody>
+          <a:bodyPr/>
+          <a:lstStyle/>
+          <a:p>
+            <a:fld id="{37290FF7-652B-4475-AEAB-8B1A5D23AE09}" type="slidenum">
+              <a:rPr lang="en-US" smtClean="0"/>
+              <a:pPr/>
+              <a:t>4</a:t>
+            </a:fld>
+            <a:endParaRPr lang="en-US" dirty="0"/>
+          </a:p>
+        </p:txBody>
+      </p:sp>
+      <p:sp>
+        <p:nvSpPr>
+          <p:cNvPr id="6" name="Rectangle 5">
+            <a:extLst>
+              <a:ext uri="{FF2B5EF4-FFF2-40B4-BE49-F238E27FC236}">
+                <a16:creationId xmlns:a16="http://schemas.microsoft.com/office/drawing/2014/main" id="{0551F8BD-DC5B-4CDE-B3CC-716D55A4B32F}"/>
+              </a:ext>
+            </a:extLst>
+          </p:cNvPr>
+          <p:cNvSpPr/>
+          <p:nvPr/>
+        </p:nvSpPr>
+        <p:spPr>
+          <a:xfrm>
+            <a:off x="4580102" y="1319213"/>
+            <a:ext cx="4392447" cy="557213"/>
+          </a:xfrm>
+          <a:prstGeom prst="rect">
+            <a:avLst/>
+          </a:prstGeom>
+          <a:solidFill>
+            <a:schemeClr val="accent3"/>
+          </a:solidFill>
+          <a:ln>
+            <a:noFill/>
+          </a:ln>
+        </p:spPr>
+        <p:style>
+          <a:lnRef idx="2">
+            <a:schemeClr val="accent1">
+              <a:shade val="50000"/>
+            </a:schemeClr>
+          </a:lnRef>
+          <a:fillRef idx="1">
+            <a:schemeClr val="accent1"/>
+          </a:fillRef>
+          <a:effectRef idx="0">
+            <a:schemeClr val="accent1"/>
+          </a:effectRef>
+          <a:fontRef idx="minor">
+            <a:schemeClr val="lt1"/>
+          </a:fontRef>
+        </p:style>
+        <p:txBody>
+          <a:bodyPr rtlCol="0" anchor="ctr"/>
+          <a:lstStyle/>
+          <a:p>
+            <a:pPr algn="ctr"/>
+            <a:r>
+              <a:rPr lang="en-US" dirty="0"/>
+              <a:t>Scenario</a:t>
+            </a:r>
+          </a:p>
+        </p:txBody>
+      </p:sp>
+      <p:sp>
+        <p:nvSpPr>
+          <p:cNvPr id="7" name="Rectangle 6">
+            <a:extLst>
+              <a:ext uri="{FF2B5EF4-FFF2-40B4-BE49-F238E27FC236}">
+                <a16:creationId xmlns:a16="http://schemas.microsoft.com/office/drawing/2014/main" id="{30C04625-BB82-4F8B-88E1-7D53E1BE9899}"/>
+              </a:ext>
+            </a:extLst>
+          </p:cNvPr>
+          <p:cNvSpPr/>
+          <p:nvPr/>
+        </p:nvSpPr>
+        <p:spPr>
+          <a:xfrm>
+            <a:off x="114304" y="1319213"/>
+            <a:ext cx="4114800" cy="557213"/>
+          </a:xfrm>
+          <a:prstGeom prst="rect">
+            <a:avLst/>
+          </a:prstGeom>
+          <a:solidFill>
+            <a:schemeClr val="accent3"/>
+          </a:solidFill>
+          <a:ln>
+            <a:noFill/>
+          </a:ln>
+        </p:spPr>
+        <p:style>
+          <a:lnRef idx="2">
+            <a:schemeClr val="accent1">
+              <a:shade val="50000"/>
+            </a:schemeClr>
+          </a:lnRef>
+          <a:fillRef idx="1">
+            <a:schemeClr val="accent1"/>
+          </a:fillRef>
+          <a:effectRef idx="0">
+            <a:schemeClr val="accent1"/>
+          </a:effectRef>
+          <a:fontRef idx="minor">
+            <a:schemeClr val="lt1"/>
+          </a:fontRef>
+        </p:style>
+        <p:txBody>
+          <a:bodyPr rtlCol="0" anchor="ctr"/>
+          <a:lstStyle/>
+          <a:p>
+            <a:pPr algn="ctr"/>
+            <a:r>
+              <a:rPr lang="en-US" dirty="0"/>
+              <a:t>Methods</a:t>
+            </a:r>
+          </a:p>
+        </p:txBody>
+      </p:sp>
+      <p:sp>
+        <p:nvSpPr>
+          <p:cNvPr id="8" name="TextBox 7">
+            <a:extLst>
+              <a:ext uri="{FF2B5EF4-FFF2-40B4-BE49-F238E27FC236}">
+                <a16:creationId xmlns:a16="http://schemas.microsoft.com/office/drawing/2014/main" id="{F93AAA8F-CCD8-47AF-ACD5-9B3FE1A08D75}"/>
+              </a:ext>
+            </a:extLst>
+          </p:cNvPr>
+          <p:cNvSpPr txBox="1"/>
+          <p:nvPr/>
+        </p:nvSpPr>
+        <p:spPr>
+          <a:xfrm>
+            <a:off x="336422" y="2115018"/>
+            <a:ext cx="3037498" cy="1200329"/>
+          </a:xfrm>
+          <a:prstGeom prst="rect">
+            <a:avLst/>
+          </a:prstGeom>
+          <a:noFill/>
+        </p:spPr>
+        <p:txBody>
+          <a:bodyPr wrap="none" rtlCol="0">
+            <a:spAutoFit/>
+          </a:bodyPr>
+          <a:lstStyle/>
+          <a:p>
+            <a:pPr marL="285750" indent="-285750">
+              <a:buFont typeface="Arial" panose="020B0604020202020204" pitchFamily="34" charset="0"/>
+              <a:buChar char="•"/>
+            </a:pPr>
+            <a:r>
+              <a:rPr lang="en-US" sz="3600" dirty="0"/>
+              <a:t>Supervised </a:t>
+            </a:r>
+            <a:r>
+              <a:rPr lang="en-US" sz="3600" i="1" dirty="0"/>
+              <a:t>or</a:t>
+            </a:r>
+            <a:endParaRPr lang="en-US" sz="3600" dirty="0"/>
+          </a:p>
+          <a:p>
+            <a:pPr marL="285750" indent="-285750">
+              <a:buFont typeface="Arial" panose="020B0604020202020204" pitchFamily="34" charset="0"/>
+              <a:buChar char="•"/>
+            </a:pPr>
+            <a:r>
+              <a:rPr lang="en-US" sz="3600" dirty="0"/>
+              <a:t>Unsupervised</a:t>
+            </a:r>
+          </a:p>
+        </p:txBody>
+      </p:sp>
+      <p:sp>
+        <p:nvSpPr>
+          <p:cNvPr id="11" name="TextBox 10">
+            <a:extLst>
+              <a:ext uri="{FF2B5EF4-FFF2-40B4-BE49-F238E27FC236}">
+                <a16:creationId xmlns:a16="http://schemas.microsoft.com/office/drawing/2014/main" id="{185ACFEF-A83E-43D9-AD64-E503AF112C5B}"/>
+              </a:ext>
+            </a:extLst>
+          </p:cNvPr>
+          <p:cNvSpPr txBox="1"/>
+          <p:nvPr/>
+        </p:nvSpPr>
+        <p:spPr>
+          <a:xfrm>
+            <a:off x="4522319" y="2036939"/>
+            <a:ext cx="4544705" cy="646331"/>
+          </a:xfrm>
+          <a:prstGeom prst="rect">
+            <a:avLst/>
+          </a:prstGeom>
+          <a:noFill/>
+        </p:spPr>
+        <p:txBody>
+          <a:bodyPr wrap="square" rtlCol="0">
+            <a:spAutoFit/>
+          </a:bodyPr>
+          <a:lstStyle/>
+          <a:p>
+            <a:r>
+              <a:rPr lang="en-US" dirty="0"/>
+              <a:t>What is a typical profile of our customers and online shoppers?</a:t>
+            </a:r>
+          </a:p>
+        </p:txBody>
+      </p:sp>
+      <p:cxnSp>
+        <p:nvCxnSpPr>
+          <p:cNvPr id="13" name="Straight Connector 12">
+            <a:extLst>
+              <a:ext uri="{FF2B5EF4-FFF2-40B4-BE49-F238E27FC236}">
+                <a16:creationId xmlns:a16="http://schemas.microsoft.com/office/drawing/2014/main" id="{9353DE4B-49D2-3840-B9AC-ED19AE57148B}"/>
+              </a:ext>
+            </a:extLst>
+          </p:cNvPr>
+          <p:cNvCxnSpPr/>
+          <p:nvPr/>
+        </p:nvCxnSpPr>
+        <p:spPr>
+          <a:xfrm>
+            <a:off x="6798363" y="6549885"/>
+            <a:ext cx="0" cy="182880"/>
+          </a:xfrm>
+          <a:prstGeom prst="line">
+            <a:avLst/>
+          </a:prstGeom>
+          <a:ln>
+            <a:solidFill>
+              <a:schemeClr val="bg1">
+                <a:lumMod val="85000"/>
+              </a:schemeClr>
+            </a:solidFill>
+          </a:ln>
+        </p:spPr>
+        <p:style>
+          <a:lnRef idx="1">
+            <a:schemeClr val="accent1"/>
+          </a:lnRef>
+          <a:fillRef idx="0">
+            <a:schemeClr val="accent1"/>
+          </a:fillRef>
+          <a:effectRef idx="0">
+            <a:schemeClr val="accent1"/>
+          </a:effectRef>
+          <a:fontRef idx="minor">
+            <a:schemeClr val="tx1"/>
+          </a:fontRef>
+        </p:style>
+      </p:cxnSp>
+      <p:cxnSp>
+        <p:nvCxnSpPr>
+          <p:cNvPr id="14" name="Straight Connector 13">
+            <a:extLst>
+              <a:ext uri="{FF2B5EF4-FFF2-40B4-BE49-F238E27FC236}">
+                <a16:creationId xmlns:a16="http://schemas.microsoft.com/office/drawing/2014/main" id="{5BD1DFB7-6607-B641-B7C8-C5E937A386EE}"/>
+              </a:ext>
+            </a:extLst>
+          </p:cNvPr>
+          <p:cNvCxnSpPr/>
+          <p:nvPr/>
+        </p:nvCxnSpPr>
+        <p:spPr>
+          <a:xfrm>
+            <a:off x="7076661" y="4664763"/>
+            <a:ext cx="182880" cy="0"/>
+          </a:xfrm>
+          <a:prstGeom prst="line">
+            <a:avLst/>
+          </a:prstGeom>
+          <a:ln>
+            <a:solidFill>
+              <a:schemeClr val="bg1">
+                <a:lumMod val="85000"/>
+              </a:schemeClr>
+            </a:solidFill>
+          </a:ln>
+        </p:spPr>
+        <p:style>
+          <a:lnRef idx="1">
+            <a:schemeClr val="accent1"/>
+          </a:lnRef>
+          <a:fillRef idx="0">
+            <a:schemeClr val="accent1"/>
+          </a:fillRef>
+          <a:effectRef idx="0">
+            <a:schemeClr val="accent1"/>
+          </a:effectRef>
+          <a:fontRef idx="minor">
+            <a:schemeClr val="tx1"/>
+          </a:fontRef>
+        </p:style>
+      </p:cxnSp>
+      <p:pic>
+        <p:nvPicPr>
+          <p:cNvPr id="2050" name="Picture 2" descr="40 Memes that Marketers Will Love | DigitalMarketer">
+            <a:extLst>
+              <a:ext uri="{FF2B5EF4-FFF2-40B4-BE49-F238E27FC236}">
+                <a16:creationId xmlns:a16="http://schemas.microsoft.com/office/drawing/2014/main" id="{0652AE9C-E100-A94F-9415-AD24069F0CE7}"/>
+              </a:ext>
+            </a:extLst>
+          </p:cNvPr>
+          <p:cNvPicPr>
+            <a:picLocks noChangeAspect="1" noChangeArrowheads="1"/>
+          </p:cNvPicPr>
+          <p:nvPr/>
+        </p:nvPicPr>
+        <p:blipFill>
+          <a:blip r:embed="rId2">
+            <a:extLst>
+              <a:ext uri="{28A0092B-C50C-407E-A947-70E740481C1C}">
+                <a14:useLocalDpi xmlns:a14="http://schemas.microsoft.com/office/drawing/2010/main" val="0"/>
+              </a:ext>
+            </a:extLst>
+          </a:blip>
+          <a:srcRect/>
+          <a:stretch>
+            <a:fillRect/>
+          </a:stretch>
+        </p:blipFill>
+        <p:spPr bwMode="auto">
+          <a:xfrm>
+            <a:off x="4662714" y="2764844"/>
+            <a:ext cx="3555999" cy="3555999"/>
+          </a:xfrm>
+          <a:prstGeom prst="rect">
+            <a:avLst/>
+          </a:prstGeom>
+          <a:noFill/>
+          <a:extLst>
+            <a:ext uri="{909E8E84-426E-40DD-AFC4-6F175D3DCCD1}">
+              <a14:hiddenFill xmlns:a14="http://schemas.microsoft.com/office/drawing/2010/main">
+                <a:solidFill>
+                  <a:srgbClr val="FFFFFF"/>
+                </a:solidFill>
+              </a14:hiddenFill>
+            </a:ext>
+          </a:extLst>
+        </p:spPr>
+      </p:pic>
+    </p:spTree>
+    <p:extLst>
+      <p:ext uri="{BB962C8B-B14F-4D97-AF65-F5344CB8AC3E}">
+        <p14:creationId xmlns:p14="http://schemas.microsoft.com/office/powerpoint/2010/main" val="3609687316"/>
+      </p:ext>
+    </p:extLst>
+  </p:cSld>
+  <p:clrMapOvr>
+    <a:masterClrMapping/>
+  </p:clrMapOvr>
+</p:sld>
+</file>
+
+<file path=ppt/slides/slide40.xml><?xml version="1.0" encoding="utf-8"?>
 <p:sld xmlns:a="http://schemas.openxmlformats.org/drawingml/2006/main" xmlns:r="http://schemas.openxmlformats.org/officeDocument/2006/relationships" xmlns:p="http://schemas.openxmlformats.org/presentationml/2006/main">
   <p:cSld>
     <p:spTree>
@@ -39609,7 +40414,7 @@
           <a:p>
             <a:fld id="{6700A58B-DD98-43D0-B791-721480A02982}" type="datetime1">
               <a:rPr lang="en-US" smtClean="0"/>
-              <a:t>1/6/21</a:t>
+              <a:t>6/16/21</a:t>
             </a:fld>
             <a:endParaRPr lang="en-US"/>
           </a:p>
@@ -39696,7 +40501,7 @@
             <a:fld id="{37290FF7-652B-4475-AEAB-8B1A5D23AE09}" type="slidenum">
               <a:rPr lang="en-US" smtClean="0"/>
               <a:pPr/>
-              <a:t>39</a:t>
+              <a:t>40</a:t>
             </a:fld>
             <a:endParaRPr lang="en-US" dirty="0"/>
           </a:p>
@@ -40137,485 +40942,7 @@
 </p:sld>
 </file>
 
-<file path=ppt/slides/slide4.xml><?xml version="1.0" encoding="utf-8"?>
-<p:sld xmlns:a="http://schemas.openxmlformats.org/drawingml/2006/main" xmlns:r="http://schemas.openxmlformats.org/officeDocument/2006/relationships" xmlns:p="http://schemas.openxmlformats.org/presentationml/2006/main">
-  <p:cSld>
-    <p:spTree>
-      <p:nvGrpSpPr>
-        <p:cNvPr id="1" name=""/>
-        <p:cNvGrpSpPr/>
-        <p:nvPr/>
-      </p:nvGrpSpPr>
-      <p:grpSpPr>
-        <a:xfrm>
-          <a:off x="0" y="0"/>
-          <a:ext cx="0" cy="0"/>
-          <a:chOff x="0" y="0"/>
-          <a:chExt cx="0" cy="0"/>
-        </a:xfrm>
-      </p:grpSpPr>
-      <p:sp>
-        <p:nvSpPr>
-          <p:cNvPr id="2" name="Date Placeholder 1">
-            <a:extLst>
-              <a:ext uri="{FF2B5EF4-FFF2-40B4-BE49-F238E27FC236}">
-                <a16:creationId xmlns:a16="http://schemas.microsoft.com/office/drawing/2014/main" id="{F0C49392-A6AB-454B-A8CE-1A222F99465B}"/>
-              </a:ext>
-            </a:extLst>
-          </p:cNvPr>
-          <p:cNvSpPr>
-            <a:spLocks noGrp="1"/>
-          </p:cNvSpPr>
-          <p:nvPr>
-            <p:ph type="dt" sz="half" idx="10"/>
-          </p:nvPr>
-        </p:nvSpPr>
-        <p:spPr/>
-        <p:txBody>
-          <a:bodyPr/>
-          <a:lstStyle/>
-          <a:p>
-            <a:fld id="{6700A58B-DD98-43D0-B791-721480A02982}" type="datetime1">
-              <a:rPr lang="en-US" smtClean="0"/>
-              <a:t>1/6/21</a:t>
-            </a:fld>
-            <a:endParaRPr lang="en-US"/>
-          </a:p>
-        </p:txBody>
-      </p:sp>
-      <p:sp>
-        <p:nvSpPr>
-          <p:cNvPr id="3" name="Title 2">
-            <a:extLst>
-              <a:ext uri="{FF2B5EF4-FFF2-40B4-BE49-F238E27FC236}">
-                <a16:creationId xmlns:a16="http://schemas.microsoft.com/office/drawing/2014/main" id="{84D6A954-5268-46B6-A543-95112466DB47}"/>
-              </a:ext>
-            </a:extLst>
-          </p:cNvPr>
-          <p:cNvSpPr>
-            <a:spLocks noGrp="1"/>
-          </p:cNvSpPr>
-          <p:nvPr>
-            <p:ph type="title"/>
-          </p:nvPr>
-        </p:nvSpPr>
-        <p:spPr/>
-        <p:txBody>
-          <a:bodyPr/>
-          <a:lstStyle/>
-          <a:p>
-            <a:r>
-              <a:rPr lang="en-US" dirty="0"/>
-              <a:t>Your turn…</a:t>
-            </a:r>
-          </a:p>
-        </p:txBody>
-      </p:sp>
-      <p:sp>
-        <p:nvSpPr>
-          <p:cNvPr id="4" name="Footer Placeholder 3">
-            <a:extLst>
-              <a:ext uri="{FF2B5EF4-FFF2-40B4-BE49-F238E27FC236}">
-                <a16:creationId xmlns:a16="http://schemas.microsoft.com/office/drawing/2014/main" id="{4BC7F7B4-D656-41A4-A871-BFDE44C52003}"/>
-              </a:ext>
-            </a:extLst>
-          </p:cNvPr>
-          <p:cNvSpPr>
-            <a:spLocks noGrp="1"/>
-          </p:cNvSpPr>
-          <p:nvPr>
-            <p:ph type="ftr" sz="quarter" idx="3"/>
-          </p:nvPr>
-        </p:nvSpPr>
-        <p:spPr/>
-        <p:txBody>
-          <a:bodyPr/>
-          <a:lstStyle/>
-          <a:p>
-            <a:r>
-              <a:rPr lang="en-US"/>
-              <a:t>Kwartler</a:t>
-            </a:r>
-            <a:endParaRPr lang="en-US" dirty="0"/>
-          </a:p>
-        </p:txBody>
-      </p:sp>
-      <p:sp>
-        <p:nvSpPr>
-          <p:cNvPr id="5" name="Slide Number Placeholder 4">
-            <a:extLst>
-              <a:ext uri="{FF2B5EF4-FFF2-40B4-BE49-F238E27FC236}">
-                <a16:creationId xmlns:a16="http://schemas.microsoft.com/office/drawing/2014/main" id="{A6021B5F-8FDA-4E62-A89E-D815A486DD8E}"/>
-              </a:ext>
-            </a:extLst>
-          </p:cNvPr>
-          <p:cNvSpPr>
-            <a:spLocks noGrp="1"/>
-          </p:cNvSpPr>
-          <p:nvPr>
-            <p:ph type="sldNum" sz="quarter" idx="4"/>
-          </p:nvPr>
-        </p:nvSpPr>
-        <p:spPr/>
-        <p:txBody>
-          <a:bodyPr/>
-          <a:lstStyle/>
-          <a:p>
-            <a:fld id="{37290FF7-652B-4475-AEAB-8B1A5D23AE09}" type="slidenum">
-              <a:rPr lang="en-US" smtClean="0"/>
-              <a:pPr/>
-              <a:t>4</a:t>
-            </a:fld>
-            <a:endParaRPr lang="en-US" dirty="0"/>
-          </a:p>
-        </p:txBody>
-      </p:sp>
-      <p:sp>
-        <p:nvSpPr>
-          <p:cNvPr id="6" name="Rectangle 5">
-            <a:extLst>
-              <a:ext uri="{FF2B5EF4-FFF2-40B4-BE49-F238E27FC236}">
-                <a16:creationId xmlns:a16="http://schemas.microsoft.com/office/drawing/2014/main" id="{0551F8BD-DC5B-4CDE-B3CC-716D55A4B32F}"/>
-              </a:ext>
-            </a:extLst>
-          </p:cNvPr>
-          <p:cNvSpPr/>
-          <p:nvPr/>
-        </p:nvSpPr>
-        <p:spPr>
-          <a:xfrm>
-            <a:off x="4580102" y="1319213"/>
-            <a:ext cx="4392447" cy="557213"/>
-          </a:xfrm>
-          <a:prstGeom prst="rect">
-            <a:avLst/>
-          </a:prstGeom>
-          <a:solidFill>
-            <a:schemeClr val="accent3"/>
-          </a:solidFill>
-          <a:ln>
-            <a:noFill/>
-          </a:ln>
-        </p:spPr>
-        <p:style>
-          <a:lnRef idx="2">
-            <a:schemeClr val="accent1">
-              <a:shade val="50000"/>
-            </a:schemeClr>
-          </a:lnRef>
-          <a:fillRef idx="1">
-            <a:schemeClr val="accent1"/>
-          </a:fillRef>
-          <a:effectRef idx="0">
-            <a:schemeClr val="accent1"/>
-          </a:effectRef>
-          <a:fontRef idx="minor">
-            <a:schemeClr val="lt1"/>
-          </a:fontRef>
-        </p:style>
-        <p:txBody>
-          <a:bodyPr rtlCol="0" anchor="ctr"/>
-          <a:lstStyle/>
-          <a:p>
-            <a:pPr algn="ctr"/>
-            <a:r>
-              <a:rPr lang="en-US" dirty="0"/>
-              <a:t>Scenario</a:t>
-            </a:r>
-          </a:p>
-        </p:txBody>
-      </p:sp>
-      <p:sp>
-        <p:nvSpPr>
-          <p:cNvPr id="7" name="Rectangle 6">
-            <a:extLst>
-              <a:ext uri="{FF2B5EF4-FFF2-40B4-BE49-F238E27FC236}">
-                <a16:creationId xmlns:a16="http://schemas.microsoft.com/office/drawing/2014/main" id="{30C04625-BB82-4F8B-88E1-7D53E1BE9899}"/>
-              </a:ext>
-            </a:extLst>
-          </p:cNvPr>
-          <p:cNvSpPr/>
-          <p:nvPr/>
-        </p:nvSpPr>
-        <p:spPr>
-          <a:xfrm>
-            <a:off x="114304" y="1319213"/>
-            <a:ext cx="4114800" cy="557213"/>
-          </a:xfrm>
-          <a:prstGeom prst="rect">
-            <a:avLst/>
-          </a:prstGeom>
-          <a:solidFill>
-            <a:schemeClr val="accent3"/>
-          </a:solidFill>
-          <a:ln>
-            <a:noFill/>
-          </a:ln>
-        </p:spPr>
-        <p:style>
-          <a:lnRef idx="2">
-            <a:schemeClr val="accent1">
-              <a:shade val="50000"/>
-            </a:schemeClr>
-          </a:lnRef>
-          <a:fillRef idx="1">
-            <a:schemeClr val="accent1"/>
-          </a:fillRef>
-          <a:effectRef idx="0">
-            <a:schemeClr val="accent1"/>
-          </a:effectRef>
-          <a:fontRef idx="minor">
-            <a:schemeClr val="lt1"/>
-          </a:fontRef>
-        </p:style>
-        <p:txBody>
-          <a:bodyPr rtlCol="0" anchor="ctr"/>
-          <a:lstStyle/>
-          <a:p>
-            <a:pPr algn="ctr"/>
-            <a:r>
-              <a:rPr lang="en-US" dirty="0"/>
-              <a:t>Methods</a:t>
-            </a:r>
-          </a:p>
-        </p:txBody>
-      </p:sp>
-      <p:sp>
-        <p:nvSpPr>
-          <p:cNvPr id="8" name="TextBox 7">
-            <a:extLst>
-              <a:ext uri="{FF2B5EF4-FFF2-40B4-BE49-F238E27FC236}">
-                <a16:creationId xmlns:a16="http://schemas.microsoft.com/office/drawing/2014/main" id="{F93AAA8F-CCD8-47AF-ACD5-9B3FE1A08D75}"/>
-              </a:ext>
-            </a:extLst>
-          </p:cNvPr>
-          <p:cNvSpPr txBox="1"/>
-          <p:nvPr/>
-        </p:nvSpPr>
-        <p:spPr>
-          <a:xfrm>
-            <a:off x="336422" y="2115018"/>
-            <a:ext cx="3037498" cy="1200329"/>
-          </a:xfrm>
-          <a:prstGeom prst="rect">
-            <a:avLst/>
-          </a:prstGeom>
-          <a:noFill/>
-        </p:spPr>
-        <p:txBody>
-          <a:bodyPr wrap="none" rtlCol="0">
-            <a:spAutoFit/>
-          </a:bodyPr>
-          <a:lstStyle/>
-          <a:p>
-            <a:pPr marL="285750" indent="-285750">
-              <a:buFont typeface="Arial" panose="020B0604020202020204" pitchFamily="34" charset="0"/>
-              <a:buChar char="•"/>
-            </a:pPr>
-            <a:r>
-              <a:rPr lang="en-US" sz="3600" dirty="0"/>
-              <a:t>Supervised </a:t>
-            </a:r>
-            <a:r>
-              <a:rPr lang="en-US" sz="3600" i="1" dirty="0"/>
-              <a:t>or</a:t>
-            </a:r>
-            <a:endParaRPr lang="en-US" sz="3600" dirty="0"/>
-          </a:p>
-          <a:p>
-            <a:pPr marL="285750" indent="-285750">
-              <a:buFont typeface="Arial" panose="020B0604020202020204" pitchFamily="34" charset="0"/>
-              <a:buChar char="•"/>
-            </a:pPr>
-            <a:r>
-              <a:rPr lang="en-US" sz="3600" dirty="0"/>
-              <a:t>Unsupervised</a:t>
-            </a:r>
-          </a:p>
-        </p:txBody>
-      </p:sp>
-      <p:sp>
-        <p:nvSpPr>
-          <p:cNvPr id="11" name="TextBox 10">
-            <a:extLst>
-              <a:ext uri="{FF2B5EF4-FFF2-40B4-BE49-F238E27FC236}">
-                <a16:creationId xmlns:a16="http://schemas.microsoft.com/office/drawing/2014/main" id="{185ACFEF-A83E-43D9-AD64-E503AF112C5B}"/>
-              </a:ext>
-            </a:extLst>
-          </p:cNvPr>
-          <p:cNvSpPr txBox="1"/>
-          <p:nvPr/>
-        </p:nvSpPr>
-        <p:spPr>
-          <a:xfrm>
-            <a:off x="4522319" y="2036939"/>
-            <a:ext cx="4544705" cy="646331"/>
-          </a:xfrm>
-          <a:prstGeom prst="rect">
-            <a:avLst/>
-          </a:prstGeom>
-          <a:noFill/>
-        </p:spPr>
-        <p:txBody>
-          <a:bodyPr wrap="square" rtlCol="0">
-            <a:spAutoFit/>
-          </a:bodyPr>
-          <a:lstStyle/>
-          <a:p>
-            <a:r>
-              <a:rPr lang="en-US" dirty="0"/>
-              <a:t>What is a typical profile of our customers and online shoppers?</a:t>
-            </a:r>
-          </a:p>
-        </p:txBody>
-      </p:sp>
-      <p:cxnSp>
-        <p:nvCxnSpPr>
-          <p:cNvPr id="13" name="Straight Connector 12">
-            <a:extLst>
-              <a:ext uri="{FF2B5EF4-FFF2-40B4-BE49-F238E27FC236}">
-                <a16:creationId xmlns:a16="http://schemas.microsoft.com/office/drawing/2014/main" id="{9353DE4B-49D2-3840-B9AC-ED19AE57148B}"/>
-              </a:ext>
-            </a:extLst>
-          </p:cNvPr>
-          <p:cNvCxnSpPr/>
-          <p:nvPr/>
-        </p:nvCxnSpPr>
-        <p:spPr>
-          <a:xfrm>
-            <a:off x="6798363" y="6549885"/>
-            <a:ext cx="0" cy="182880"/>
-          </a:xfrm>
-          <a:prstGeom prst="line">
-            <a:avLst/>
-          </a:prstGeom>
-          <a:ln>
-            <a:solidFill>
-              <a:schemeClr val="bg1">
-                <a:lumMod val="85000"/>
-              </a:schemeClr>
-            </a:solidFill>
-          </a:ln>
-        </p:spPr>
-        <p:style>
-          <a:lnRef idx="1">
-            <a:schemeClr val="accent1"/>
-          </a:lnRef>
-          <a:fillRef idx="0">
-            <a:schemeClr val="accent1"/>
-          </a:fillRef>
-          <a:effectRef idx="0">
-            <a:schemeClr val="accent1"/>
-          </a:effectRef>
-          <a:fontRef idx="minor">
-            <a:schemeClr val="tx1"/>
-          </a:fontRef>
-        </p:style>
-      </p:cxnSp>
-      <p:cxnSp>
-        <p:nvCxnSpPr>
-          <p:cNvPr id="14" name="Straight Connector 13">
-            <a:extLst>
-              <a:ext uri="{FF2B5EF4-FFF2-40B4-BE49-F238E27FC236}">
-                <a16:creationId xmlns:a16="http://schemas.microsoft.com/office/drawing/2014/main" id="{5BD1DFB7-6607-B641-B7C8-C5E937A386EE}"/>
-              </a:ext>
-            </a:extLst>
-          </p:cNvPr>
-          <p:cNvCxnSpPr/>
-          <p:nvPr/>
-        </p:nvCxnSpPr>
-        <p:spPr>
-          <a:xfrm>
-            <a:off x="7076661" y="4664763"/>
-            <a:ext cx="182880" cy="0"/>
-          </a:xfrm>
-          <a:prstGeom prst="line">
-            <a:avLst/>
-          </a:prstGeom>
-          <a:ln>
-            <a:solidFill>
-              <a:schemeClr val="bg1">
-                <a:lumMod val="85000"/>
-              </a:schemeClr>
-            </a:solidFill>
-          </a:ln>
-        </p:spPr>
-        <p:style>
-          <a:lnRef idx="1">
-            <a:schemeClr val="accent1"/>
-          </a:lnRef>
-          <a:fillRef idx="0">
-            <a:schemeClr val="accent1"/>
-          </a:fillRef>
-          <a:effectRef idx="0">
-            <a:schemeClr val="accent1"/>
-          </a:effectRef>
-          <a:fontRef idx="minor">
-            <a:schemeClr val="tx1"/>
-          </a:fontRef>
-        </p:style>
-      </p:cxnSp>
-      <p:pic>
-        <p:nvPicPr>
-          <p:cNvPr id="2050" name="Picture 2" descr="40 Memes that Marketers Will Love | DigitalMarketer">
-            <a:extLst>
-              <a:ext uri="{FF2B5EF4-FFF2-40B4-BE49-F238E27FC236}">
-                <a16:creationId xmlns:a16="http://schemas.microsoft.com/office/drawing/2014/main" id="{0652AE9C-E100-A94F-9415-AD24069F0CE7}"/>
-              </a:ext>
-            </a:extLst>
-          </p:cNvPr>
-          <p:cNvPicPr>
-            <a:picLocks noChangeAspect="1" noChangeArrowheads="1"/>
-          </p:cNvPicPr>
-          <p:nvPr/>
-        </p:nvPicPr>
-        <p:blipFill>
-          <a:blip r:embed="rId2">
-            <a:extLst>
-              <a:ext uri="{28A0092B-C50C-407E-A947-70E740481C1C}">
-                <a14:useLocalDpi xmlns:a14="http://schemas.microsoft.com/office/drawing/2010/main" val="0"/>
-              </a:ext>
-            </a:extLst>
-          </a:blip>
-          <a:srcRect/>
-          <a:stretch>
-            <a:fillRect/>
-          </a:stretch>
-        </p:blipFill>
-        <p:spPr bwMode="auto">
-          <a:xfrm>
-            <a:off x="4662714" y="2764844"/>
-            <a:ext cx="3555999" cy="3555999"/>
-          </a:xfrm>
-          <a:prstGeom prst="rect">
-            <a:avLst/>
-          </a:prstGeom>
-          <a:noFill/>
-          <a:extLst>
-            <a:ext uri="{909E8E84-426E-40DD-AFC4-6F175D3DCCD1}">
-              <a14:hiddenFill xmlns:a14="http://schemas.microsoft.com/office/drawing/2010/main">
-                <a:solidFill>
-                  <a:srgbClr val="FFFFFF"/>
-                </a:solidFill>
-              </a14:hiddenFill>
-            </a:ext>
-          </a:extLst>
-        </p:spPr>
-      </p:pic>
-    </p:spTree>
-    <p:extLst>
-      <p:ext uri="{BB962C8B-B14F-4D97-AF65-F5344CB8AC3E}">
-        <p14:creationId xmlns:p14="http://schemas.microsoft.com/office/powerpoint/2010/main" val="3609687316"/>
-      </p:ext>
-    </p:extLst>
-  </p:cSld>
-  <p:clrMapOvr>
-    <a:masterClrMapping/>
-  </p:clrMapOvr>
-</p:sld>
-</file>
-
-<file path=ppt/slides/slide40.xml><?xml version="1.0" encoding="utf-8"?>
+<file path=ppt/slides/slide41.xml><?xml version="1.0" encoding="utf-8"?>
 <p:sld xmlns:a="http://schemas.openxmlformats.org/drawingml/2006/main" xmlns:r="http://schemas.openxmlformats.org/officeDocument/2006/relationships" xmlns:p="http://schemas.openxmlformats.org/presentationml/2006/main">
   <p:cSld>
     <p:spTree>
@@ -40649,7 +40976,7 @@
           <a:p>
             <a:fld id="{6700A58B-DD98-43D0-B791-721480A02982}" type="datetime1">
               <a:rPr lang="en-US" smtClean="0"/>
-              <a:t>1/6/21</a:t>
+              <a:t>6/16/21</a:t>
             </a:fld>
             <a:endParaRPr lang="en-US"/>
           </a:p>
@@ -40718,7 +41045,7 @@
             <a:fld id="{37290FF7-652B-4475-AEAB-8B1A5D23AE09}" type="slidenum">
               <a:rPr lang="en-US" smtClean="0"/>
               <a:pPr/>
-              <a:t>40</a:t>
+              <a:t>41</a:t>
             </a:fld>
             <a:endParaRPr lang="en-US" dirty="0"/>
           </a:p>
@@ -40985,7 +41312,7 @@
 </p:sld>
 </file>
 
-<file path=ppt/slides/slide41.xml><?xml version="1.0" encoding="utf-8"?>
+<file path=ppt/slides/slide42.xml><?xml version="1.0" encoding="utf-8"?>
 <p:sld xmlns:a="http://schemas.openxmlformats.org/drawingml/2006/main" xmlns:r="http://schemas.openxmlformats.org/officeDocument/2006/relationships" xmlns:p="http://schemas.openxmlformats.org/presentationml/2006/main">
   <p:cSld>
     <p:spTree>
@@ -41019,7 +41346,7 @@
           <a:p>
             <a:fld id="{6700A58B-DD98-43D0-B791-721480A02982}" type="datetime1">
               <a:rPr lang="en-US" smtClean="0"/>
-              <a:t>1/6/21</a:t>
+              <a:t>6/16/21</a:t>
             </a:fld>
             <a:endParaRPr lang="en-US"/>
           </a:p>
@@ -41085,7 +41412,7 @@
             <a:fld id="{37290FF7-652B-4475-AEAB-8B1A5D23AE09}" type="slidenum">
               <a:rPr lang="en-US" smtClean="0"/>
               <a:pPr/>
-              <a:t>41</a:t>
+              <a:t>42</a:t>
             </a:fld>
             <a:endParaRPr lang="en-US" dirty="0"/>
           </a:p>
@@ -41268,7 +41595,7 @@
 </p:sld>
 </file>
 
-<file path=ppt/slides/slide42.xml><?xml version="1.0" encoding="utf-8"?>
+<file path=ppt/slides/slide43.xml><?xml version="1.0" encoding="utf-8"?>
 <p:sld xmlns:a="http://schemas.openxmlformats.org/drawingml/2006/main" xmlns:r="http://schemas.openxmlformats.org/officeDocument/2006/relationships" xmlns:p="http://schemas.openxmlformats.org/presentationml/2006/main">
   <p:cSld>
     <p:bg>
@@ -41591,7 +41918,7 @@
                   <a:spcPts val="600"/>
                 </a:spcAft>
               </a:pPr>
-              <a:t>1/6/21</a:t>
+              <a:t>6/15/21</a:t>
             </a:fld>
             <a:endParaRPr lang="en-US" sz="1200"/>
           </a:p>
@@ -41735,7 +42062,7 @@
                   <a:spcPts val="600"/>
                 </a:spcAft>
               </a:pPr>
-              <a:t>42</a:t>
+              <a:t>43</a:t>
             </a:fld>
             <a:endParaRPr lang="en-US" sz="1000"/>
           </a:p>
@@ -41754,7 +42081,7 @@
 </p:sld>
 </file>
 
-<file path=ppt/slides/slide43.xml><?xml version="1.0" encoding="utf-8"?>
+<file path=ppt/slides/slide44.xml><?xml version="1.0" encoding="utf-8"?>
 <p:sld xmlns:a="http://schemas.openxmlformats.org/drawingml/2006/main" xmlns:r="http://schemas.openxmlformats.org/officeDocument/2006/relationships" xmlns:p="http://schemas.openxmlformats.org/presentationml/2006/main">
   <p:cSld>
     <p:bg>
@@ -42053,7 +42380,7 @@
                 </a:spcAft>
                 <a:defRPr/>
               </a:pPr>
-              <a:t>1/6/21</a:t>
+              <a:t>6/16/21</a:t>
             </a:fld>
             <a:endParaRPr lang="en-US" sz="1200">
               <a:solidFill>
@@ -42165,7 +42492,7 @@
                 </a:spcAft>
                 <a:defRPr/>
               </a:pPr>
-              <a:t>43</a:t>
+              <a:t>44</a:t>
             </a:fld>
             <a:endParaRPr lang="en-US" sz="1200">
               <a:solidFill>
@@ -42251,7 +42578,7 @@
 </p:sld>
 </file>
 
-<file path=ppt/slides/slide44.xml><?xml version="1.0" encoding="utf-8"?>
+<file path=ppt/slides/slide45.xml><?xml version="1.0" encoding="utf-8"?>
 <p:sld xmlns:a="http://schemas.openxmlformats.org/drawingml/2006/main" xmlns:r="http://schemas.openxmlformats.org/officeDocument/2006/relationships" xmlns:p="http://schemas.openxmlformats.org/presentationml/2006/main">
   <p:cSld>
     <p:spTree>
@@ -42291,7 +42618,7 @@
           <a:p>
             <a:fld id="{6700A58B-DD98-43D0-B791-721480A02982}" type="datetime1">
               <a:rPr lang="en-US" smtClean="0"/>
-              <a:t>1/6/21</a:t>
+              <a:t>6/16/21</a:t>
             </a:fld>
             <a:endParaRPr lang="en-US"/>
           </a:p>
@@ -42378,7 +42705,7 @@
             <a:fld id="{37290FF7-652B-4475-AEAB-8B1A5D23AE09}" type="slidenum">
               <a:rPr lang="en-US" smtClean="0"/>
               <a:pPr/>
-              <a:t>44</a:t>
+              <a:t>45</a:t>
             </a:fld>
             <a:endParaRPr lang="en-US" dirty="0"/>
           </a:p>
@@ -42663,7 +42990,7 @@
           <a:p>
             <a:fld id="{6700A58B-DD98-43D0-B791-721480A02982}" type="datetime1">
               <a:rPr lang="en-US" smtClean="0"/>
-              <a:t>1/6/21</a:t>
+              <a:t>6/15/21</a:t>
             </a:fld>
             <a:endParaRPr lang="en-US"/>
           </a:p>
@@ -42976,7 +43303,7 @@
           <a:p>
             <a:fld id="{6700A58B-DD98-43D0-B791-721480A02982}" type="datetime1">
               <a:rPr lang="en-US" smtClean="0"/>
-              <a:t>1/6/21</a:t>
+              <a:t>6/15/21</a:t>
             </a:fld>
             <a:endParaRPr lang="en-US"/>
           </a:p>
@@ -43388,7 +43715,7 @@
           <a:p>
             <a:fld id="{6700A58B-DD98-43D0-B791-721480A02982}" type="datetime1">
               <a:rPr lang="en-US" smtClean="0"/>
-              <a:t>1/6/21</a:t>
+              <a:t>6/15/21</a:t>
             </a:fld>
             <a:endParaRPr lang="en-US"/>
           </a:p>
@@ -43928,7 +44255,7 @@
           <a:p>
             <a:fld id="{6700A58B-DD98-43D0-B791-721480A02982}" type="datetime1">
               <a:rPr lang="en-US" smtClean="0"/>
-              <a:t>1/6/21</a:t>
+              <a:t>6/15/21</a:t>
             </a:fld>
             <a:endParaRPr lang="en-US"/>
           </a:p>
@@ -44387,7 +44714,7 @@
           <a:p>
             <a:fld id="{6700A58B-DD98-43D0-B791-721480A02982}" type="datetime1">
               <a:rPr lang="en-US" smtClean="0"/>
-              <a:t>1/6/21</a:t>
+              <a:t>6/15/21</a:t>
             </a:fld>
             <a:endParaRPr lang="en-US"/>
           </a:p>

--- a/student_lessons/C_Sentiment_Unsupervised/Day3_liveB_ClusteringReview.pptx
+++ b/student_lessons/C_Sentiment_Unsupervised/Day3_liveB_ClusteringReview.pptx
@@ -15189,7 +15189,7 @@
           <a:p>
             <a:fld id="{B0C0A60C-850A-4EA4-9C14-A8FE98B94505}" type="datetimeFigureOut">
               <a:rPr lang="en-US" smtClean="0"/>
-              <a:t>6/15/21</a:t>
+              <a:t>12/31/21</a:t>
             </a:fld>
             <a:endParaRPr lang="en-US"/>
           </a:p>
@@ -15588,7 +15588,7 @@
           <a:p>
             <a:fld id="{5738B90E-0779-4C36-915C-6F05FCD89456}" type="datetime1">
               <a:rPr lang="en-US" smtClean="0"/>
-              <a:t>6/15/21</a:t>
+              <a:t>12/31/21</a:t>
             </a:fld>
             <a:endParaRPr lang="en-US"/>
           </a:p>
@@ -15785,7 +15785,7 @@
           <a:p>
             <a:fld id="{7B9EA29D-D431-42FE-B7B6-AAE4454C77D3}" type="datetime1">
               <a:rPr lang="en-US" smtClean="0"/>
-              <a:t>6/15/21</a:t>
+              <a:t>12/31/21</a:t>
             </a:fld>
             <a:endParaRPr lang="en-US"/>
           </a:p>
@@ -16140,7 +16140,7 @@
           <a:p>
             <a:fld id="{690D8A1E-EA8F-46C1-B891-AE0C00D9C314}" type="datetime1">
               <a:rPr lang="en-US" smtClean="0"/>
-              <a:t>6/15/21</a:t>
+              <a:t>12/31/21</a:t>
             </a:fld>
             <a:endParaRPr lang="en-US"/>
           </a:p>
@@ -16448,7 +16448,7 @@
           <a:p>
             <a:fld id="{D753EFC8-4232-4598-94F6-94C0EBAFC469}" type="datetime1">
               <a:rPr lang="en-US" smtClean="0"/>
-              <a:t>6/15/21</a:t>
+              <a:t>12/31/21</a:t>
             </a:fld>
             <a:endParaRPr lang="en-US"/>
           </a:p>
@@ -16777,7 +16777,7 @@
           <a:p>
             <a:fld id="{F3161074-1C18-4AE7-957D-F18524378C85}" type="datetime1">
               <a:rPr lang="en-US" smtClean="0"/>
-              <a:t>6/15/21</a:t>
+              <a:t>12/31/21</a:t>
             </a:fld>
             <a:endParaRPr lang="en-US"/>
           </a:p>
@@ -17030,7 +17030,7 @@
           <a:p>
             <a:fld id="{69BE256C-8D9A-4404-B47D-41A1AE514425}" type="datetime1">
               <a:rPr lang="en-US" smtClean="0"/>
-              <a:t>6/15/21</a:t>
+              <a:t>12/31/21</a:t>
             </a:fld>
             <a:endParaRPr lang="en-US"/>
           </a:p>
@@ -17478,7 +17478,7 @@
           <a:p>
             <a:fld id="{66CB2154-9035-4012-8189-BAAB61C5A5EE}" type="datetime1">
               <a:rPr lang="en-US" smtClean="0"/>
-              <a:t>6/15/21</a:t>
+              <a:t>12/31/21</a:t>
             </a:fld>
             <a:endParaRPr lang="en-US"/>
           </a:p>
@@ -17666,7 +17666,7 @@
           <a:p>
             <a:fld id="{6700A58B-DD98-43D0-B791-721480A02982}" type="datetime1">
               <a:rPr lang="en-US" smtClean="0"/>
-              <a:t>6/15/21</a:t>
+              <a:t>12/31/21</a:t>
             </a:fld>
             <a:endParaRPr lang="en-US"/>
           </a:p>
@@ -17872,7 +17872,7 @@
           <a:p>
             <a:fld id="{7DB6E382-4F61-4E24-BE1A-377EC83D0E3A}" type="datetime1">
               <a:rPr lang="en-US" smtClean="0"/>
-              <a:t>6/15/21</a:t>
+              <a:t>12/31/21</a:t>
             </a:fld>
             <a:endParaRPr lang="en-US"/>
           </a:p>
@@ -18278,7 +18278,7 @@
           <a:p>
             <a:fld id="{4142EED6-FC16-45B9-B8C4-2BC5DBA88325}" type="datetime1">
               <a:rPr lang="en-US" smtClean="0"/>
-              <a:t>6/15/21</a:t>
+              <a:t>12/31/21</a:t>
             </a:fld>
             <a:endParaRPr lang="en-US"/>
           </a:p>
@@ -18610,7 +18610,7 @@
           <a:p>
             <a:fld id="{DF59512B-4F1D-43D7-8819-2F53FEF69650}" type="datetime1">
               <a:rPr lang="en-US" smtClean="0"/>
-              <a:t>6/15/21</a:t>
+              <a:t>12/31/21</a:t>
             </a:fld>
             <a:endParaRPr lang="en-US"/>
           </a:p>
@@ -18900,7 +18900,7 @@
           <a:p>
             <a:fld id="{08437B94-E2BF-44DC-ADC5-B05FC9934E9D}" type="datetime1">
               <a:rPr lang="en-US" smtClean="0"/>
-              <a:t>6/15/21</a:t>
+              <a:t>12/31/21</a:t>
             </a:fld>
             <a:endParaRPr lang="en-US"/>
           </a:p>
@@ -19424,7 +19424,7 @@
             <a:fld id="{5738B90E-0779-4C36-915C-6F05FCD89456}" type="datetime1">
               <a:rPr lang="en-US" smtClean="0"/>
               <a:pPr/>
-              <a:t>6/15/21</a:t>
+              <a:t>12/31/21</a:t>
             </a:fld>
             <a:endParaRPr lang="en-US"/>
           </a:p>
@@ -19616,7 +19616,7 @@
           <a:p>
             <a:fld id="{6700A58B-DD98-43D0-B791-721480A02982}" type="datetime1">
               <a:rPr lang="en-US" smtClean="0"/>
-              <a:t>6/15/21</a:t>
+              <a:t>12/31/21</a:t>
             </a:fld>
             <a:endParaRPr lang="en-US"/>
           </a:p>
@@ -19934,7 +19934,7 @@
           <a:p>
             <a:fld id="{6700A58B-DD98-43D0-B791-721480A02982}" type="datetime1">
               <a:rPr lang="en-US" smtClean="0"/>
-              <a:t>6/15/21</a:t>
+              <a:t>12/31/21</a:t>
             </a:fld>
             <a:endParaRPr lang="en-US"/>
           </a:p>
@@ -20251,7 +20251,7 @@
           <a:p>
             <a:fld id="{6700A58B-DD98-43D0-B791-721480A02982}" type="datetime1">
               <a:rPr lang="en-US" smtClean="0"/>
-              <a:t>6/15/21</a:t>
+              <a:t>12/31/21</a:t>
             </a:fld>
             <a:endParaRPr lang="en-US"/>
           </a:p>
@@ -20535,7 +20535,7 @@
           <a:p>
             <a:fld id="{6700A58B-DD98-43D0-B791-721480A02982}" type="datetime1">
               <a:rPr lang="en-US" smtClean="0"/>
-              <a:t>6/15/21</a:t>
+              <a:t>12/31/21</a:t>
             </a:fld>
             <a:endParaRPr lang="en-US"/>
           </a:p>
@@ -21021,7 +21021,7 @@
           <a:p>
             <a:fld id="{6700A58B-DD98-43D0-B791-721480A02982}" type="datetime1">
               <a:rPr lang="en-US" smtClean="0"/>
-              <a:t>6/15/21</a:t>
+              <a:t>12/31/21</a:t>
             </a:fld>
             <a:endParaRPr lang="en-US"/>
           </a:p>
@@ -21287,7 +21287,7 @@
           <a:p>
             <a:fld id="{6700A58B-DD98-43D0-B791-721480A02982}" type="datetime1">
               <a:rPr lang="en-US" smtClean="0"/>
-              <a:t>6/15/21</a:t>
+              <a:t>12/31/21</a:t>
             </a:fld>
             <a:endParaRPr lang="en-US"/>
           </a:p>
@@ -21667,7 +21667,7 @@
           <a:p>
             <a:fld id="{6700A58B-DD98-43D0-B791-721480A02982}" type="datetime1">
               <a:rPr lang="en-US" smtClean="0"/>
-              <a:t>6/15/21</a:t>
+              <a:t>12/31/21</a:t>
             </a:fld>
             <a:endParaRPr lang="en-US"/>
           </a:p>
@@ -21818,7 +21818,7 @@
           <a:p>
             <a:fld id="{6700A58B-DD98-43D0-B791-721480A02982}" type="datetime1">
               <a:rPr lang="en-US" smtClean="0"/>
-              <a:t>6/15/21</a:t>
+              <a:t>12/31/21</a:t>
             </a:fld>
             <a:endParaRPr lang="en-US"/>
           </a:p>
@@ -21964,7 +21964,7 @@
           <a:p>
             <a:fld id="{6700A58B-DD98-43D0-B791-721480A02982}" type="datetime1">
               <a:rPr lang="en-US" smtClean="0"/>
-              <a:t>6/15/21</a:t>
+              <a:t>12/31/21</a:t>
             </a:fld>
             <a:endParaRPr lang="en-US"/>
           </a:p>
@@ -22675,7 +22675,7 @@
           <a:graphicData uri="http://schemas.openxmlformats.org/presentationml/2006/ole">
             <mc:AlternateContent xmlns:mc="http://schemas.openxmlformats.org/markup-compatibility/2006">
               <mc:Choice xmlns:v="urn:schemas-microsoft-com:vml" Requires="v">
-                <p:oleObj spid="_x0000_s3079" name="Document" r:id="rId3" imgW="2858268" imgH="544757" progId="Word.Document.12">
+                <p:oleObj spid="_x0000_s3080" name="Document" r:id="rId3" imgW="2858268" imgH="544757" progId="Word.Document.12">
                   <p:embed/>
                 </p:oleObj>
               </mc:Choice>
@@ -22769,7 +22769,7 @@
           <a:p>
             <a:fld id="{6700A58B-DD98-43D0-B791-721480A02982}" type="datetime1">
               <a:rPr lang="en-US" smtClean="0"/>
-              <a:t>6/15/21</a:t>
+              <a:t>12/31/21</a:t>
             </a:fld>
             <a:endParaRPr lang="en-US"/>
           </a:p>
@@ -23340,7 +23340,7 @@
           <a:p>
             <a:fld id="{6700A58B-DD98-43D0-B791-721480A02982}" type="datetime1">
               <a:rPr lang="en-US" smtClean="0"/>
-              <a:t>6/15/21</a:t>
+              <a:t>12/31/21</a:t>
             </a:fld>
             <a:endParaRPr lang="en-US"/>
           </a:p>
@@ -25675,7 +25675,7 @@
           <a:p>
             <a:fld id="{6700A58B-DD98-43D0-B791-721480A02982}" type="datetime1">
               <a:rPr lang="en-US" smtClean="0"/>
-              <a:t>6/15/21</a:t>
+              <a:t>12/31/21</a:t>
             </a:fld>
             <a:endParaRPr lang="en-US"/>
           </a:p>
@@ -26688,7 +26688,7 @@
           <a:p>
             <a:fld id="{6700A58B-DD98-43D0-B791-721480A02982}" type="datetime1">
               <a:rPr lang="en-US" smtClean="0"/>
-              <a:t>6/15/21</a:t>
+              <a:t>12/31/21</a:t>
             </a:fld>
             <a:endParaRPr lang="en-US"/>
           </a:p>
@@ -27190,7 +27190,7 @@
             <a:fld id="{6700A58B-DD98-43D0-B791-721480A02982}" type="datetime1">
               <a:rPr lang="en-US" smtClean="0"/>
               <a:pPr/>
-              <a:t>6/15/21</a:t>
+              <a:t>12/31/21</a:t>
             </a:fld>
             <a:endParaRPr lang="en-US"/>
           </a:p>
@@ -27795,7 +27795,7 @@
             <a:fld id="{6700A58B-DD98-43D0-B791-721480A02982}" type="datetime1">
               <a:rPr lang="en-US" smtClean="0"/>
               <a:pPr/>
-              <a:t>6/15/21</a:t>
+              <a:t>12/31/21</a:t>
             </a:fld>
             <a:endParaRPr lang="en-US"/>
           </a:p>
@@ -28439,7 +28439,7 @@
             <a:fld id="{6700A58B-DD98-43D0-B791-721480A02982}" type="datetime1">
               <a:rPr lang="en-US" smtClean="0"/>
               <a:pPr/>
-              <a:t>6/15/21</a:t>
+              <a:t>12/31/21</a:t>
             </a:fld>
             <a:endParaRPr lang="en-US"/>
           </a:p>
@@ -29228,7 +29228,7 @@
             <a:fld id="{6700A58B-DD98-43D0-B791-721480A02982}" type="datetime1">
               <a:rPr lang="en-US" smtClean="0"/>
               <a:pPr/>
-              <a:t>6/15/21</a:t>
+              <a:t>12/31/21</a:t>
             </a:fld>
             <a:endParaRPr lang="en-US"/>
           </a:p>
@@ -30022,7 +30022,7 @@
           <a:p>
             <a:fld id="{6700A58B-DD98-43D0-B791-721480A02982}" type="datetime1">
               <a:rPr lang="en-US" smtClean="0"/>
-              <a:t>6/15/21</a:t>
+              <a:t>12/31/21</a:t>
             </a:fld>
             <a:endParaRPr lang="en-US"/>
           </a:p>
@@ -30774,7 +30774,7 @@
             <a:fld id="{6700A58B-DD98-43D0-B791-721480A02982}" type="datetime1">
               <a:rPr lang="en-US" smtClean="0"/>
               <a:pPr/>
-              <a:t>6/15/21</a:t>
+              <a:t>12/31/21</a:t>
             </a:fld>
             <a:endParaRPr lang="en-US"/>
           </a:p>
@@ -31752,7 +31752,7 @@
             <a:fld id="{6700A58B-DD98-43D0-B791-721480A02982}" type="datetime1">
               <a:rPr lang="en-US" smtClean="0"/>
               <a:pPr/>
-              <a:t>6/15/21</a:t>
+              <a:t>12/31/21</a:t>
             </a:fld>
             <a:endParaRPr lang="en-US"/>
           </a:p>
@@ -32418,7 +32418,7 @@
           <a:p>
             <a:fld id="{6700A58B-DD98-43D0-B791-721480A02982}" type="datetime1">
               <a:rPr lang="en-US" smtClean="0"/>
-              <a:t>6/15/21</a:t>
+              <a:t>12/31/21</a:t>
             </a:fld>
             <a:endParaRPr lang="en-US"/>
           </a:p>
@@ -32998,7 +32998,7 @@
           <a:p>
             <a:fld id="{6700A58B-DD98-43D0-B791-721480A02982}" type="datetime1">
               <a:rPr lang="en-US" smtClean="0"/>
-              <a:t>6/15/21</a:t>
+              <a:t>12/31/21</a:t>
             </a:fld>
             <a:endParaRPr lang="en-US"/>
           </a:p>
@@ -33470,7 +33470,7 @@
           <a:p>
             <a:fld id="{6700A58B-DD98-43D0-B791-721480A02982}" type="datetime1">
               <a:rPr lang="en-US" smtClean="0"/>
-              <a:t>6/15/21</a:t>
+              <a:t>12/31/21</a:t>
             </a:fld>
             <a:endParaRPr lang="en-US"/>
           </a:p>
@@ -33753,7 +33753,7 @@
           <a:p>
             <a:fld id="{6700A58B-DD98-43D0-B791-721480A02982}" type="datetime1">
               <a:rPr lang="en-US" smtClean="0"/>
-              <a:t>6/16/21</a:t>
+              <a:t>12/31/21</a:t>
             </a:fld>
             <a:endParaRPr lang="en-US"/>
           </a:p>
@@ -34096,7 +34096,7 @@
           <a:p>
             <a:fld id="{6700A58B-DD98-43D0-B791-721480A02982}" type="datetime1">
               <a:rPr lang="en-US" smtClean="0"/>
-              <a:t>6/16/21</a:t>
+              <a:t>12/31/21</a:t>
             </a:fld>
             <a:endParaRPr lang="en-US"/>
           </a:p>
@@ -34490,7 +34490,7 @@
           <a:p>
             <a:fld id="{6700A58B-DD98-43D0-B791-721480A02982}" type="datetime1">
               <a:rPr lang="en-US" smtClean="0"/>
-              <a:t>6/16/21</a:t>
+              <a:t>12/31/21</a:t>
             </a:fld>
             <a:endParaRPr lang="en-US"/>
           </a:p>
@@ -34938,7 +34938,7 @@
           <a:p>
             <a:fld id="{6700A58B-DD98-43D0-B791-721480A02982}" type="datetime1">
               <a:rPr lang="en-US" smtClean="0"/>
-              <a:t>6/16/21</a:t>
+              <a:t>12/31/21</a:t>
             </a:fld>
             <a:endParaRPr lang="en-US"/>
           </a:p>
@@ -36003,7 +36003,7 @@
           <a:p>
             <a:fld id="{6700A58B-DD98-43D0-B791-721480A02982}" type="datetime1">
               <a:rPr lang="en-US" smtClean="0"/>
-              <a:t>6/16/21</a:t>
+              <a:t>12/31/21</a:t>
             </a:fld>
             <a:endParaRPr lang="en-US"/>
           </a:p>
@@ -36945,7 +36945,7 @@
           <a:p>
             <a:fld id="{6700A58B-DD98-43D0-B791-721480A02982}" type="datetime1">
               <a:rPr lang="en-US" smtClean="0"/>
-              <a:t>6/16/21</a:t>
+              <a:t>12/31/21</a:t>
             </a:fld>
             <a:endParaRPr lang="en-US"/>
           </a:p>
@@ -37789,7 +37789,7 @@
           <a:p>
             <a:fld id="{6700A58B-DD98-43D0-B791-721480A02982}" type="datetime1">
               <a:rPr lang="en-US" smtClean="0"/>
-              <a:t>6/16/21</a:t>
+              <a:t>12/31/21</a:t>
             </a:fld>
             <a:endParaRPr lang="en-US"/>
           </a:p>
@@ -38512,7 +38512,7 @@
           <a:p>
             <a:fld id="{6700A58B-DD98-43D0-B791-721480A02982}" type="datetime1">
               <a:rPr lang="en-US" smtClean="0"/>
-              <a:t>6/16/21</a:t>
+              <a:t>12/31/21</a:t>
             </a:fld>
             <a:endParaRPr lang="en-US"/>
           </a:p>
@@ -39390,7 +39390,7 @@
           <a:p>
             <a:fld id="{6700A58B-DD98-43D0-B791-721480A02982}" type="datetime1">
               <a:rPr lang="en-US" smtClean="0"/>
-              <a:t>6/16/21</a:t>
+              <a:t>12/31/21</a:t>
             </a:fld>
             <a:endParaRPr lang="en-US"/>
           </a:p>
@@ -39936,7 +39936,7 @@
           <a:p>
             <a:fld id="{6700A58B-DD98-43D0-B791-721480A02982}" type="datetime1">
               <a:rPr lang="en-US" smtClean="0"/>
-              <a:t>6/15/21</a:t>
+              <a:t>12/31/21</a:t>
             </a:fld>
             <a:endParaRPr lang="en-US"/>
           </a:p>
@@ -40414,7 +40414,7 @@
           <a:p>
             <a:fld id="{6700A58B-DD98-43D0-B791-721480A02982}" type="datetime1">
               <a:rPr lang="en-US" smtClean="0"/>
-              <a:t>6/16/21</a:t>
+              <a:t>12/31/21</a:t>
             </a:fld>
             <a:endParaRPr lang="en-US"/>
           </a:p>
@@ -40976,7 +40976,7 @@
           <a:p>
             <a:fld id="{6700A58B-DD98-43D0-B791-721480A02982}" type="datetime1">
               <a:rPr lang="en-US" smtClean="0"/>
-              <a:t>6/16/21</a:t>
+              <a:t>12/31/21</a:t>
             </a:fld>
             <a:endParaRPr lang="en-US"/>
           </a:p>
@@ -41346,7 +41346,7 @@
           <a:p>
             <a:fld id="{6700A58B-DD98-43D0-B791-721480A02982}" type="datetime1">
               <a:rPr lang="en-US" smtClean="0"/>
-              <a:t>6/16/21</a:t>
+              <a:t>12/31/21</a:t>
             </a:fld>
             <a:endParaRPr lang="en-US"/>
           </a:p>
@@ -41918,7 +41918,7 @@
                   <a:spcPts val="600"/>
                 </a:spcAft>
               </a:pPr>
-              <a:t>6/15/21</a:t>
+              <a:t>12/31/21</a:t>
             </a:fld>
             <a:endParaRPr lang="en-US" sz="1200"/>
           </a:p>
@@ -42380,7 +42380,7 @@
                 </a:spcAft>
                 <a:defRPr/>
               </a:pPr>
-              <a:t>6/16/21</a:t>
+              <a:t>12/31/21</a:t>
             </a:fld>
             <a:endParaRPr lang="en-US" sz="1200">
               <a:solidFill>
@@ -42618,7 +42618,7 @@
           <a:p>
             <a:fld id="{6700A58B-DD98-43D0-B791-721480A02982}" type="datetime1">
               <a:rPr lang="en-US" smtClean="0"/>
-              <a:t>6/16/21</a:t>
+              <a:t>12/31/21</a:t>
             </a:fld>
             <a:endParaRPr lang="en-US"/>
           </a:p>
@@ -42990,7 +42990,7 @@
           <a:p>
             <a:fld id="{6700A58B-DD98-43D0-B791-721480A02982}" type="datetime1">
               <a:rPr lang="en-US" smtClean="0"/>
-              <a:t>6/15/21</a:t>
+              <a:t>12/31/21</a:t>
             </a:fld>
             <a:endParaRPr lang="en-US"/>
           </a:p>
@@ -43303,7 +43303,7 @@
           <a:p>
             <a:fld id="{6700A58B-DD98-43D0-B791-721480A02982}" type="datetime1">
               <a:rPr lang="en-US" smtClean="0"/>
-              <a:t>6/15/21</a:t>
+              <a:t>12/31/21</a:t>
             </a:fld>
             <a:endParaRPr lang="en-US"/>
           </a:p>
@@ -43715,7 +43715,7 @@
           <a:p>
             <a:fld id="{6700A58B-DD98-43D0-B791-721480A02982}" type="datetime1">
               <a:rPr lang="en-US" smtClean="0"/>
-              <a:t>6/15/21</a:t>
+              <a:t>12/31/21</a:t>
             </a:fld>
             <a:endParaRPr lang="en-US"/>
           </a:p>
@@ -44255,7 +44255,7 @@
           <a:p>
             <a:fld id="{6700A58B-DD98-43D0-B791-721480A02982}" type="datetime1">
               <a:rPr lang="en-US" smtClean="0"/>
-              <a:t>6/15/21</a:t>
+              <a:t>12/31/21</a:t>
             </a:fld>
             <a:endParaRPr lang="en-US"/>
           </a:p>
@@ -44714,7 +44714,7 @@
           <a:p>
             <a:fld id="{6700A58B-DD98-43D0-B791-721480A02982}" type="datetime1">
               <a:rPr lang="en-US" smtClean="0"/>
-              <a:t>6/15/21</a:t>
+              <a:t>12/31/21</a:t>
             </a:fld>
             <a:endParaRPr lang="en-US"/>
           </a:p>

--- a/student_lessons/C_Sentiment_Unsupervised/Day3_liveB_ClusteringReview.pptx
+++ b/student_lessons/C_Sentiment_Unsupervised/Day3_liveB_ClusteringReview.pptx
@@ -15189,7 +15189,7 @@
           <a:p>
             <a:fld id="{B0C0A60C-850A-4EA4-9C14-A8FE98B94505}" type="datetimeFigureOut">
               <a:rPr lang="en-US" smtClean="0"/>
-              <a:t>12/31/21</a:t>
+              <a:t>6/14/22</a:t>
             </a:fld>
             <a:endParaRPr lang="en-US"/>
           </a:p>
@@ -15588,7 +15588,7 @@
           <a:p>
             <a:fld id="{5738B90E-0779-4C36-915C-6F05FCD89456}" type="datetime1">
               <a:rPr lang="en-US" smtClean="0"/>
-              <a:t>12/31/21</a:t>
+              <a:t>6/14/22</a:t>
             </a:fld>
             <a:endParaRPr lang="en-US"/>
           </a:p>
@@ -15785,7 +15785,7 @@
           <a:p>
             <a:fld id="{7B9EA29D-D431-42FE-B7B6-AAE4454C77D3}" type="datetime1">
               <a:rPr lang="en-US" smtClean="0"/>
-              <a:t>12/31/21</a:t>
+              <a:t>6/14/22</a:t>
             </a:fld>
             <a:endParaRPr lang="en-US"/>
           </a:p>
@@ -16140,7 +16140,7 @@
           <a:p>
             <a:fld id="{690D8A1E-EA8F-46C1-B891-AE0C00D9C314}" type="datetime1">
               <a:rPr lang="en-US" smtClean="0"/>
-              <a:t>12/31/21</a:t>
+              <a:t>6/14/22</a:t>
             </a:fld>
             <a:endParaRPr lang="en-US"/>
           </a:p>
@@ -16448,7 +16448,7 @@
           <a:p>
             <a:fld id="{D753EFC8-4232-4598-94F6-94C0EBAFC469}" type="datetime1">
               <a:rPr lang="en-US" smtClean="0"/>
-              <a:t>12/31/21</a:t>
+              <a:t>6/14/22</a:t>
             </a:fld>
             <a:endParaRPr lang="en-US"/>
           </a:p>
@@ -16777,7 +16777,7 @@
           <a:p>
             <a:fld id="{F3161074-1C18-4AE7-957D-F18524378C85}" type="datetime1">
               <a:rPr lang="en-US" smtClean="0"/>
-              <a:t>12/31/21</a:t>
+              <a:t>6/14/22</a:t>
             </a:fld>
             <a:endParaRPr lang="en-US"/>
           </a:p>
@@ -17030,7 +17030,7 @@
           <a:p>
             <a:fld id="{69BE256C-8D9A-4404-B47D-41A1AE514425}" type="datetime1">
               <a:rPr lang="en-US" smtClean="0"/>
-              <a:t>12/31/21</a:t>
+              <a:t>6/14/22</a:t>
             </a:fld>
             <a:endParaRPr lang="en-US"/>
           </a:p>
@@ -17478,7 +17478,7 @@
           <a:p>
             <a:fld id="{66CB2154-9035-4012-8189-BAAB61C5A5EE}" type="datetime1">
               <a:rPr lang="en-US" smtClean="0"/>
-              <a:t>12/31/21</a:t>
+              <a:t>6/14/22</a:t>
             </a:fld>
             <a:endParaRPr lang="en-US"/>
           </a:p>
@@ -17666,7 +17666,7 @@
           <a:p>
             <a:fld id="{6700A58B-DD98-43D0-B791-721480A02982}" type="datetime1">
               <a:rPr lang="en-US" smtClean="0"/>
-              <a:t>12/31/21</a:t>
+              <a:t>6/14/22</a:t>
             </a:fld>
             <a:endParaRPr lang="en-US"/>
           </a:p>
@@ -17872,7 +17872,7 @@
           <a:p>
             <a:fld id="{7DB6E382-4F61-4E24-BE1A-377EC83D0E3A}" type="datetime1">
               <a:rPr lang="en-US" smtClean="0"/>
-              <a:t>12/31/21</a:t>
+              <a:t>6/14/22</a:t>
             </a:fld>
             <a:endParaRPr lang="en-US"/>
           </a:p>
@@ -18278,7 +18278,7 @@
           <a:p>
             <a:fld id="{4142EED6-FC16-45B9-B8C4-2BC5DBA88325}" type="datetime1">
               <a:rPr lang="en-US" smtClean="0"/>
-              <a:t>12/31/21</a:t>
+              <a:t>6/14/22</a:t>
             </a:fld>
             <a:endParaRPr lang="en-US"/>
           </a:p>
@@ -18610,7 +18610,7 @@
           <a:p>
             <a:fld id="{DF59512B-4F1D-43D7-8819-2F53FEF69650}" type="datetime1">
               <a:rPr lang="en-US" smtClean="0"/>
-              <a:t>12/31/21</a:t>
+              <a:t>6/14/22</a:t>
             </a:fld>
             <a:endParaRPr lang="en-US"/>
           </a:p>
@@ -18900,7 +18900,7 @@
           <a:p>
             <a:fld id="{08437B94-E2BF-44DC-ADC5-B05FC9934E9D}" type="datetime1">
               <a:rPr lang="en-US" smtClean="0"/>
-              <a:t>12/31/21</a:t>
+              <a:t>6/14/22</a:t>
             </a:fld>
             <a:endParaRPr lang="en-US"/>
           </a:p>
@@ -19424,7 +19424,7 @@
             <a:fld id="{5738B90E-0779-4C36-915C-6F05FCD89456}" type="datetime1">
               <a:rPr lang="en-US" smtClean="0"/>
               <a:pPr/>
-              <a:t>12/31/21</a:t>
+              <a:t>6/14/22</a:t>
             </a:fld>
             <a:endParaRPr lang="en-US"/>
           </a:p>
@@ -19616,7 +19616,7 @@
           <a:p>
             <a:fld id="{6700A58B-DD98-43D0-B791-721480A02982}" type="datetime1">
               <a:rPr lang="en-US" smtClean="0"/>
-              <a:t>12/31/21</a:t>
+              <a:t>6/14/22</a:t>
             </a:fld>
             <a:endParaRPr lang="en-US"/>
           </a:p>
@@ -19934,7 +19934,7 @@
           <a:p>
             <a:fld id="{6700A58B-DD98-43D0-B791-721480A02982}" type="datetime1">
               <a:rPr lang="en-US" smtClean="0"/>
-              <a:t>12/31/21</a:t>
+              <a:t>6/14/22</a:t>
             </a:fld>
             <a:endParaRPr lang="en-US"/>
           </a:p>
@@ -20251,42 +20251,9 @@
           <a:p>
             <a:fld id="{6700A58B-DD98-43D0-B791-721480A02982}" type="datetime1">
               <a:rPr lang="en-US" smtClean="0"/>
-              <a:t>12/31/21</a:t>
+              <a:t>6/14/22</a:t>
             </a:fld>
             <a:endParaRPr lang="en-US"/>
-          </a:p>
-        </p:txBody>
-      </p:sp>
-      <p:sp>
-        <p:nvSpPr>
-          <p:cNvPr id="3" name="Title 2">
-            <a:extLst>
-              <a:ext uri="{FF2B5EF4-FFF2-40B4-BE49-F238E27FC236}">
-                <a16:creationId xmlns:a16="http://schemas.microsoft.com/office/drawing/2014/main" id="{EFD3F5D3-1E38-4F52-8298-D78245B3C28B}"/>
-              </a:ext>
-            </a:extLst>
-          </p:cNvPr>
-          <p:cNvSpPr>
-            <a:spLocks noGrp="1"/>
-          </p:cNvSpPr>
-          <p:nvPr>
-            <p:ph type="title"/>
-          </p:nvPr>
-        </p:nvSpPr>
-        <p:spPr/>
-        <p:txBody>
-          <a:bodyPr/>
-          <a:lstStyle/>
-          <a:p>
-            <a:r>
-              <a:rPr lang="en-US" dirty="0"/>
-              <a:t>Open </a:t>
-            </a:r>
-            <a:r>
-              <a:rPr lang="en-US" dirty="0" err="1"/>
-              <a:t>C_topicModeling.R</a:t>
-            </a:r>
-            <a:endParaRPr lang="en-US" dirty="0"/>
           </a:p>
         </p:txBody>
       </p:sp>
@@ -20482,6 +20449,34 @@
           </a:fontRef>
         </p:style>
       </p:cxnSp>
+      <p:sp>
+        <p:nvSpPr>
+          <p:cNvPr id="9" name="Title 8">
+            <a:extLst>
+              <a:ext uri="{FF2B5EF4-FFF2-40B4-BE49-F238E27FC236}">
+                <a16:creationId xmlns:a16="http://schemas.microsoft.com/office/drawing/2014/main" id="{4928D4DA-33D6-5D49-9B0E-02163F557ABE}"/>
+              </a:ext>
+            </a:extLst>
+          </p:cNvPr>
+          <p:cNvSpPr>
+            <a:spLocks noGrp="1"/>
+          </p:cNvSpPr>
+          <p:nvPr>
+            <p:ph type="title"/>
+          </p:nvPr>
+        </p:nvSpPr>
+        <p:spPr/>
+        <p:txBody>
+          <a:bodyPr/>
+          <a:lstStyle/>
+          <a:p>
+            <a:r>
+              <a:rPr lang="en-US" dirty="0"/>
+              <a:t>Topic Modeling!</a:t>
+            </a:r>
+          </a:p>
+        </p:txBody>
+      </p:sp>
     </p:spTree>
     <p:extLst>
       <p:ext uri="{BB962C8B-B14F-4D97-AF65-F5344CB8AC3E}">
@@ -20535,7 +20530,7 @@
           <a:p>
             <a:fld id="{6700A58B-DD98-43D0-B791-721480A02982}" type="datetime1">
               <a:rPr lang="en-US" smtClean="0"/>
-              <a:t>12/31/21</a:t>
+              <a:t>6/14/22</a:t>
             </a:fld>
             <a:endParaRPr lang="en-US"/>
           </a:p>
@@ -21021,7 +21016,7 @@
           <a:p>
             <a:fld id="{6700A58B-DD98-43D0-B791-721480A02982}" type="datetime1">
               <a:rPr lang="en-US" smtClean="0"/>
-              <a:t>12/31/21</a:t>
+              <a:t>6/14/22</a:t>
             </a:fld>
             <a:endParaRPr lang="en-US"/>
           </a:p>
@@ -21287,7 +21282,7 @@
           <a:p>
             <a:fld id="{6700A58B-DD98-43D0-B791-721480A02982}" type="datetime1">
               <a:rPr lang="en-US" smtClean="0"/>
-              <a:t>12/31/21</a:t>
+              <a:t>6/14/22</a:t>
             </a:fld>
             <a:endParaRPr lang="en-US"/>
           </a:p>
@@ -21667,7 +21662,7 @@
           <a:p>
             <a:fld id="{6700A58B-DD98-43D0-B791-721480A02982}" type="datetime1">
               <a:rPr lang="en-US" smtClean="0"/>
-              <a:t>12/31/21</a:t>
+              <a:t>6/14/22</a:t>
             </a:fld>
             <a:endParaRPr lang="en-US"/>
           </a:p>
@@ -21818,7 +21813,7 @@
           <a:p>
             <a:fld id="{6700A58B-DD98-43D0-B791-721480A02982}" type="datetime1">
               <a:rPr lang="en-US" smtClean="0"/>
-              <a:t>12/31/21</a:t>
+              <a:t>6/14/22</a:t>
             </a:fld>
             <a:endParaRPr lang="en-US"/>
           </a:p>
@@ -21964,7 +21959,7 @@
           <a:p>
             <a:fld id="{6700A58B-DD98-43D0-B791-721480A02982}" type="datetime1">
               <a:rPr lang="en-US" smtClean="0"/>
-              <a:t>12/31/21</a:t>
+              <a:t>6/14/22</a:t>
             </a:fld>
             <a:endParaRPr lang="en-US"/>
           </a:p>
@@ -22675,7 +22670,7 @@
           <a:graphicData uri="http://schemas.openxmlformats.org/presentationml/2006/ole">
             <mc:AlternateContent xmlns:mc="http://schemas.openxmlformats.org/markup-compatibility/2006">
               <mc:Choice xmlns:v="urn:schemas-microsoft-com:vml" Requires="v">
-                <p:oleObj spid="_x0000_s3080" name="Document" r:id="rId3" imgW="2858268" imgH="544757" progId="Word.Document.12">
+                <p:oleObj spid="_x0000_s3081" name="Document" r:id="rId3" imgW="2858268" imgH="544757" progId="Word.Document.12">
                   <p:embed/>
                 </p:oleObj>
               </mc:Choice>
@@ -22769,7 +22764,7 @@
           <a:p>
             <a:fld id="{6700A58B-DD98-43D0-B791-721480A02982}" type="datetime1">
               <a:rPr lang="en-US" smtClean="0"/>
-              <a:t>12/31/21</a:t>
+              <a:t>6/14/22</a:t>
             </a:fld>
             <a:endParaRPr lang="en-US"/>
           </a:p>
@@ -23340,7 +23335,7 @@
           <a:p>
             <a:fld id="{6700A58B-DD98-43D0-B791-721480A02982}" type="datetime1">
               <a:rPr lang="en-US" smtClean="0"/>
-              <a:t>12/31/21</a:t>
+              <a:t>6/14/22</a:t>
             </a:fld>
             <a:endParaRPr lang="en-US"/>
           </a:p>
@@ -25675,7 +25670,7 @@
           <a:p>
             <a:fld id="{6700A58B-DD98-43D0-B791-721480A02982}" type="datetime1">
               <a:rPr lang="en-US" smtClean="0"/>
-              <a:t>12/31/21</a:t>
+              <a:t>6/14/22</a:t>
             </a:fld>
             <a:endParaRPr lang="en-US"/>
           </a:p>
@@ -26688,7 +26683,7 @@
           <a:p>
             <a:fld id="{6700A58B-DD98-43D0-B791-721480A02982}" type="datetime1">
               <a:rPr lang="en-US" smtClean="0"/>
-              <a:t>12/31/21</a:t>
+              <a:t>6/14/22</a:t>
             </a:fld>
             <a:endParaRPr lang="en-US"/>
           </a:p>
@@ -27190,7 +27185,7 @@
             <a:fld id="{6700A58B-DD98-43D0-B791-721480A02982}" type="datetime1">
               <a:rPr lang="en-US" smtClean="0"/>
               <a:pPr/>
-              <a:t>12/31/21</a:t>
+              <a:t>6/14/22</a:t>
             </a:fld>
             <a:endParaRPr lang="en-US"/>
           </a:p>
@@ -27795,7 +27790,7 @@
             <a:fld id="{6700A58B-DD98-43D0-B791-721480A02982}" type="datetime1">
               <a:rPr lang="en-US" smtClean="0"/>
               <a:pPr/>
-              <a:t>12/31/21</a:t>
+              <a:t>6/14/22</a:t>
             </a:fld>
             <a:endParaRPr lang="en-US"/>
           </a:p>
@@ -28439,7 +28434,7 @@
             <a:fld id="{6700A58B-DD98-43D0-B791-721480A02982}" type="datetime1">
               <a:rPr lang="en-US" smtClean="0"/>
               <a:pPr/>
-              <a:t>12/31/21</a:t>
+              <a:t>6/14/22</a:t>
             </a:fld>
             <a:endParaRPr lang="en-US"/>
           </a:p>
@@ -29228,7 +29223,7 @@
             <a:fld id="{6700A58B-DD98-43D0-B791-721480A02982}" type="datetime1">
               <a:rPr lang="en-US" smtClean="0"/>
               <a:pPr/>
-              <a:t>12/31/21</a:t>
+              <a:t>6/14/22</a:t>
             </a:fld>
             <a:endParaRPr lang="en-US"/>
           </a:p>
@@ -30022,7 +30017,7 @@
           <a:p>
             <a:fld id="{6700A58B-DD98-43D0-B791-721480A02982}" type="datetime1">
               <a:rPr lang="en-US" smtClean="0"/>
-              <a:t>12/31/21</a:t>
+              <a:t>6/14/22</a:t>
             </a:fld>
             <a:endParaRPr lang="en-US"/>
           </a:p>
@@ -30774,7 +30769,7 @@
             <a:fld id="{6700A58B-DD98-43D0-B791-721480A02982}" type="datetime1">
               <a:rPr lang="en-US" smtClean="0"/>
               <a:pPr/>
-              <a:t>12/31/21</a:t>
+              <a:t>6/14/22</a:t>
             </a:fld>
             <a:endParaRPr lang="en-US"/>
           </a:p>
@@ -31752,7 +31747,7 @@
             <a:fld id="{6700A58B-DD98-43D0-B791-721480A02982}" type="datetime1">
               <a:rPr lang="en-US" smtClean="0"/>
               <a:pPr/>
-              <a:t>12/31/21</a:t>
+              <a:t>6/14/22</a:t>
             </a:fld>
             <a:endParaRPr lang="en-US"/>
           </a:p>
@@ -32418,7 +32413,7 @@
           <a:p>
             <a:fld id="{6700A58B-DD98-43D0-B791-721480A02982}" type="datetime1">
               <a:rPr lang="en-US" smtClean="0"/>
-              <a:t>12/31/21</a:t>
+              <a:t>6/14/22</a:t>
             </a:fld>
             <a:endParaRPr lang="en-US"/>
           </a:p>
@@ -32998,7 +32993,7 @@
           <a:p>
             <a:fld id="{6700A58B-DD98-43D0-B791-721480A02982}" type="datetime1">
               <a:rPr lang="en-US" smtClean="0"/>
-              <a:t>12/31/21</a:t>
+              <a:t>6/14/22</a:t>
             </a:fld>
             <a:endParaRPr lang="en-US"/>
           </a:p>
@@ -33470,7 +33465,7 @@
           <a:p>
             <a:fld id="{6700A58B-DD98-43D0-B791-721480A02982}" type="datetime1">
               <a:rPr lang="en-US" smtClean="0"/>
-              <a:t>12/31/21</a:t>
+              <a:t>6/14/22</a:t>
             </a:fld>
             <a:endParaRPr lang="en-US"/>
           </a:p>
@@ -33753,7 +33748,7 @@
           <a:p>
             <a:fld id="{6700A58B-DD98-43D0-B791-721480A02982}" type="datetime1">
               <a:rPr lang="en-US" smtClean="0"/>
-              <a:t>12/31/21</a:t>
+              <a:t>6/14/22</a:t>
             </a:fld>
             <a:endParaRPr lang="en-US"/>
           </a:p>
@@ -34096,7 +34091,7 @@
           <a:p>
             <a:fld id="{6700A58B-DD98-43D0-B791-721480A02982}" type="datetime1">
               <a:rPr lang="en-US" smtClean="0"/>
-              <a:t>12/31/21</a:t>
+              <a:t>6/14/22</a:t>
             </a:fld>
             <a:endParaRPr lang="en-US"/>
           </a:p>
@@ -34490,7 +34485,7 @@
           <a:p>
             <a:fld id="{6700A58B-DD98-43D0-B791-721480A02982}" type="datetime1">
               <a:rPr lang="en-US" smtClean="0"/>
-              <a:t>12/31/21</a:t>
+              <a:t>6/14/22</a:t>
             </a:fld>
             <a:endParaRPr lang="en-US"/>
           </a:p>
@@ -34938,7 +34933,7 @@
           <a:p>
             <a:fld id="{6700A58B-DD98-43D0-B791-721480A02982}" type="datetime1">
               <a:rPr lang="en-US" smtClean="0"/>
-              <a:t>12/31/21</a:t>
+              <a:t>6/14/22</a:t>
             </a:fld>
             <a:endParaRPr lang="en-US"/>
           </a:p>
@@ -36003,7 +35998,7 @@
           <a:p>
             <a:fld id="{6700A58B-DD98-43D0-B791-721480A02982}" type="datetime1">
               <a:rPr lang="en-US" smtClean="0"/>
-              <a:t>12/31/21</a:t>
+              <a:t>6/14/22</a:t>
             </a:fld>
             <a:endParaRPr lang="en-US"/>
           </a:p>
@@ -36945,7 +36940,7 @@
           <a:p>
             <a:fld id="{6700A58B-DD98-43D0-B791-721480A02982}" type="datetime1">
               <a:rPr lang="en-US" smtClean="0"/>
-              <a:t>12/31/21</a:t>
+              <a:t>6/14/22</a:t>
             </a:fld>
             <a:endParaRPr lang="en-US"/>
           </a:p>
@@ -37789,7 +37784,7 @@
           <a:p>
             <a:fld id="{6700A58B-DD98-43D0-B791-721480A02982}" type="datetime1">
               <a:rPr lang="en-US" smtClean="0"/>
-              <a:t>12/31/21</a:t>
+              <a:t>6/14/22</a:t>
             </a:fld>
             <a:endParaRPr lang="en-US"/>
           </a:p>
@@ -38512,7 +38507,7 @@
           <a:p>
             <a:fld id="{6700A58B-DD98-43D0-B791-721480A02982}" type="datetime1">
               <a:rPr lang="en-US" smtClean="0"/>
-              <a:t>12/31/21</a:t>
+              <a:t>6/14/22</a:t>
             </a:fld>
             <a:endParaRPr lang="en-US"/>
           </a:p>
@@ -39390,9 +39385,9 @@
           <a:p>
             <a:fld id="{6700A58B-DD98-43D0-B791-721480A02982}" type="datetime1">
               <a:rPr lang="en-US" smtClean="0"/>
-              <a:t>12/31/21</a:t>
+              <a:t>6/14/22</a:t>
             </a:fld>
-            <a:endParaRPr lang="en-US"/>
+            <a:endParaRPr lang="en-US" dirty="0"/>
           </a:p>
         </p:txBody>
       </p:sp>
@@ -39474,7 +39469,7 @@
         <p:spPr>
           <a:xfrm>
             <a:off x="281460" y="4987933"/>
-            <a:ext cx="3678828" cy="646331"/>
+            <a:ext cx="4605363" cy="646331"/>
           </a:xfrm>
           <a:prstGeom prst="rect">
             <a:avLst/>
@@ -39493,7 +39488,23 @@
                   <a:schemeClr val="accent6"/>
                 </a:solidFill>
               </a:rPr>
-              <a:t>3. Distance Measure: 49 / 63.1 </a:t>
+              <a:t>3. </a:t>
+            </a:r>
+            <a:r>
+              <a:rPr lang="en-US" strike="sngStrike" dirty="0">
+                <a:solidFill>
+                  <a:schemeClr val="accent6"/>
+                </a:solidFill>
+              </a:rPr>
+              <a:t>Distance</a:t>
+            </a:r>
+            <a:r>
+              <a:rPr lang="en-US" dirty="0">
+                <a:solidFill>
+                  <a:schemeClr val="accent6"/>
+                </a:solidFill>
+              </a:rPr>
+              <a:t> Similarity Measure: 49 / 63.1 </a:t>
             </a:r>
             <a:r>
               <a:rPr lang="en-US" u="sng" dirty="0">
@@ -39936,7 +39947,7 @@
           <a:p>
             <a:fld id="{6700A58B-DD98-43D0-B791-721480A02982}" type="datetime1">
               <a:rPr lang="en-US" smtClean="0"/>
-              <a:t>12/31/21</a:t>
+              <a:t>6/14/22</a:t>
             </a:fld>
             <a:endParaRPr lang="en-US"/>
           </a:p>
@@ -40414,7 +40425,7 @@
           <a:p>
             <a:fld id="{6700A58B-DD98-43D0-B791-721480A02982}" type="datetime1">
               <a:rPr lang="en-US" smtClean="0"/>
-              <a:t>12/31/21</a:t>
+              <a:t>6/14/22</a:t>
             </a:fld>
             <a:endParaRPr lang="en-US"/>
           </a:p>
@@ -40976,7 +40987,7 @@
           <a:p>
             <a:fld id="{6700A58B-DD98-43D0-B791-721480A02982}" type="datetime1">
               <a:rPr lang="en-US" smtClean="0"/>
-              <a:t>12/31/21</a:t>
+              <a:t>6/14/22</a:t>
             </a:fld>
             <a:endParaRPr lang="en-US"/>
           </a:p>
@@ -41346,7 +41357,7 @@
           <a:p>
             <a:fld id="{6700A58B-DD98-43D0-B791-721480A02982}" type="datetime1">
               <a:rPr lang="en-US" smtClean="0"/>
-              <a:t>12/31/21</a:t>
+              <a:t>6/14/22</a:t>
             </a:fld>
             <a:endParaRPr lang="en-US"/>
           </a:p>
@@ -41918,7 +41929,7 @@
                   <a:spcPts val="600"/>
                 </a:spcAft>
               </a:pPr>
-              <a:t>12/31/21</a:t>
+              <a:t>6/14/22</a:t>
             </a:fld>
             <a:endParaRPr lang="en-US" sz="1200"/>
           </a:p>
@@ -42380,7 +42391,7 @@
                 </a:spcAft>
                 <a:defRPr/>
               </a:pPr>
-              <a:t>12/31/21</a:t>
+              <a:t>6/14/22</a:t>
             </a:fld>
             <a:endParaRPr lang="en-US" sz="1200">
               <a:solidFill>
@@ -42618,7 +42629,7 @@
           <a:p>
             <a:fld id="{6700A58B-DD98-43D0-B791-721480A02982}" type="datetime1">
               <a:rPr lang="en-US" smtClean="0"/>
-              <a:t>12/31/21</a:t>
+              <a:t>6/14/22</a:t>
             </a:fld>
             <a:endParaRPr lang="en-US"/>
           </a:p>
@@ -42990,7 +43001,7 @@
           <a:p>
             <a:fld id="{6700A58B-DD98-43D0-B791-721480A02982}" type="datetime1">
               <a:rPr lang="en-US" smtClean="0"/>
-              <a:t>12/31/21</a:t>
+              <a:t>6/14/22</a:t>
             </a:fld>
             <a:endParaRPr lang="en-US"/>
           </a:p>
@@ -43303,7 +43314,7 @@
           <a:p>
             <a:fld id="{6700A58B-DD98-43D0-B791-721480A02982}" type="datetime1">
               <a:rPr lang="en-US" smtClean="0"/>
-              <a:t>12/31/21</a:t>
+              <a:t>6/14/22</a:t>
             </a:fld>
             <a:endParaRPr lang="en-US"/>
           </a:p>
@@ -43715,7 +43726,7 @@
           <a:p>
             <a:fld id="{6700A58B-DD98-43D0-B791-721480A02982}" type="datetime1">
               <a:rPr lang="en-US" smtClean="0"/>
-              <a:t>12/31/21</a:t>
+              <a:t>6/14/22</a:t>
             </a:fld>
             <a:endParaRPr lang="en-US"/>
           </a:p>
@@ -44255,7 +44266,7 @@
           <a:p>
             <a:fld id="{6700A58B-DD98-43D0-B791-721480A02982}" type="datetime1">
               <a:rPr lang="en-US" smtClean="0"/>
-              <a:t>12/31/21</a:t>
+              <a:t>6/14/22</a:t>
             </a:fld>
             <a:endParaRPr lang="en-US"/>
           </a:p>
@@ -44714,7 +44725,7 @@
           <a:p>
             <a:fld id="{6700A58B-DD98-43D0-B791-721480A02982}" type="datetime1">
               <a:rPr lang="en-US" smtClean="0"/>
-              <a:t>12/31/21</a:t>
+              <a:t>6/14/22</a:t>
             </a:fld>
             <a:endParaRPr lang="en-US"/>
           </a:p>
